--- a/Religion/t4 assesment.pptx
+++ b/Religion/t4 assesment.pptx
@@ -70,20 +70,17 @@
             <a:noAutofit/>
           </a:bodyPr>
           <a:p>
-            <a:r>
-              <a:rPr b="0" lang="en-US" sz="1800" spc="-1" strike="noStrike">
-                <a:solidFill>
-                  <a:srgbClr val="000000"/>
-                </a:solidFill>
-                <a:latin typeface="Calibri"/>
+            <a:pPr algn="ctr">
+              <a:buNone/>
+            </a:pPr>
+            <a:r>
+              <a:rPr b="0" lang="en-AU" sz="4400" spc="-1" strike="noStrike">
+                <a:latin typeface="Arial"/>
               </a:rPr>
               <a:t>Click to move the slide</a:t>
             </a:r>
-            <a:endParaRPr b="0" lang="en-US" sz="1800" spc="-1" strike="noStrike">
-              <a:solidFill>
-                <a:srgbClr val="000000"/>
-              </a:solidFill>
-              <a:latin typeface="Calibri"/>
+            <a:endParaRPr b="0" lang="en-AU" sz="4400" spc="-1" strike="noStrike">
+              <a:latin typeface="Arial"/>
             </a:endParaRPr>
           </a:p>
         </p:txBody>
@@ -117,12 +114,12 @@
           </a:bodyPr>
           <a:p>
             <a:r>
-              <a:rPr b="0" lang="en-US" sz="2000" spc="-1" strike="noStrike">
+              <a:rPr b="0" lang="en-AU" sz="2000" spc="-1" strike="noStrike">
                 <a:latin typeface="Arial"/>
               </a:rPr>
               <a:t>Click to edit the notes format</a:t>
             </a:r>
-            <a:endParaRPr b="0" lang="en-US" sz="2000" spc="-1" strike="noStrike">
+            <a:endParaRPr b="0" lang="en-AU" sz="2000" spc="-1" strike="noStrike">
               <a:latin typeface="Arial"/>
             </a:endParaRPr>
           </a:p>
@@ -157,12 +154,12 @@
           </a:bodyPr>
           <a:p>
             <a:r>
-              <a:rPr b="0" lang="en-US" sz="1400" spc="-1" strike="noStrike">
+              <a:rPr b="0" lang="en-AU" sz="1400" spc="-1" strike="noStrike">
                 <a:latin typeface="Times New Roman"/>
               </a:rPr>
               <a:t>&lt;header&gt;</a:t>
             </a:r>
-            <a:endParaRPr b="0" lang="en-US" sz="1400" spc="-1" strike="noStrike">
+            <a:endParaRPr b="0" lang="en-AU" sz="1400" spc="-1" strike="noStrike">
               <a:latin typeface="Times New Roman"/>
             </a:endParaRPr>
           </a:p>
@@ -198,7 +195,7 @@
           <a:lstStyle>
             <a:lvl1pPr algn="r">
               <a:buNone/>
-              <a:defRPr b="0" lang="en-US" sz="1400" spc="-1" strike="noStrike">
+              <a:defRPr b="0" lang="en-AU" sz="1400" spc="-1" strike="noStrike">
                 <a:latin typeface="Times New Roman"/>
               </a:defRPr>
             </a:lvl1pPr>
@@ -208,12 +205,12 @@
               <a:buNone/>
             </a:pPr>
             <a:r>
-              <a:rPr b="0" lang="en-US" sz="1400" spc="-1" strike="noStrike">
+              <a:rPr b="0" lang="en-AU" sz="1400" spc="-1" strike="noStrike">
                 <a:latin typeface="Times New Roman"/>
               </a:rPr>
               <a:t>&lt;date/time&gt;</a:t>
             </a:r>
-            <a:endParaRPr b="0" lang="en-US" sz="1400" spc="-1" strike="noStrike">
+            <a:endParaRPr b="0" lang="en-AU" sz="1400" spc="-1" strike="noStrike">
               <a:latin typeface="Times New Roman"/>
             </a:endParaRPr>
           </a:p>
@@ -248,19 +245,19 @@
           </a:bodyPr>
           <a:lstStyle>
             <a:lvl1pPr>
-              <a:defRPr b="0" lang="en-US" sz="1400" spc="-1" strike="noStrike">
+              <a:defRPr b="0" lang="en-AU" sz="1400" spc="-1" strike="noStrike">
                 <a:latin typeface="Times New Roman"/>
               </a:defRPr>
             </a:lvl1pPr>
           </a:lstStyle>
           <a:p>
             <a:r>
-              <a:rPr b="0" lang="en-US" sz="1400" spc="-1" strike="noStrike">
+              <a:rPr b="0" lang="en-AU" sz="1400" spc="-1" strike="noStrike">
                 <a:latin typeface="Times New Roman"/>
               </a:rPr>
               <a:t>&lt;footer&gt;</a:t>
             </a:r>
-            <a:endParaRPr b="0" lang="en-US" sz="1400" spc="-1" strike="noStrike">
+            <a:endParaRPr b="0" lang="en-AU" sz="1400" spc="-1" strike="noStrike">
               <a:latin typeface="Times New Roman"/>
             </a:endParaRPr>
           </a:p>
@@ -296,7 +293,7 @@
           <a:lstStyle>
             <a:lvl1pPr algn="r">
               <a:buNone/>
-              <a:defRPr b="0" lang="en-US" sz="1400" spc="-1" strike="noStrike">
+              <a:defRPr b="0" lang="en-AU" sz="1400" spc="-1" strike="noStrike">
                 <a:latin typeface="Times New Roman"/>
               </a:defRPr>
             </a:lvl1pPr>
@@ -305,13 +302,13 @@
             <a:pPr algn="r">
               <a:buNone/>
             </a:pPr>
-            <a:fld id="{B8714439-A563-4408-BD23-AE68699060C2}" type="slidenum">
-              <a:rPr b="0" lang="en-US" sz="1400" spc="-1" strike="noStrike">
+            <a:fld id="{0AFAAC1E-0B1D-42D3-816F-74F0982CFAEB}" type="slidenum">
+              <a:rPr b="0" lang="en-AU" sz="1400" spc="-1" strike="noStrike">
                 <a:latin typeface="Times New Roman"/>
               </a:rPr>
               <a:t>&lt;number&gt;</a:t>
             </a:fld>
-            <a:endParaRPr b="0" lang="en-US" sz="1400" spc="-1" strike="noStrike">
+            <a:endParaRPr b="0" lang="en-AU" sz="1400" spc="-1" strike="noStrike">
               <a:latin typeface="Times New Roman"/>
             </a:endParaRPr>
           </a:p>
@@ -353,7 +350,7 @@
         <p:spPr>
           <a:xfrm>
             <a:off x="4278960" y="10157400"/>
-            <a:ext cx="3280320" cy="533880"/>
+            <a:ext cx="3279960" cy="533520"/>
           </a:xfrm>
           <a:prstGeom prst="rect">
             <a:avLst/>
@@ -389,7 +386,7 @@
               </a:lnSpc>
               <a:buNone/>
             </a:pPr>
-            <a:fld id="{BBF923B6-4916-44F6-A5A4-54765DE5E1E4}" type="slidenum">
+            <a:fld id="{D494D784-68F9-4832-8C97-36C1E3B0EA4D}" type="slidenum">
               <a:rPr b="1" lang="en-AU" sz="1400" spc="-1" strike="noStrike">
                 <a:solidFill>
                   <a:srgbClr val="ffffff"/>
@@ -399,7 +396,7 @@
               </a:rPr>
               <a:t>&lt;number&gt;</a:t>
             </a:fld>
-            <a:endParaRPr b="0" lang="en-US" sz="1400" spc="-1" strike="noStrike">
+            <a:endParaRPr b="0" lang="en-AU" sz="1400" spc="-1" strike="noStrike">
               <a:latin typeface="Times New Roman"/>
             </a:endParaRPr>
           </a:p>
@@ -418,7 +415,7 @@
         <p:spPr>
           <a:xfrm>
             <a:off x="1107000" y="812520"/>
-            <a:ext cx="5344920" cy="4008600"/>
+            <a:ext cx="5344560" cy="4008240"/>
           </a:xfrm>
           <a:prstGeom prst="rect">
             <a:avLst/>
@@ -441,7 +438,7 @@
         <p:spPr>
           <a:xfrm>
             <a:off x="756000" y="5078520"/>
-            <a:ext cx="6047640" cy="4811040"/>
+            <a:ext cx="6047280" cy="4810680"/>
           </a:xfrm>
           <a:prstGeom prst="rect">
             <a:avLst/>
@@ -456,7 +453,7 @@
             <a:noAutofit/>
           </a:bodyPr>
           <a:p>
-            <a:endParaRPr b="0" lang="en-US" sz="2000" spc="-1" strike="noStrike">
+            <a:endParaRPr b="0" lang="en-AU" sz="2000" spc="-1" strike="noStrike">
               <a:latin typeface="Arial"/>
             </a:endParaRPr>
           </a:p>
@@ -497,7 +494,7 @@
         <p:spPr>
           <a:xfrm>
             <a:off x="4278960" y="10157400"/>
-            <a:ext cx="3280320" cy="533880"/>
+            <a:ext cx="3279960" cy="533520"/>
           </a:xfrm>
           <a:prstGeom prst="rect">
             <a:avLst/>
@@ -533,7 +530,7 @@
               </a:lnSpc>
               <a:buNone/>
             </a:pPr>
-            <a:fld id="{BB4483CA-944A-444B-BC8C-04A4DF80442C}" type="slidenum">
+            <a:fld id="{20580C4C-99F4-4AE9-8118-3DEC8B25294E}" type="slidenum">
               <a:rPr b="1" lang="en-AU" sz="1400" spc="-1" strike="noStrike">
                 <a:solidFill>
                   <a:srgbClr val="ffffff"/>
@@ -543,7 +540,7 @@
               </a:rPr>
               <a:t>&lt;number&gt;</a:t>
             </a:fld>
-            <a:endParaRPr b="0" lang="en-US" sz="1400" spc="-1" strike="noStrike">
+            <a:endParaRPr b="0" lang="en-AU" sz="1400" spc="-1" strike="noStrike">
               <a:latin typeface="Times New Roman"/>
             </a:endParaRPr>
           </a:p>
@@ -562,7 +559,7 @@
         <p:spPr>
           <a:xfrm>
             <a:off x="217440" y="812880"/>
-            <a:ext cx="7122600" cy="4008240"/>
+            <a:ext cx="7122240" cy="4007880"/>
           </a:xfrm>
           <a:prstGeom prst="rect">
             <a:avLst/>
@@ -585,7 +582,7 @@
         <p:spPr>
           <a:xfrm>
             <a:off x="756000" y="5078520"/>
-            <a:ext cx="6047280" cy="4810680"/>
+            <a:ext cx="6046920" cy="4810320"/>
           </a:xfrm>
           <a:prstGeom prst="rect">
             <a:avLst/>
@@ -600,7 +597,7 @@
             <a:noAutofit/>
           </a:bodyPr>
           <a:p>
-            <a:endParaRPr b="0" lang="en-US" sz="2000" spc="-1" strike="noStrike">
+            <a:endParaRPr b="0" lang="en-AU" sz="2000" spc="-1" strike="noStrike">
               <a:latin typeface="Arial"/>
             </a:endParaRPr>
           </a:p>
@@ -641,7 +638,7 @@
         <p:spPr>
           <a:xfrm>
             <a:off x="4278960" y="10157400"/>
-            <a:ext cx="3280320" cy="533880"/>
+            <a:ext cx="3279960" cy="533520"/>
           </a:xfrm>
           <a:prstGeom prst="rect">
             <a:avLst/>
@@ -677,7 +674,7 @@
               </a:lnSpc>
               <a:buNone/>
             </a:pPr>
-            <a:fld id="{63F4B1E9-FEBC-4B08-93E5-CA979D91D395}" type="slidenum">
+            <a:fld id="{D43753B0-78CE-4317-84C0-3F25B949FCE7}" type="slidenum">
               <a:rPr b="1" lang="en-AU" sz="1400" spc="-1" strike="noStrike">
                 <a:solidFill>
                   <a:srgbClr val="ffffff"/>
@@ -687,7 +684,7 @@
               </a:rPr>
               <a:t>&lt;number&gt;</a:t>
             </a:fld>
-            <a:endParaRPr b="0" lang="en-US" sz="1400" spc="-1" strike="noStrike">
+            <a:endParaRPr b="0" lang="en-AU" sz="1400" spc="-1" strike="noStrike">
               <a:latin typeface="Times New Roman"/>
             </a:endParaRPr>
           </a:p>
@@ -706,7 +703,7 @@
         <p:spPr>
           <a:xfrm>
             <a:off x="217440" y="812880"/>
-            <a:ext cx="7122600" cy="4008240"/>
+            <a:ext cx="7122240" cy="4007880"/>
           </a:xfrm>
           <a:prstGeom prst="rect">
             <a:avLst/>
@@ -729,7 +726,7 @@
         <p:spPr>
           <a:xfrm>
             <a:off x="756000" y="5078520"/>
-            <a:ext cx="6047640" cy="4811040"/>
+            <a:ext cx="6047280" cy="4810680"/>
           </a:xfrm>
           <a:prstGeom prst="rect">
             <a:avLst/>
@@ -744,7 +741,7 @@
             <a:noAutofit/>
           </a:bodyPr>
           <a:p>
-            <a:endParaRPr b="0" lang="en-US" sz="2000" spc="-1" strike="noStrike">
+            <a:endParaRPr b="0" lang="en-AU" sz="2000" spc="-1" strike="noStrike">
               <a:latin typeface="Arial"/>
             </a:endParaRPr>
           </a:p>
@@ -785,7 +782,7 @@
         <p:spPr>
           <a:xfrm>
             <a:off x="4278960" y="10157400"/>
-            <a:ext cx="3280320" cy="533880"/>
+            <a:ext cx="3279960" cy="533520"/>
           </a:xfrm>
           <a:prstGeom prst="rect">
             <a:avLst/>
@@ -821,7 +818,7 @@
               </a:lnSpc>
               <a:buNone/>
             </a:pPr>
-            <a:fld id="{C2ACFE8C-2292-48F4-BEC8-7F5668BC747A}" type="slidenum">
+            <a:fld id="{064F0A68-E613-417E-9C75-D9F290E77E90}" type="slidenum">
               <a:rPr b="1" lang="en-AU" sz="1400" spc="-1" strike="noStrike">
                 <a:solidFill>
                   <a:srgbClr val="ffffff"/>
@@ -831,7 +828,7 @@
               </a:rPr>
               <a:t>&lt;number&gt;</a:t>
             </a:fld>
-            <a:endParaRPr b="0" lang="en-US" sz="1400" spc="-1" strike="noStrike">
+            <a:endParaRPr b="0" lang="en-AU" sz="1400" spc="-1" strike="noStrike">
               <a:latin typeface="Times New Roman"/>
             </a:endParaRPr>
           </a:p>
@@ -850,7 +847,7 @@
         <p:spPr>
           <a:xfrm>
             <a:off x="217440" y="812880"/>
-            <a:ext cx="7122600" cy="4008240"/>
+            <a:ext cx="7122240" cy="4007880"/>
           </a:xfrm>
           <a:prstGeom prst="rect">
             <a:avLst/>
@@ -873,7 +870,7 @@
         <p:spPr>
           <a:xfrm>
             <a:off x="756000" y="5078520"/>
-            <a:ext cx="6047280" cy="4810680"/>
+            <a:ext cx="6046920" cy="4810320"/>
           </a:xfrm>
           <a:prstGeom prst="rect">
             <a:avLst/>
@@ -888,7 +885,7 @@
             <a:noAutofit/>
           </a:bodyPr>
           <a:p>
-            <a:endParaRPr b="0" lang="en-US" sz="2000" spc="-1" strike="noStrike">
+            <a:endParaRPr b="0" lang="en-AU" sz="2000" spc="-1" strike="noStrike">
               <a:latin typeface="Arial"/>
             </a:endParaRPr>
           </a:p>
@@ -929,7 +926,7 @@
         <p:spPr>
           <a:xfrm>
             <a:off x="4278960" y="10157400"/>
-            <a:ext cx="3280320" cy="533880"/>
+            <a:ext cx="3279960" cy="533520"/>
           </a:xfrm>
           <a:prstGeom prst="rect">
             <a:avLst/>
@@ -965,7 +962,7 @@
               </a:lnSpc>
               <a:buNone/>
             </a:pPr>
-            <a:fld id="{04DDF2D3-7CA9-49EB-8CE7-390222CD4D0E}" type="slidenum">
+            <a:fld id="{650C25E1-9978-4705-9A76-BAD9D52241D6}" type="slidenum">
               <a:rPr b="1" lang="en-AU" sz="1400" spc="-1" strike="noStrike">
                 <a:solidFill>
                   <a:srgbClr val="ffffff"/>
@@ -975,7 +972,7 @@
               </a:rPr>
               <a:t>&lt;number&gt;</a:t>
             </a:fld>
-            <a:endParaRPr b="0" lang="en-US" sz="1400" spc="-1" strike="noStrike">
+            <a:endParaRPr b="0" lang="en-AU" sz="1400" spc="-1" strike="noStrike">
               <a:latin typeface="Times New Roman"/>
             </a:endParaRPr>
           </a:p>
@@ -994,7 +991,7 @@
         <p:spPr>
           <a:xfrm>
             <a:off x="217440" y="812880"/>
-            <a:ext cx="7122600" cy="4008240"/>
+            <a:ext cx="7122240" cy="4007880"/>
           </a:xfrm>
           <a:prstGeom prst="rect">
             <a:avLst/>
@@ -1017,7 +1014,7 @@
         <p:spPr>
           <a:xfrm>
             <a:off x="756000" y="5078520"/>
-            <a:ext cx="6047280" cy="4810680"/>
+            <a:ext cx="6046920" cy="4810320"/>
           </a:xfrm>
           <a:prstGeom prst="rect">
             <a:avLst/>
@@ -1032,7 +1029,7 @@
             <a:noAutofit/>
           </a:bodyPr>
           <a:p>
-            <a:endParaRPr b="0" lang="en-US" sz="2000" spc="-1" strike="noStrike">
+            <a:endParaRPr b="0" lang="en-AU" sz="2000" spc="-1" strike="noStrike">
               <a:latin typeface="Arial"/>
             </a:endParaRPr>
           </a:p>
@@ -1073,7 +1070,7 @@
         <p:spPr>
           <a:xfrm>
             <a:off x="4278960" y="10157400"/>
-            <a:ext cx="3280320" cy="533880"/>
+            <a:ext cx="3279960" cy="533520"/>
           </a:xfrm>
           <a:prstGeom prst="rect">
             <a:avLst/>
@@ -1109,7 +1106,7 @@
               </a:lnSpc>
               <a:buNone/>
             </a:pPr>
-            <a:fld id="{128C88AC-77AA-4EF5-A886-6C381470842D}" type="slidenum">
+            <a:fld id="{14B7296D-4C0C-42CE-9EC1-4ADBBCCAE305}" type="slidenum">
               <a:rPr b="1" lang="en-AU" sz="1400" spc="-1" strike="noStrike">
                 <a:solidFill>
                   <a:srgbClr val="ffffff"/>
@@ -1119,7 +1116,7 @@
               </a:rPr>
               <a:t>&lt;number&gt;</a:t>
             </a:fld>
-            <a:endParaRPr b="0" lang="en-US" sz="1400" spc="-1" strike="noStrike">
+            <a:endParaRPr b="0" lang="en-AU" sz="1400" spc="-1" strike="noStrike">
               <a:latin typeface="Times New Roman"/>
             </a:endParaRPr>
           </a:p>
@@ -1138,7 +1135,7 @@
         <p:spPr>
           <a:xfrm>
             <a:off x="217440" y="812880"/>
-            <a:ext cx="7122600" cy="4008240"/>
+            <a:ext cx="7122240" cy="4007880"/>
           </a:xfrm>
           <a:prstGeom prst="rect">
             <a:avLst/>
@@ -1161,7 +1158,7 @@
         <p:spPr>
           <a:xfrm>
             <a:off x="756000" y="5078520"/>
-            <a:ext cx="6047280" cy="4810680"/>
+            <a:ext cx="6046920" cy="4810320"/>
           </a:xfrm>
           <a:prstGeom prst="rect">
             <a:avLst/>
@@ -1176,7 +1173,7 @@
             <a:noAutofit/>
           </a:bodyPr>
           <a:p>
-            <a:endParaRPr b="0" lang="en-US" sz="2000" spc="-1" strike="noStrike">
+            <a:endParaRPr b="0" lang="en-AU" sz="2000" spc="-1" strike="noStrike">
               <a:latin typeface="Arial"/>
             </a:endParaRPr>
           </a:p>
@@ -1217,7 +1214,7 @@
         <p:spPr>
           <a:xfrm>
             <a:off x="4278960" y="10157400"/>
-            <a:ext cx="3280320" cy="533880"/>
+            <a:ext cx="3279960" cy="533520"/>
           </a:xfrm>
           <a:prstGeom prst="rect">
             <a:avLst/>
@@ -1253,7 +1250,7 @@
               </a:lnSpc>
               <a:buNone/>
             </a:pPr>
-            <a:fld id="{52FAA6BC-E9A1-4802-887A-75D3DFF17972}" type="slidenum">
+            <a:fld id="{F9AB1455-5D66-4EE8-AD5E-60577FB7327A}" type="slidenum">
               <a:rPr b="1" lang="en-AU" sz="1400" spc="-1" strike="noStrike">
                 <a:solidFill>
                   <a:srgbClr val="ffffff"/>
@@ -1263,7 +1260,7 @@
               </a:rPr>
               <a:t>&lt;number&gt;</a:t>
             </a:fld>
-            <a:endParaRPr b="0" lang="en-US" sz="1400" spc="-1" strike="noStrike">
+            <a:endParaRPr b="0" lang="en-AU" sz="1400" spc="-1" strike="noStrike">
               <a:latin typeface="Times New Roman"/>
             </a:endParaRPr>
           </a:p>
@@ -1282,7 +1279,7 @@
         <p:spPr>
           <a:xfrm>
             <a:off x="217440" y="812880"/>
-            <a:ext cx="7122600" cy="4008240"/>
+            <a:ext cx="7122240" cy="4007880"/>
           </a:xfrm>
           <a:prstGeom prst="rect">
             <a:avLst/>
@@ -1305,7 +1302,7 @@
         <p:spPr>
           <a:xfrm>
             <a:off x="756000" y="5078520"/>
-            <a:ext cx="6047280" cy="4810680"/>
+            <a:ext cx="6046920" cy="4810320"/>
           </a:xfrm>
           <a:prstGeom prst="rect">
             <a:avLst/>
@@ -1320,7 +1317,7 @@
             <a:noAutofit/>
           </a:bodyPr>
           <a:p>
-            <a:endParaRPr b="0" lang="en-US" sz="2000" spc="-1" strike="noStrike">
+            <a:endParaRPr b="0" lang="en-AU" sz="2000" spc="-1" strike="noStrike">
               <a:latin typeface="Arial"/>
             </a:endParaRPr>
           </a:p>
@@ -1361,7 +1358,7 @@
         <p:spPr>
           <a:xfrm>
             <a:off x="4278960" y="10157400"/>
-            <a:ext cx="3280320" cy="533880"/>
+            <a:ext cx="3279960" cy="533520"/>
           </a:xfrm>
           <a:prstGeom prst="rect">
             <a:avLst/>
@@ -1397,7 +1394,7 @@
               </a:lnSpc>
               <a:buNone/>
             </a:pPr>
-            <a:fld id="{04691322-7F37-4E58-A16F-14C51C84C34D}" type="slidenum">
+            <a:fld id="{021B0BBA-BD98-4C7E-AC29-922EE976E86B}" type="slidenum">
               <a:rPr b="1" lang="en-AU" sz="1400" spc="-1" strike="noStrike">
                 <a:solidFill>
                   <a:srgbClr val="ffffff"/>
@@ -1407,7 +1404,7 @@
               </a:rPr>
               <a:t>&lt;number&gt;</a:t>
             </a:fld>
-            <a:endParaRPr b="0" lang="en-US" sz="1400" spc="-1" strike="noStrike">
+            <a:endParaRPr b="0" lang="en-AU" sz="1400" spc="-1" strike="noStrike">
               <a:latin typeface="Times New Roman"/>
             </a:endParaRPr>
           </a:p>
@@ -1426,7 +1423,7 @@
         <p:spPr>
           <a:xfrm>
             <a:off x="217440" y="812880"/>
-            <a:ext cx="7122600" cy="4008240"/>
+            <a:ext cx="7122240" cy="4007880"/>
           </a:xfrm>
           <a:prstGeom prst="rect">
             <a:avLst/>
@@ -1449,7 +1446,7 @@
         <p:spPr>
           <a:xfrm>
             <a:off x="756000" y="5078520"/>
-            <a:ext cx="6047280" cy="4810680"/>
+            <a:ext cx="6046920" cy="4810320"/>
           </a:xfrm>
           <a:prstGeom prst="rect">
             <a:avLst/>
@@ -1464,7 +1461,7 @@
             <a:noAutofit/>
           </a:bodyPr>
           <a:p>
-            <a:endParaRPr b="0" lang="en-US" sz="2000" spc="-1" strike="noStrike">
+            <a:endParaRPr b="0" lang="en-AU" sz="2000" spc="-1" strike="noStrike">
               <a:latin typeface="Arial"/>
             </a:endParaRPr>
           </a:p>
@@ -1505,7 +1502,7 @@
         <p:spPr>
           <a:xfrm>
             <a:off x="4278960" y="10157400"/>
-            <a:ext cx="3280320" cy="533880"/>
+            <a:ext cx="3279960" cy="533520"/>
           </a:xfrm>
           <a:prstGeom prst="rect">
             <a:avLst/>
@@ -1541,7 +1538,7 @@
               </a:lnSpc>
               <a:buNone/>
             </a:pPr>
-            <a:fld id="{41227822-CC19-4642-A049-2BDD77A125EC}" type="slidenum">
+            <a:fld id="{CBAFB07F-D8E9-4508-A97A-57F746A4344B}" type="slidenum">
               <a:rPr b="1" lang="en-AU" sz="1400" spc="-1" strike="noStrike">
                 <a:solidFill>
                   <a:srgbClr val="ffffff"/>
@@ -1551,7 +1548,7 @@
               </a:rPr>
               <a:t>&lt;number&gt;</a:t>
             </a:fld>
-            <a:endParaRPr b="0" lang="en-US" sz="1400" spc="-1" strike="noStrike">
+            <a:endParaRPr b="0" lang="en-AU" sz="1400" spc="-1" strike="noStrike">
               <a:latin typeface="Times New Roman"/>
             </a:endParaRPr>
           </a:p>
@@ -1570,7 +1567,7 @@
         <p:spPr>
           <a:xfrm>
             <a:off x="217440" y="812880"/>
-            <a:ext cx="7122600" cy="4008240"/>
+            <a:ext cx="7122240" cy="4007880"/>
           </a:xfrm>
           <a:prstGeom prst="rect">
             <a:avLst/>
@@ -1593,7 +1590,7 @@
         <p:spPr>
           <a:xfrm>
             <a:off x="756000" y="5078520"/>
-            <a:ext cx="6047640" cy="4811040"/>
+            <a:ext cx="6047280" cy="4810680"/>
           </a:xfrm>
           <a:prstGeom prst="rect">
             <a:avLst/>
@@ -1608,7 +1605,7 @@
             <a:noAutofit/>
           </a:bodyPr>
           <a:p>
-            <a:endParaRPr b="0" lang="en-US" sz="2000" spc="-1" strike="noStrike">
+            <a:endParaRPr b="0" lang="en-AU" sz="2000" spc="-1" strike="noStrike">
               <a:latin typeface="Arial"/>
             </a:endParaRPr>
           </a:p>
@@ -1643,7 +1640,7 @@
             <a:spLocks noGrp="1"/>
           </p:cNvSpPr>
           <p:nvPr>
-            <p:ph type="ftr" idx="2"/>
+            <p:ph type="ftr" idx="1"/>
           </p:nvPr>
         </p:nvSpPr>
         <p:spPr/>
@@ -1663,14 +1660,14 @@
             <a:spLocks noGrp="1"/>
           </p:cNvSpPr>
           <p:nvPr>
-            <p:ph type="sldNum" idx="3"/>
+            <p:ph type="sldNum" idx="2"/>
           </p:nvPr>
         </p:nvSpPr>
         <p:spPr/>
         <p:txBody>
           <a:bodyPr/>
           <a:p>
-            <a:fld id="{6DF4A29C-F218-466C-8CBB-1D4B0FDB7593}" type="slidenum">
+            <a:fld id="{B29411A2-5396-4D40-B84C-2F019CBCD1EE}" type="slidenum">
               <a:t>&lt;#&gt;</a:t>
             </a:fld>
           </a:p>
@@ -1683,7 +1680,7 @@
             <a:spLocks noGrp="1"/>
           </p:cNvSpPr>
           <p:nvPr>
-            <p:ph type="dt" idx="1"/>
+            <p:ph type="dt" idx="3"/>
           </p:nvPr>
         </p:nvSpPr>
         <p:spPr/>
@@ -1691,7 +1688,7 @@
           <a:bodyPr/>
           <a:p>
             <a:r>
-              <a:rPr lang="en-US"/>
+              <a:rPr lang="en-AU"/>
               <a:t/>
             </a:r>
           </a:p>
@@ -1747,11 +1744,11 @@
             <a:noAutofit/>
           </a:bodyPr>
           <a:p>
-            <a:endParaRPr b="0" lang="en-US" sz="1800" spc="-1" strike="noStrike">
-              <a:solidFill>
-                <a:srgbClr val="000000"/>
-              </a:solidFill>
-              <a:latin typeface="Calibri"/>
+            <a:pPr algn="ctr">
+              <a:buNone/>
+            </a:pPr>
+            <a:endParaRPr b="0" lang="en-AU" sz="4400" spc="-1" strike="noStrike">
+              <a:latin typeface="Arial"/>
             </a:endParaRPr>
           </a:p>
         </p:txBody>
@@ -1784,11 +1781,8 @@
             <a:normAutofit/>
           </a:bodyPr>
           <a:p>
-            <a:endParaRPr b="0" lang="en-AU" sz="1500" spc="-1" strike="noStrike">
-              <a:solidFill>
-                <a:srgbClr val="ffffff"/>
-              </a:solidFill>
-              <a:latin typeface="Source Sans Pro"/>
+            <a:endParaRPr b="0" lang="en-AU" sz="3200" spc="-1" strike="noStrike">
+              <a:latin typeface="Arial"/>
             </a:endParaRPr>
           </a:p>
         </p:txBody>
@@ -1821,11 +1815,8 @@
             <a:normAutofit/>
           </a:bodyPr>
           <a:p>
-            <a:endParaRPr b="0" lang="en-AU" sz="1500" spc="-1" strike="noStrike">
-              <a:solidFill>
-                <a:srgbClr val="ffffff"/>
-              </a:solidFill>
-              <a:latin typeface="Source Sans Pro"/>
+            <a:endParaRPr b="0" lang="en-AU" sz="3200" spc="-1" strike="noStrike">
+              <a:latin typeface="Arial"/>
             </a:endParaRPr>
           </a:p>
         </p:txBody>
@@ -1837,7 +1828,7 @@
             <a:spLocks noGrp="1"/>
           </p:cNvSpPr>
           <p:nvPr>
-            <p:ph type="ftr" idx="2"/>
+            <p:ph type="ftr" idx="1"/>
           </p:nvPr>
         </p:nvSpPr>
         <p:spPr/>
@@ -1857,14 +1848,14 @@
             <a:spLocks noGrp="1"/>
           </p:cNvSpPr>
           <p:nvPr>
-            <p:ph type="sldNum" idx="3"/>
+            <p:ph type="sldNum" idx="2"/>
           </p:nvPr>
         </p:nvSpPr>
         <p:spPr/>
         <p:txBody>
           <a:bodyPr/>
           <a:p>
-            <a:fld id="{7F55F707-45B3-46F0-84B0-8818DD5A1E06}" type="slidenum">
+            <a:fld id="{ED08573E-947E-4185-B5A0-86AED5C6DC21}" type="slidenum">
               <a:t>&lt;#&gt;</a:t>
             </a:fld>
           </a:p>
@@ -1877,7 +1868,7 @@
             <a:spLocks noGrp="1"/>
           </p:cNvSpPr>
           <p:nvPr>
-            <p:ph type="dt" idx="1"/>
+            <p:ph type="dt" idx="3"/>
           </p:nvPr>
         </p:nvSpPr>
         <p:spPr/>
@@ -1885,7 +1876,7 @@
           <a:bodyPr/>
           <a:p>
             <a:r>
-              <a:rPr lang="en-US"/>
+              <a:rPr lang="en-AU"/>
               <a:t/>
             </a:r>
           </a:p>
@@ -1941,11 +1932,11 @@
             <a:noAutofit/>
           </a:bodyPr>
           <a:p>
-            <a:endParaRPr b="0" lang="en-US" sz="1800" spc="-1" strike="noStrike">
-              <a:solidFill>
-                <a:srgbClr val="000000"/>
-              </a:solidFill>
-              <a:latin typeface="Calibri"/>
+            <a:pPr algn="ctr">
+              <a:buNone/>
+            </a:pPr>
+            <a:endParaRPr b="0" lang="en-AU" sz="4400" spc="-1" strike="noStrike">
+              <a:latin typeface="Arial"/>
             </a:endParaRPr>
           </a:p>
         </p:txBody>
@@ -1978,11 +1969,8 @@
             <a:normAutofit/>
           </a:bodyPr>
           <a:p>
-            <a:endParaRPr b="0" lang="en-AU" sz="1500" spc="-1" strike="noStrike">
-              <a:solidFill>
-                <a:srgbClr val="ffffff"/>
-              </a:solidFill>
-              <a:latin typeface="Source Sans Pro"/>
+            <a:endParaRPr b="0" lang="en-AU" sz="3200" spc="-1" strike="noStrike">
+              <a:latin typeface="Arial"/>
             </a:endParaRPr>
           </a:p>
         </p:txBody>
@@ -2015,11 +2003,8 @@
             <a:normAutofit/>
           </a:bodyPr>
           <a:p>
-            <a:endParaRPr b="0" lang="en-AU" sz="1500" spc="-1" strike="noStrike">
-              <a:solidFill>
-                <a:srgbClr val="ffffff"/>
-              </a:solidFill>
-              <a:latin typeface="Source Sans Pro"/>
+            <a:endParaRPr b="0" lang="en-AU" sz="3200" spc="-1" strike="noStrike">
+              <a:latin typeface="Arial"/>
             </a:endParaRPr>
           </a:p>
         </p:txBody>
@@ -2052,11 +2037,8 @@
             <a:normAutofit/>
           </a:bodyPr>
           <a:p>
-            <a:endParaRPr b="0" lang="en-AU" sz="1500" spc="-1" strike="noStrike">
-              <a:solidFill>
-                <a:srgbClr val="ffffff"/>
-              </a:solidFill>
-              <a:latin typeface="Source Sans Pro"/>
+            <a:endParaRPr b="0" lang="en-AU" sz="3200" spc="-1" strike="noStrike">
+              <a:latin typeface="Arial"/>
             </a:endParaRPr>
           </a:p>
         </p:txBody>
@@ -2089,11 +2071,8 @@
             <a:normAutofit/>
           </a:bodyPr>
           <a:p>
-            <a:endParaRPr b="0" lang="en-AU" sz="1500" spc="-1" strike="noStrike">
-              <a:solidFill>
-                <a:srgbClr val="ffffff"/>
-              </a:solidFill>
-              <a:latin typeface="Source Sans Pro"/>
+            <a:endParaRPr b="0" lang="en-AU" sz="3200" spc="-1" strike="noStrike">
+              <a:latin typeface="Arial"/>
             </a:endParaRPr>
           </a:p>
         </p:txBody>
@@ -2105,7 +2084,7 @@
             <a:spLocks noGrp="1"/>
           </p:cNvSpPr>
           <p:nvPr>
-            <p:ph type="ftr" idx="2"/>
+            <p:ph type="ftr" idx="1"/>
           </p:nvPr>
         </p:nvSpPr>
         <p:spPr/>
@@ -2125,14 +2104,14 @@
             <a:spLocks noGrp="1"/>
           </p:cNvSpPr>
           <p:nvPr>
-            <p:ph type="sldNum" idx="3"/>
+            <p:ph type="sldNum" idx="2"/>
           </p:nvPr>
         </p:nvSpPr>
         <p:spPr/>
         <p:txBody>
           <a:bodyPr/>
           <a:p>
-            <a:fld id="{14E7F76E-7D7B-4624-9068-0B388E22057F}" type="slidenum">
+            <a:fld id="{AE6B191E-8BD2-4096-A4ED-E804D723AF18}" type="slidenum">
               <a:t>&lt;#&gt;</a:t>
             </a:fld>
           </a:p>
@@ -2145,7 +2124,7 @@
             <a:spLocks noGrp="1"/>
           </p:cNvSpPr>
           <p:nvPr>
-            <p:ph type="dt" idx="1"/>
+            <p:ph type="dt" idx="3"/>
           </p:nvPr>
         </p:nvSpPr>
         <p:spPr/>
@@ -2153,7 +2132,7 @@
           <a:bodyPr/>
           <a:p>
             <a:r>
-              <a:rPr lang="en-US"/>
+              <a:rPr lang="en-AU"/>
               <a:t/>
             </a:r>
           </a:p>
@@ -2209,11 +2188,11 @@
             <a:noAutofit/>
           </a:bodyPr>
           <a:p>
-            <a:endParaRPr b="0" lang="en-US" sz="1800" spc="-1" strike="noStrike">
-              <a:solidFill>
-                <a:srgbClr val="000000"/>
-              </a:solidFill>
-              <a:latin typeface="Calibri"/>
+            <a:pPr algn="ctr">
+              <a:buNone/>
+            </a:pPr>
+            <a:endParaRPr b="0" lang="en-AU" sz="4400" spc="-1" strike="noStrike">
+              <a:latin typeface="Arial"/>
             </a:endParaRPr>
           </a:p>
         </p:txBody>
@@ -2246,11 +2225,8 @@
             <a:normAutofit/>
           </a:bodyPr>
           <a:p>
-            <a:endParaRPr b="0" lang="en-AU" sz="1500" spc="-1" strike="noStrike">
-              <a:solidFill>
-                <a:srgbClr val="ffffff"/>
-              </a:solidFill>
-              <a:latin typeface="Source Sans Pro"/>
+            <a:endParaRPr b="0" lang="en-AU" sz="3200" spc="-1" strike="noStrike">
+              <a:latin typeface="Arial"/>
             </a:endParaRPr>
           </a:p>
         </p:txBody>
@@ -2283,11 +2259,8 @@
             <a:normAutofit/>
           </a:bodyPr>
           <a:p>
-            <a:endParaRPr b="0" lang="en-AU" sz="1500" spc="-1" strike="noStrike">
-              <a:solidFill>
-                <a:srgbClr val="ffffff"/>
-              </a:solidFill>
-              <a:latin typeface="Source Sans Pro"/>
+            <a:endParaRPr b="0" lang="en-AU" sz="3200" spc="-1" strike="noStrike">
+              <a:latin typeface="Arial"/>
             </a:endParaRPr>
           </a:p>
         </p:txBody>
@@ -2320,11 +2293,8 @@
             <a:normAutofit/>
           </a:bodyPr>
           <a:p>
-            <a:endParaRPr b="0" lang="en-AU" sz="1500" spc="-1" strike="noStrike">
-              <a:solidFill>
-                <a:srgbClr val="ffffff"/>
-              </a:solidFill>
-              <a:latin typeface="Source Sans Pro"/>
+            <a:endParaRPr b="0" lang="en-AU" sz="3200" spc="-1" strike="noStrike">
+              <a:latin typeface="Arial"/>
             </a:endParaRPr>
           </a:p>
         </p:txBody>
@@ -2357,11 +2327,8 @@
             <a:normAutofit/>
           </a:bodyPr>
           <a:p>
-            <a:endParaRPr b="0" lang="en-AU" sz="1500" spc="-1" strike="noStrike">
-              <a:solidFill>
-                <a:srgbClr val="ffffff"/>
-              </a:solidFill>
-              <a:latin typeface="Source Sans Pro"/>
+            <a:endParaRPr b="0" lang="en-AU" sz="3200" spc="-1" strike="noStrike">
+              <a:latin typeface="Arial"/>
             </a:endParaRPr>
           </a:p>
         </p:txBody>
@@ -2394,11 +2361,8 @@
             <a:normAutofit/>
           </a:bodyPr>
           <a:p>
-            <a:endParaRPr b="0" lang="en-AU" sz="1500" spc="-1" strike="noStrike">
-              <a:solidFill>
-                <a:srgbClr val="ffffff"/>
-              </a:solidFill>
-              <a:latin typeface="Source Sans Pro"/>
+            <a:endParaRPr b="0" lang="en-AU" sz="3200" spc="-1" strike="noStrike">
+              <a:latin typeface="Arial"/>
             </a:endParaRPr>
           </a:p>
         </p:txBody>
@@ -2431,11 +2395,8 @@
             <a:normAutofit/>
           </a:bodyPr>
           <a:p>
-            <a:endParaRPr b="0" lang="en-AU" sz="1500" spc="-1" strike="noStrike">
-              <a:solidFill>
-                <a:srgbClr val="ffffff"/>
-              </a:solidFill>
-              <a:latin typeface="Source Sans Pro"/>
+            <a:endParaRPr b="0" lang="en-AU" sz="3200" spc="-1" strike="noStrike">
+              <a:latin typeface="Arial"/>
             </a:endParaRPr>
           </a:p>
         </p:txBody>
@@ -2447,7 +2408,7 @@
             <a:spLocks noGrp="1"/>
           </p:cNvSpPr>
           <p:nvPr>
-            <p:ph type="ftr" idx="2"/>
+            <p:ph type="ftr" idx="1"/>
           </p:nvPr>
         </p:nvSpPr>
         <p:spPr/>
@@ -2467,14 +2428,14 @@
             <a:spLocks noGrp="1"/>
           </p:cNvSpPr>
           <p:nvPr>
-            <p:ph type="sldNum" idx="3"/>
+            <p:ph type="sldNum" idx="2"/>
           </p:nvPr>
         </p:nvSpPr>
         <p:spPr/>
         <p:txBody>
           <a:bodyPr/>
           <a:p>
-            <a:fld id="{2A906716-F33A-49B9-9613-542F78E2D960}" type="slidenum">
+            <a:fld id="{CCDA0F0E-0CB6-4D3B-ADDA-DD08B24C06DE}" type="slidenum">
               <a:t>&lt;#&gt;</a:t>
             </a:fld>
           </a:p>
@@ -2487,7 +2448,7 @@
             <a:spLocks noGrp="1"/>
           </p:cNvSpPr>
           <p:nvPr>
-            <p:ph type="dt" idx="1"/>
+            <p:ph type="dt" idx="3"/>
           </p:nvPr>
         </p:nvSpPr>
         <p:spPr/>
@@ -2495,7 +2456,7 @@
           <a:bodyPr/>
           <a:p>
             <a:r>
-              <a:rPr lang="en-US"/>
+              <a:rPr lang="en-AU"/>
               <a:t/>
             </a:r>
           </a:p>
@@ -2530,7 +2491,7 @@
             <a:spLocks noGrp="1"/>
           </p:cNvSpPr>
           <p:nvPr>
-            <p:ph type="ftr" idx="5"/>
+            <p:ph type="ftr" idx="4"/>
           </p:nvPr>
         </p:nvSpPr>
         <p:spPr/>
@@ -2550,7 +2511,7 @@
             <a:spLocks noGrp="1"/>
           </p:cNvSpPr>
           <p:nvPr>
-            <p:ph type="dt" idx="4"/>
+            <p:ph type="dt" idx="5"/>
           </p:nvPr>
         </p:nvSpPr>
         <p:spPr/>
@@ -2558,7 +2519,7 @@
           <a:bodyPr/>
           <a:p>
             <a:r>
-              <a:rPr lang="en-US"/>
+              <a:rPr lang="en-AU"/>
               <a:t/>
             </a:r>
           </a:p>
@@ -2614,47 +2575,47 @@
             <a:noAutofit/>
           </a:bodyPr>
           <a:p>
-            <a:endParaRPr b="0" lang="en-US" sz="1800" spc="-1" strike="noStrike">
-              <a:solidFill>
-                <a:srgbClr val="000000"/>
-              </a:solidFill>
-              <a:latin typeface="Calibri"/>
-            </a:endParaRPr>
-          </a:p>
-        </p:txBody>
-      </p:sp>
-      <p:sp>
-        <p:nvSpPr>
-          <p:cNvPr id="52" name="PlaceHolder 2"/>
-          <p:cNvSpPr>
-            <a:spLocks noGrp="1"/>
-          </p:cNvSpPr>
-          <p:nvPr>
-            <p:ph type="subTitle"/>
-          </p:nvPr>
-        </p:nvSpPr>
-        <p:spPr>
-          <a:xfrm>
-            <a:off x="504000" y="1326600"/>
-            <a:ext cx="9072000" cy="3288600"/>
-          </a:xfrm>
-          <a:prstGeom prst="rect">
-            <a:avLst/>
-          </a:prstGeom>
-          <a:noFill/>
-          <a:ln w="0">
-            <a:noFill/>
-          </a:ln>
-        </p:spPr>
-        <p:txBody>
-          <a:bodyPr lIns="0" rIns="0" tIns="0" bIns="0" anchor="ctr">
-            <a:noAutofit/>
-          </a:bodyPr>
-          <a:p>
             <a:pPr algn="ctr">
               <a:buNone/>
             </a:pPr>
-            <a:endParaRPr b="0" lang="en-US" sz="3200" spc="-1" strike="noStrike">
+            <a:endParaRPr b="0" lang="en-AU" sz="4400" spc="-1" strike="noStrike">
+              <a:latin typeface="Arial"/>
+            </a:endParaRPr>
+          </a:p>
+        </p:txBody>
+      </p:sp>
+      <p:sp>
+        <p:nvSpPr>
+          <p:cNvPr id="52" name="PlaceHolder 2"/>
+          <p:cNvSpPr>
+            <a:spLocks noGrp="1"/>
+          </p:cNvSpPr>
+          <p:nvPr>
+            <p:ph type="subTitle"/>
+          </p:nvPr>
+        </p:nvSpPr>
+        <p:spPr>
+          <a:xfrm>
+            <a:off x="504000" y="1326600"/>
+            <a:ext cx="9072000" cy="3288600"/>
+          </a:xfrm>
+          <a:prstGeom prst="rect">
+            <a:avLst/>
+          </a:prstGeom>
+          <a:noFill/>
+          <a:ln w="0">
+            <a:noFill/>
+          </a:ln>
+        </p:spPr>
+        <p:txBody>
+          <a:bodyPr lIns="0" rIns="0" tIns="0" bIns="0" anchor="ctr">
+            <a:noAutofit/>
+          </a:bodyPr>
+          <a:p>
+            <a:pPr algn="ctr">
+              <a:buNone/>
+            </a:pPr>
+            <a:endParaRPr b="0" lang="en-AU" sz="3200" spc="-1" strike="noStrike">
               <a:latin typeface="Arial"/>
             </a:endParaRPr>
           </a:p>
@@ -2667,7 +2628,7 @@
             <a:spLocks noGrp="1"/>
           </p:cNvSpPr>
           <p:nvPr>
-            <p:ph type="ftr" idx="5"/>
+            <p:ph type="ftr" idx="4"/>
           </p:nvPr>
         </p:nvSpPr>
         <p:spPr/>
@@ -2687,7 +2648,7 @@
             <a:spLocks noGrp="1"/>
           </p:cNvSpPr>
           <p:nvPr>
-            <p:ph type="dt" idx="4"/>
+            <p:ph type="dt" idx="5"/>
           </p:nvPr>
         </p:nvSpPr>
         <p:spPr/>
@@ -2695,7 +2656,7 @@
           <a:bodyPr/>
           <a:p>
             <a:r>
-              <a:rPr lang="en-US"/>
+              <a:rPr lang="en-AU"/>
               <a:t/>
             </a:r>
           </a:p>
@@ -2751,11 +2712,11 @@
             <a:noAutofit/>
           </a:bodyPr>
           <a:p>
-            <a:endParaRPr b="0" lang="en-US" sz="1800" spc="-1" strike="noStrike">
-              <a:solidFill>
-                <a:srgbClr val="000000"/>
-              </a:solidFill>
-              <a:latin typeface="Calibri"/>
+            <a:pPr algn="ctr">
+              <a:buNone/>
+            </a:pPr>
+            <a:endParaRPr b="0" lang="en-AU" sz="4400" spc="-1" strike="noStrike">
+              <a:latin typeface="Arial"/>
             </a:endParaRPr>
           </a:p>
         </p:txBody>
@@ -2788,11 +2749,8 @@
             <a:normAutofit/>
           </a:bodyPr>
           <a:p>
-            <a:endParaRPr b="0" lang="en-AU" sz="1500" spc="-1" strike="noStrike">
-              <a:solidFill>
-                <a:srgbClr val="ffffff"/>
-              </a:solidFill>
-              <a:latin typeface="Source Sans Pro"/>
+            <a:endParaRPr b="0" lang="en-AU" sz="3200" spc="-1" strike="noStrike">
+              <a:latin typeface="Arial"/>
             </a:endParaRPr>
           </a:p>
         </p:txBody>
@@ -2804,7 +2762,7 @@
             <a:spLocks noGrp="1"/>
           </p:cNvSpPr>
           <p:nvPr>
-            <p:ph type="ftr" idx="5"/>
+            <p:ph type="ftr" idx="4"/>
           </p:nvPr>
         </p:nvSpPr>
         <p:spPr/>
@@ -2824,7 +2782,7 @@
             <a:spLocks noGrp="1"/>
           </p:cNvSpPr>
           <p:nvPr>
-            <p:ph type="dt" idx="4"/>
+            <p:ph type="dt" idx="5"/>
           </p:nvPr>
         </p:nvSpPr>
         <p:spPr/>
@@ -2832,7 +2790,7 @@
           <a:bodyPr/>
           <a:p>
             <a:r>
-              <a:rPr lang="en-US"/>
+              <a:rPr lang="en-AU"/>
               <a:t/>
             </a:r>
           </a:p>
@@ -2888,11 +2846,11 @@
             <a:noAutofit/>
           </a:bodyPr>
           <a:p>
-            <a:endParaRPr b="0" lang="en-US" sz="1800" spc="-1" strike="noStrike">
-              <a:solidFill>
-                <a:srgbClr val="000000"/>
-              </a:solidFill>
-              <a:latin typeface="Calibri"/>
+            <a:pPr algn="ctr">
+              <a:buNone/>
+            </a:pPr>
+            <a:endParaRPr b="0" lang="en-AU" sz="4400" spc="-1" strike="noStrike">
+              <a:latin typeface="Arial"/>
             </a:endParaRPr>
           </a:p>
         </p:txBody>
@@ -2925,11 +2883,8 @@
             <a:normAutofit/>
           </a:bodyPr>
           <a:p>
-            <a:endParaRPr b="0" lang="en-AU" sz="1500" spc="-1" strike="noStrike">
-              <a:solidFill>
-                <a:srgbClr val="ffffff"/>
-              </a:solidFill>
-              <a:latin typeface="Source Sans Pro"/>
+            <a:endParaRPr b="0" lang="en-AU" sz="3200" spc="-1" strike="noStrike">
+              <a:latin typeface="Arial"/>
             </a:endParaRPr>
           </a:p>
         </p:txBody>
@@ -2962,11 +2917,8 @@
             <a:normAutofit/>
           </a:bodyPr>
           <a:p>
-            <a:endParaRPr b="0" lang="en-AU" sz="1500" spc="-1" strike="noStrike">
-              <a:solidFill>
-                <a:srgbClr val="ffffff"/>
-              </a:solidFill>
-              <a:latin typeface="Source Sans Pro"/>
+            <a:endParaRPr b="0" lang="en-AU" sz="3200" spc="-1" strike="noStrike">
+              <a:latin typeface="Arial"/>
             </a:endParaRPr>
           </a:p>
         </p:txBody>
@@ -2978,7 +2930,7 @@
             <a:spLocks noGrp="1"/>
           </p:cNvSpPr>
           <p:nvPr>
-            <p:ph type="ftr" idx="5"/>
+            <p:ph type="ftr" idx="4"/>
           </p:nvPr>
         </p:nvSpPr>
         <p:spPr/>
@@ -2998,7 +2950,7 @@
             <a:spLocks noGrp="1"/>
           </p:cNvSpPr>
           <p:nvPr>
-            <p:ph type="dt" idx="4"/>
+            <p:ph type="dt" idx="5"/>
           </p:nvPr>
         </p:nvSpPr>
         <p:spPr/>
@@ -3006,7 +2958,7 @@
           <a:bodyPr/>
           <a:p>
             <a:r>
-              <a:rPr lang="en-US"/>
+              <a:rPr lang="en-AU"/>
               <a:t/>
             </a:r>
           </a:p>
@@ -3062,11 +3014,11 @@
             <a:noAutofit/>
           </a:bodyPr>
           <a:p>
-            <a:endParaRPr b="0" lang="en-US" sz="1800" spc="-1" strike="noStrike">
-              <a:solidFill>
-                <a:srgbClr val="000000"/>
-              </a:solidFill>
-              <a:latin typeface="Calibri"/>
+            <a:pPr algn="ctr">
+              <a:buNone/>
+            </a:pPr>
+            <a:endParaRPr b="0" lang="en-AU" sz="4400" spc="-1" strike="noStrike">
+              <a:latin typeface="Arial"/>
             </a:endParaRPr>
           </a:p>
         </p:txBody>
@@ -3078,7 +3030,7 @@
             <a:spLocks noGrp="1"/>
           </p:cNvSpPr>
           <p:nvPr>
-            <p:ph type="ftr" idx="5"/>
+            <p:ph type="ftr" idx="4"/>
           </p:nvPr>
         </p:nvSpPr>
         <p:spPr/>
@@ -3098,7 +3050,7 @@
             <a:spLocks noGrp="1"/>
           </p:cNvSpPr>
           <p:nvPr>
-            <p:ph type="dt" idx="4"/>
+            <p:ph type="dt" idx="5"/>
           </p:nvPr>
         </p:nvSpPr>
         <p:spPr/>
@@ -3106,7 +3058,7 @@
           <a:bodyPr/>
           <a:p>
             <a:r>
-              <a:rPr lang="en-US"/>
+              <a:rPr lang="en-AU"/>
               <a:t/>
             </a:r>
           </a:p>
@@ -3165,7 +3117,7 @@
             <a:pPr algn="ctr">
               <a:buNone/>
             </a:pPr>
-            <a:endParaRPr b="0" lang="en-US" sz="3200" spc="-1" strike="noStrike">
+            <a:endParaRPr b="0" lang="en-AU" sz="3200" spc="-1" strike="noStrike">
               <a:latin typeface="Arial"/>
             </a:endParaRPr>
           </a:p>
@@ -3178,7 +3130,7 @@
             <a:spLocks noGrp="1"/>
           </p:cNvSpPr>
           <p:nvPr>
-            <p:ph type="ftr" idx="5"/>
+            <p:ph type="ftr" idx="4"/>
           </p:nvPr>
         </p:nvSpPr>
         <p:spPr/>
@@ -3198,7 +3150,7 @@
             <a:spLocks noGrp="1"/>
           </p:cNvSpPr>
           <p:nvPr>
-            <p:ph type="dt" idx="4"/>
+            <p:ph type="dt" idx="5"/>
           </p:nvPr>
         </p:nvSpPr>
         <p:spPr/>
@@ -3206,7 +3158,7 @@
           <a:bodyPr/>
           <a:p>
             <a:r>
-              <a:rPr lang="en-US"/>
+              <a:rPr lang="en-AU"/>
               <a:t/>
             </a:r>
           </a:p>
@@ -3262,11 +3214,11 @@
             <a:noAutofit/>
           </a:bodyPr>
           <a:p>
-            <a:endParaRPr b="0" lang="en-US" sz="1800" spc="-1" strike="noStrike">
-              <a:solidFill>
-                <a:srgbClr val="000000"/>
-              </a:solidFill>
-              <a:latin typeface="Calibri"/>
+            <a:pPr algn="ctr">
+              <a:buNone/>
+            </a:pPr>
+            <a:endParaRPr b="0" lang="en-AU" sz="4400" spc="-1" strike="noStrike">
+              <a:latin typeface="Arial"/>
             </a:endParaRPr>
           </a:p>
         </p:txBody>
@@ -3299,11 +3251,8 @@
             <a:normAutofit/>
           </a:bodyPr>
           <a:p>
-            <a:endParaRPr b="0" lang="en-AU" sz="1500" spc="-1" strike="noStrike">
-              <a:solidFill>
-                <a:srgbClr val="ffffff"/>
-              </a:solidFill>
-              <a:latin typeface="Source Sans Pro"/>
+            <a:endParaRPr b="0" lang="en-AU" sz="3200" spc="-1" strike="noStrike">
+              <a:latin typeface="Arial"/>
             </a:endParaRPr>
           </a:p>
         </p:txBody>
@@ -3336,11 +3285,8 @@
             <a:normAutofit/>
           </a:bodyPr>
           <a:p>
-            <a:endParaRPr b="0" lang="en-AU" sz="1500" spc="-1" strike="noStrike">
-              <a:solidFill>
-                <a:srgbClr val="ffffff"/>
-              </a:solidFill>
-              <a:latin typeface="Source Sans Pro"/>
+            <a:endParaRPr b="0" lang="en-AU" sz="3200" spc="-1" strike="noStrike">
+              <a:latin typeface="Arial"/>
             </a:endParaRPr>
           </a:p>
         </p:txBody>
@@ -3373,11 +3319,8 @@
             <a:normAutofit/>
           </a:bodyPr>
           <a:p>
-            <a:endParaRPr b="0" lang="en-AU" sz="1500" spc="-1" strike="noStrike">
-              <a:solidFill>
-                <a:srgbClr val="ffffff"/>
-              </a:solidFill>
-              <a:latin typeface="Source Sans Pro"/>
+            <a:endParaRPr b="0" lang="en-AU" sz="3200" spc="-1" strike="noStrike">
+              <a:latin typeface="Arial"/>
             </a:endParaRPr>
           </a:p>
         </p:txBody>
@@ -3389,7 +3332,7 @@
             <a:spLocks noGrp="1"/>
           </p:cNvSpPr>
           <p:nvPr>
-            <p:ph type="ftr" idx="5"/>
+            <p:ph type="ftr" idx="4"/>
           </p:nvPr>
         </p:nvSpPr>
         <p:spPr/>
@@ -3409,7 +3352,7 @@
             <a:spLocks noGrp="1"/>
           </p:cNvSpPr>
           <p:nvPr>
-            <p:ph type="dt" idx="4"/>
+            <p:ph type="dt" idx="5"/>
           </p:nvPr>
         </p:nvSpPr>
         <p:spPr/>
@@ -3417,7 +3360,7 @@
           <a:bodyPr/>
           <a:p>
             <a:r>
-              <a:rPr lang="en-US"/>
+              <a:rPr lang="en-AU"/>
               <a:t/>
             </a:r>
           </a:p>
@@ -3473,47 +3416,47 @@
             <a:noAutofit/>
           </a:bodyPr>
           <a:p>
-            <a:endParaRPr b="0" lang="en-US" sz="1800" spc="-1" strike="noStrike">
-              <a:solidFill>
-                <a:srgbClr val="000000"/>
-              </a:solidFill>
-              <a:latin typeface="Calibri"/>
-            </a:endParaRPr>
-          </a:p>
-        </p:txBody>
-      </p:sp>
-      <p:sp>
-        <p:nvSpPr>
-          <p:cNvPr id="8" name="PlaceHolder 2"/>
-          <p:cNvSpPr>
-            <a:spLocks noGrp="1"/>
-          </p:cNvSpPr>
-          <p:nvPr>
-            <p:ph type="subTitle"/>
-          </p:nvPr>
-        </p:nvSpPr>
-        <p:spPr>
-          <a:xfrm>
-            <a:off x="504000" y="1326600"/>
-            <a:ext cx="9072000" cy="3288600"/>
-          </a:xfrm>
-          <a:prstGeom prst="rect">
-            <a:avLst/>
-          </a:prstGeom>
-          <a:noFill/>
-          <a:ln w="0">
-            <a:noFill/>
-          </a:ln>
-        </p:spPr>
-        <p:txBody>
-          <a:bodyPr lIns="0" rIns="0" tIns="0" bIns="0" anchor="ctr">
-            <a:noAutofit/>
-          </a:bodyPr>
-          <a:p>
             <a:pPr algn="ctr">
               <a:buNone/>
             </a:pPr>
-            <a:endParaRPr b="0" lang="en-US" sz="3200" spc="-1" strike="noStrike">
+            <a:endParaRPr b="0" lang="en-AU" sz="4400" spc="-1" strike="noStrike">
+              <a:latin typeface="Arial"/>
+            </a:endParaRPr>
+          </a:p>
+        </p:txBody>
+      </p:sp>
+      <p:sp>
+        <p:nvSpPr>
+          <p:cNvPr id="8" name="PlaceHolder 2"/>
+          <p:cNvSpPr>
+            <a:spLocks noGrp="1"/>
+          </p:cNvSpPr>
+          <p:nvPr>
+            <p:ph type="subTitle"/>
+          </p:nvPr>
+        </p:nvSpPr>
+        <p:spPr>
+          <a:xfrm>
+            <a:off x="504000" y="1326600"/>
+            <a:ext cx="9072000" cy="3288600"/>
+          </a:xfrm>
+          <a:prstGeom prst="rect">
+            <a:avLst/>
+          </a:prstGeom>
+          <a:noFill/>
+          <a:ln w="0">
+            <a:noFill/>
+          </a:ln>
+        </p:spPr>
+        <p:txBody>
+          <a:bodyPr lIns="0" rIns="0" tIns="0" bIns="0" anchor="ctr">
+            <a:noAutofit/>
+          </a:bodyPr>
+          <a:p>
+            <a:pPr algn="ctr">
+              <a:buNone/>
+            </a:pPr>
+            <a:endParaRPr b="0" lang="en-AU" sz="3200" spc="-1" strike="noStrike">
               <a:latin typeface="Arial"/>
             </a:endParaRPr>
           </a:p>
@@ -3526,7 +3469,7 @@
             <a:spLocks noGrp="1"/>
           </p:cNvSpPr>
           <p:nvPr>
-            <p:ph type="ftr" idx="2"/>
+            <p:ph type="ftr" idx="1"/>
           </p:nvPr>
         </p:nvSpPr>
         <p:spPr/>
@@ -3546,14 +3489,14 @@
             <a:spLocks noGrp="1"/>
           </p:cNvSpPr>
           <p:nvPr>
-            <p:ph type="sldNum" idx="3"/>
+            <p:ph type="sldNum" idx="2"/>
           </p:nvPr>
         </p:nvSpPr>
         <p:spPr/>
         <p:txBody>
           <a:bodyPr/>
           <a:p>
-            <a:fld id="{72F6478C-76E0-4851-A0FC-506045D1FEF0}" type="slidenum">
+            <a:fld id="{03ACF017-E960-4D24-BB95-0042C984BEF5}" type="slidenum">
               <a:t>&lt;#&gt;</a:t>
             </a:fld>
           </a:p>
@@ -3566,7 +3509,7 @@
             <a:spLocks noGrp="1"/>
           </p:cNvSpPr>
           <p:nvPr>
-            <p:ph type="dt" idx="1"/>
+            <p:ph type="dt" idx="3"/>
           </p:nvPr>
         </p:nvSpPr>
         <p:spPr/>
@@ -3574,7 +3517,7 @@
           <a:bodyPr/>
           <a:p>
             <a:r>
-              <a:rPr lang="en-US"/>
+              <a:rPr lang="en-AU"/>
               <a:t/>
             </a:r>
           </a:p>
@@ -3630,11 +3573,11 @@
             <a:noAutofit/>
           </a:bodyPr>
           <a:p>
-            <a:endParaRPr b="0" lang="en-US" sz="1800" spc="-1" strike="noStrike">
-              <a:solidFill>
-                <a:srgbClr val="000000"/>
-              </a:solidFill>
-              <a:latin typeface="Calibri"/>
+            <a:pPr algn="ctr">
+              <a:buNone/>
+            </a:pPr>
+            <a:endParaRPr b="0" lang="en-AU" sz="4400" spc="-1" strike="noStrike">
+              <a:latin typeface="Arial"/>
             </a:endParaRPr>
           </a:p>
         </p:txBody>
@@ -3667,11 +3610,8 @@
             <a:normAutofit/>
           </a:bodyPr>
           <a:p>
-            <a:endParaRPr b="0" lang="en-AU" sz="1500" spc="-1" strike="noStrike">
-              <a:solidFill>
-                <a:srgbClr val="ffffff"/>
-              </a:solidFill>
-              <a:latin typeface="Source Sans Pro"/>
+            <a:endParaRPr b="0" lang="en-AU" sz="3200" spc="-1" strike="noStrike">
+              <a:latin typeface="Arial"/>
             </a:endParaRPr>
           </a:p>
         </p:txBody>
@@ -3704,11 +3644,8 @@
             <a:normAutofit/>
           </a:bodyPr>
           <a:p>
-            <a:endParaRPr b="0" lang="en-AU" sz="1500" spc="-1" strike="noStrike">
-              <a:solidFill>
-                <a:srgbClr val="ffffff"/>
-              </a:solidFill>
-              <a:latin typeface="Source Sans Pro"/>
+            <a:endParaRPr b="0" lang="en-AU" sz="3200" spc="-1" strike="noStrike">
+              <a:latin typeface="Arial"/>
             </a:endParaRPr>
           </a:p>
         </p:txBody>
@@ -3741,11 +3678,8 @@
             <a:normAutofit/>
           </a:bodyPr>
           <a:p>
-            <a:endParaRPr b="0" lang="en-AU" sz="1500" spc="-1" strike="noStrike">
-              <a:solidFill>
-                <a:srgbClr val="ffffff"/>
-              </a:solidFill>
-              <a:latin typeface="Source Sans Pro"/>
+            <a:endParaRPr b="0" lang="en-AU" sz="3200" spc="-1" strike="noStrike">
+              <a:latin typeface="Arial"/>
             </a:endParaRPr>
           </a:p>
         </p:txBody>
@@ -3757,7 +3691,7 @@
             <a:spLocks noGrp="1"/>
           </p:cNvSpPr>
           <p:nvPr>
-            <p:ph type="ftr" idx="5"/>
+            <p:ph type="ftr" idx="4"/>
           </p:nvPr>
         </p:nvSpPr>
         <p:spPr/>
@@ -3777,7 +3711,7 @@
             <a:spLocks noGrp="1"/>
           </p:cNvSpPr>
           <p:nvPr>
-            <p:ph type="dt" idx="4"/>
+            <p:ph type="dt" idx="5"/>
           </p:nvPr>
         </p:nvSpPr>
         <p:spPr/>
@@ -3785,7 +3719,7 @@
           <a:bodyPr/>
           <a:p>
             <a:r>
-              <a:rPr lang="en-US"/>
+              <a:rPr lang="en-AU"/>
               <a:t/>
             </a:r>
           </a:p>
@@ -3841,11 +3775,11 @@
             <a:noAutofit/>
           </a:bodyPr>
           <a:p>
-            <a:endParaRPr b="0" lang="en-US" sz="1800" spc="-1" strike="noStrike">
-              <a:solidFill>
-                <a:srgbClr val="000000"/>
-              </a:solidFill>
-              <a:latin typeface="Calibri"/>
+            <a:pPr algn="ctr">
+              <a:buNone/>
+            </a:pPr>
+            <a:endParaRPr b="0" lang="en-AU" sz="4400" spc="-1" strike="noStrike">
+              <a:latin typeface="Arial"/>
             </a:endParaRPr>
           </a:p>
         </p:txBody>
@@ -3878,11 +3812,8 @@
             <a:normAutofit/>
           </a:bodyPr>
           <a:p>
-            <a:endParaRPr b="0" lang="en-AU" sz="1500" spc="-1" strike="noStrike">
-              <a:solidFill>
-                <a:srgbClr val="ffffff"/>
-              </a:solidFill>
-              <a:latin typeface="Source Sans Pro"/>
+            <a:endParaRPr b="0" lang="en-AU" sz="3200" spc="-1" strike="noStrike">
+              <a:latin typeface="Arial"/>
             </a:endParaRPr>
           </a:p>
         </p:txBody>
@@ -3915,11 +3846,8 @@
             <a:normAutofit/>
           </a:bodyPr>
           <a:p>
-            <a:endParaRPr b="0" lang="en-AU" sz="1500" spc="-1" strike="noStrike">
-              <a:solidFill>
-                <a:srgbClr val="ffffff"/>
-              </a:solidFill>
-              <a:latin typeface="Source Sans Pro"/>
+            <a:endParaRPr b="0" lang="en-AU" sz="3200" spc="-1" strike="noStrike">
+              <a:latin typeface="Arial"/>
             </a:endParaRPr>
           </a:p>
         </p:txBody>
@@ -3952,11 +3880,8 @@
             <a:normAutofit/>
           </a:bodyPr>
           <a:p>
-            <a:endParaRPr b="0" lang="en-AU" sz="1500" spc="-1" strike="noStrike">
-              <a:solidFill>
-                <a:srgbClr val="ffffff"/>
-              </a:solidFill>
-              <a:latin typeface="Source Sans Pro"/>
+            <a:endParaRPr b="0" lang="en-AU" sz="3200" spc="-1" strike="noStrike">
+              <a:latin typeface="Arial"/>
             </a:endParaRPr>
           </a:p>
         </p:txBody>
@@ -3968,7 +3893,7 @@
             <a:spLocks noGrp="1"/>
           </p:cNvSpPr>
           <p:nvPr>
-            <p:ph type="ftr" idx="5"/>
+            <p:ph type="ftr" idx="4"/>
           </p:nvPr>
         </p:nvSpPr>
         <p:spPr/>
@@ -3988,7 +3913,7 @@
             <a:spLocks noGrp="1"/>
           </p:cNvSpPr>
           <p:nvPr>
-            <p:ph type="dt" idx="4"/>
+            <p:ph type="dt" idx="5"/>
           </p:nvPr>
         </p:nvSpPr>
         <p:spPr/>
@@ -3996,7 +3921,7 @@
           <a:bodyPr/>
           <a:p>
             <a:r>
-              <a:rPr lang="en-US"/>
+              <a:rPr lang="en-AU"/>
               <a:t/>
             </a:r>
           </a:p>
@@ -4052,11 +3977,11 @@
             <a:noAutofit/>
           </a:bodyPr>
           <a:p>
-            <a:endParaRPr b="0" lang="en-US" sz="1800" spc="-1" strike="noStrike">
-              <a:solidFill>
-                <a:srgbClr val="000000"/>
-              </a:solidFill>
-              <a:latin typeface="Calibri"/>
+            <a:pPr algn="ctr">
+              <a:buNone/>
+            </a:pPr>
+            <a:endParaRPr b="0" lang="en-AU" sz="4400" spc="-1" strike="noStrike">
+              <a:latin typeface="Arial"/>
             </a:endParaRPr>
           </a:p>
         </p:txBody>
@@ -4089,11 +4014,8 @@
             <a:normAutofit/>
           </a:bodyPr>
           <a:p>
-            <a:endParaRPr b="0" lang="en-AU" sz="1500" spc="-1" strike="noStrike">
-              <a:solidFill>
-                <a:srgbClr val="ffffff"/>
-              </a:solidFill>
-              <a:latin typeface="Source Sans Pro"/>
+            <a:endParaRPr b="0" lang="en-AU" sz="3200" spc="-1" strike="noStrike">
+              <a:latin typeface="Arial"/>
             </a:endParaRPr>
           </a:p>
         </p:txBody>
@@ -4126,11 +4048,8 @@
             <a:normAutofit/>
           </a:bodyPr>
           <a:p>
-            <a:endParaRPr b="0" lang="en-AU" sz="1500" spc="-1" strike="noStrike">
-              <a:solidFill>
-                <a:srgbClr val="ffffff"/>
-              </a:solidFill>
-              <a:latin typeface="Source Sans Pro"/>
+            <a:endParaRPr b="0" lang="en-AU" sz="3200" spc="-1" strike="noStrike">
+              <a:latin typeface="Arial"/>
             </a:endParaRPr>
           </a:p>
         </p:txBody>
@@ -4142,7 +4061,7 @@
             <a:spLocks noGrp="1"/>
           </p:cNvSpPr>
           <p:nvPr>
-            <p:ph type="ftr" idx="5"/>
+            <p:ph type="ftr" idx="4"/>
           </p:nvPr>
         </p:nvSpPr>
         <p:spPr/>
@@ -4162,7 +4081,7 @@
             <a:spLocks noGrp="1"/>
           </p:cNvSpPr>
           <p:nvPr>
-            <p:ph type="dt" idx="4"/>
+            <p:ph type="dt" idx="5"/>
           </p:nvPr>
         </p:nvSpPr>
         <p:spPr/>
@@ -4170,7 +4089,7 @@
           <a:bodyPr/>
           <a:p>
             <a:r>
-              <a:rPr lang="en-US"/>
+              <a:rPr lang="en-AU"/>
               <a:t/>
             </a:r>
           </a:p>
@@ -4226,11 +4145,11 @@
             <a:noAutofit/>
           </a:bodyPr>
           <a:p>
-            <a:endParaRPr b="0" lang="en-US" sz="1800" spc="-1" strike="noStrike">
-              <a:solidFill>
-                <a:srgbClr val="000000"/>
-              </a:solidFill>
-              <a:latin typeface="Calibri"/>
+            <a:pPr algn="ctr">
+              <a:buNone/>
+            </a:pPr>
+            <a:endParaRPr b="0" lang="en-AU" sz="4400" spc="-1" strike="noStrike">
+              <a:latin typeface="Arial"/>
             </a:endParaRPr>
           </a:p>
         </p:txBody>
@@ -4263,11 +4182,8 @@
             <a:normAutofit/>
           </a:bodyPr>
           <a:p>
-            <a:endParaRPr b="0" lang="en-AU" sz="1500" spc="-1" strike="noStrike">
-              <a:solidFill>
-                <a:srgbClr val="ffffff"/>
-              </a:solidFill>
-              <a:latin typeface="Source Sans Pro"/>
+            <a:endParaRPr b="0" lang="en-AU" sz="3200" spc="-1" strike="noStrike">
+              <a:latin typeface="Arial"/>
             </a:endParaRPr>
           </a:p>
         </p:txBody>
@@ -4300,11 +4216,8 @@
             <a:normAutofit/>
           </a:bodyPr>
           <a:p>
-            <a:endParaRPr b="0" lang="en-AU" sz="1500" spc="-1" strike="noStrike">
-              <a:solidFill>
-                <a:srgbClr val="ffffff"/>
-              </a:solidFill>
-              <a:latin typeface="Source Sans Pro"/>
+            <a:endParaRPr b="0" lang="en-AU" sz="3200" spc="-1" strike="noStrike">
+              <a:latin typeface="Arial"/>
             </a:endParaRPr>
           </a:p>
         </p:txBody>
@@ -4337,11 +4250,8 @@
             <a:normAutofit/>
           </a:bodyPr>
           <a:p>
-            <a:endParaRPr b="0" lang="en-AU" sz="1500" spc="-1" strike="noStrike">
-              <a:solidFill>
-                <a:srgbClr val="ffffff"/>
-              </a:solidFill>
-              <a:latin typeface="Source Sans Pro"/>
+            <a:endParaRPr b="0" lang="en-AU" sz="3200" spc="-1" strike="noStrike">
+              <a:latin typeface="Arial"/>
             </a:endParaRPr>
           </a:p>
         </p:txBody>
@@ -4374,11 +4284,8 @@
             <a:normAutofit/>
           </a:bodyPr>
           <a:p>
-            <a:endParaRPr b="0" lang="en-AU" sz="1500" spc="-1" strike="noStrike">
-              <a:solidFill>
-                <a:srgbClr val="ffffff"/>
-              </a:solidFill>
-              <a:latin typeface="Source Sans Pro"/>
+            <a:endParaRPr b="0" lang="en-AU" sz="3200" spc="-1" strike="noStrike">
+              <a:latin typeface="Arial"/>
             </a:endParaRPr>
           </a:p>
         </p:txBody>
@@ -4390,7 +4297,7 @@
             <a:spLocks noGrp="1"/>
           </p:cNvSpPr>
           <p:nvPr>
-            <p:ph type="ftr" idx="5"/>
+            <p:ph type="ftr" idx="4"/>
           </p:nvPr>
         </p:nvSpPr>
         <p:spPr/>
@@ -4410,7 +4317,7 @@
             <a:spLocks noGrp="1"/>
           </p:cNvSpPr>
           <p:nvPr>
-            <p:ph type="dt" idx="4"/>
+            <p:ph type="dt" idx="5"/>
           </p:nvPr>
         </p:nvSpPr>
         <p:spPr/>
@@ -4418,7 +4325,7 @@
           <a:bodyPr/>
           <a:p>
             <a:r>
-              <a:rPr lang="en-US"/>
+              <a:rPr lang="en-AU"/>
               <a:t/>
             </a:r>
           </a:p>
@@ -4474,11 +4381,11 @@
             <a:noAutofit/>
           </a:bodyPr>
           <a:p>
-            <a:endParaRPr b="0" lang="en-US" sz="1800" spc="-1" strike="noStrike">
-              <a:solidFill>
-                <a:srgbClr val="000000"/>
-              </a:solidFill>
-              <a:latin typeface="Calibri"/>
+            <a:pPr algn="ctr">
+              <a:buNone/>
+            </a:pPr>
+            <a:endParaRPr b="0" lang="en-AU" sz="4400" spc="-1" strike="noStrike">
+              <a:latin typeface="Arial"/>
             </a:endParaRPr>
           </a:p>
         </p:txBody>
@@ -4511,11 +4418,8 @@
             <a:normAutofit/>
           </a:bodyPr>
           <a:p>
-            <a:endParaRPr b="0" lang="en-AU" sz="1500" spc="-1" strike="noStrike">
-              <a:solidFill>
-                <a:srgbClr val="ffffff"/>
-              </a:solidFill>
-              <a:latin typeface="Source Sans Pro"/>
+            <a:endParaRPr b="0" lang="en-AU" sz="3200" spc="-1" strike="noStrike">
+              <a:latin typeface="Arial"/>
             </a:endParaRPr>
           </a:p>
         </p:txBody>
@@ -4548,11 +4452,8 @@
             <a:normAutofit/>
           </a:bodyPr>
           <a:p>
-            <a:endParaRPr b="0" lang="en-AU" sz="1500" spc="-1" strike="noStrike">
-              <a:solidFill>
-                <a:srgbClr val="ffffff"/>
-              </a:solidFill>
-              <a:latin typeface="Source Sans Pro"/>
+            <a:endParaRPr b="0" lang="en-AU" sz="3200" spc="-1" strike="noStrike">
+              <a:latin typeface="Arial"/>
             </a:endParaRPr>
           </a:p>
         </p:txBody>
@@ -4585,11 +4486,8 @@
             <a:normAutofit/>
           </a:bodyPr>
           <a:p>
-            <a:endParaRPr b="0" lang="en-AU" sz="1500" spc="-1" strike="noStrike">
-              <a:solidFill>
-                <a:srgbClr val="ffffff"/>
-              </a:solidFill>
-              <a:latin typeface="Source Sans Pro"/>
+            <a:endParaRPr b="0" lang="en-AU" sz="3200" spc="-1" strike="noStrike">
+              <a:latin typeface="Arial"/>
             </a:endParaRPr>
           </a:p>
         </p:txBody>
@@ -4622,11 +4520,8 @@
             <a:normAutofit/>
           </a:bodyPr>
           <a:p>
-            <a:endParaRPr b="0" lang="en-AU" sz="1500" spc="-1" strike="noStrike">
-              <a:solidFill>
-                <a:srgbClr val="ffffff"/>
-              </a:solidFill>
-              <a:latin typeface="Source Sans Pro"/>
+            <a:endParaRPr b="0" lang="en-AU" sz="3200" spc="-1" strike="noStrike">
+              <a:latin typeface="Arial"/>
             </a:endParaRPr>
           </a:p>
         </p:txBody>
@@ -4659,11 +4554,8 @@
             <a:normAutofit/>
           </a:bodyPr>
           <a:p>
-            <a:endParaRPr b="0" lang="en-AU" sz="1500" spc="-1" strike="noStrike">
-              <a:solidFill>
-                <a:srgbClr val="ffffff"/>
-              </a:solidFill>
-              <a:latin typeface="Source Sans Pro"/>
+            <a:endParaRPr b="0" lang="en-AU" sz="3200" spc="-1" strike="noStrike">
+              <a:latin typeface="Arial"/>
             </a:endParaRPr>
           </a:p>
         </p:txBody>
@@ -4696,11 +4588,8 @@
             <a:normAutofit/>
           </a:bodyPr>
           <a:p>
-            <a:endParaRPr b="0" lang="en-AU" sz="1500" spc="-1" strike="noStrike">
-              <a:solidFill>
-                <a:srgbClr val="ffffff"/>
-              </a:solidFill>
-              <a:latin typeface="Source Sans Pro"/>
+            <a:endParaRPr b="0" lang="en-AU" sz="3200" spc="-1" strike="noStrike">
+              <a:latin typeface="Arial"/>
             </a:endParaRPr>
           </a:p>
         </p:txBody>
@@ -4712,7 +4601,7 @@
             <a:spLocks noGrp="1"/>
           </p:cNvSpPr>
           <p:nvPr>
-            <p:ph type="ftr" idx="5"/>
+            <p:ph type="ftr" idx="4"/>
           </p:nvPr>
         </p:nvSpPr>
         <p:spPr/>
@@ -4732,7 +4621,7 @@
             <a:spLocks noGrp="1"/>
           </p:cNvSpPr>
           <p:nvPr>
-            <p:ph type="dt" idx="4"/>
+            <p:ph type="dt" idx="5"/>
           </p:nvPr>
         </p:nvSpPr>
         <p:spPr/>
@@ -4740,7 +4629,7 @@
           <a:bodyPr/>
           <a:p>
             <a:r>
-              <a:rPr lang="en-US"/>
+              <a:rPr lang="en-AU"/>
               <a:t/>
             </a:r>
           </a:p>
@@ -4775,7 +4664,7 @@
             <a:spLocks noGrp="1"/>
           </p:cNvSpPr>
           <p:nvPr>
-            <p:ph type="ftr" idx="7"/>
+            <p:ph type="ftr" idx="6"/>
           </p:nvPr>
         </p:nvSpPr>
         <p:spPr/>
@@ -4795,14 +4684,14 @@
             <a:spLocks noGrp="1"/>
           </p:cNvSpPr>
           <p:nvPr>
-            <p:ph type="sldNum" idx="8"/>
+            <p:ph type="sldNum" idx="7"/>
           </p:nvPr>
         </p:nvSpPr>
         <p:spPr/>
         <p:txBody>
           <a:bodyPr/>
           <a:p>
-            <a:fld id="{AF7C46FA-B897-43F0-88D8-6CB0C8AAA600}" type="slidenum">
+            <a:fld id="{EAE2A11D-FFC9-4D69-9CA5-F880070E4DAE}" type="slidenum">
               <a:t>&lt;#&gt;</a:t>
             </a:fld>
           </a:p>
@@ -4815,7 +4704,7 @@
             <a:spLocks noGrp="1"/>
           </p:cNvSpPr>
           <p:nvPr>
-            <p:ph type="dt" idx="6"/>
+            <p:ph type="dt" idx="8"/>
           </p:nvPr>
         </p:nvSpPr>
         <p:spPr/>
@@ -4823,7 +4712,7 @@
           <a:bodyPr/>
           <a:p>
             <a:r>
-              <a:rPr lang="en-US"/>
+              <a:rPr lang="en-AU"/>
               <a:t/>
             </a:r>
           </a:p>
@@ -4879,47 +4768,47 @@
             <a:noAutofit/>
           </a:bodyPr>
           <a:p>
-            <a:endParaRPr b="0" lang="en-US" sz="1800" spc="-1" strike="noStrike">
-              <a:solidFill>
-                <a:srgbClr val="000000"/>
-              </a:solidFill>
-              <a:latin typeface="Calibri"/>
-            </a:endParaRPr>
-          </a:p>
-        </p:txBody>
-      </p:sp>
-      <p:sp>
-        <p:nvSpPr>
-          <p:cNvPr id="95" name="PlaceHolder 2"/>
-          <p:cNvSpPr>
-            <a:spLocks noGrp="1"/>
-          </p:cNvSpPr>
-          <p:nvPr>
-            <p:ph type="subTitle"/>
-          </p:nvPr>
-        </p:nvSpPr>
-        <p:spPr>
-          <a:xfrm>
-            <a:off x="504000" y="1326600"/>
-            <a:ext cx="9072000" cy="3288600"/>
-          </a:xfrm>
-          <a:prstGeom prst="rect">
-            <a:avLst/>
-          </a:prstGeom>
-          <a:noFill/>
-          <a:ln w="0">
-            <a:noFill/>
-          </a:ln>
-        </p:spPr>
-        <p:txBody>
-          <a:bodyPr lIns="0" rIns="0" tIns="0" bIns="0" anchor="ctr">
-            <a:noAutofit/>
-          </a:bodyPr>
-          <a:p>
             <a:pPr algn="ctr">
               <a:buNone/>
             </a:pPr>
-            <a:endParaRPr b="0" lang="en-US" sz="3200" spc="-1" strike="noStrike">
+            <a:endParaRPr b="0" lang="en-AU" sz="4400" spc="-1" strike="noStrike">
+              <a:latin typeface="Arial"/>
+            </a:endParaRPr>
+          </a:p>
+        </p:txBody>
+      </p:sp>
+      <p:sp>
+        <p:nvSpPr>
+          <p:cNvPr id="95" name="PlaceHolder 2"/>
+          <p:cNvSpPr>
+            <a:spLocks noGrp="1"/>
+          </p:cNvSpPr>
+          <p:nvPr>
+            <p:ph type="subTitle"/>
+          </p:nvPr>
+        </p:nvSpPr>
+        <p:spPr>
+          <a:xfrm>
+            <a:off x="504000" y="1326600"/>
+            <a:ext cx="9072000" cy="3288600"/>
+          </a:xfrm>
+          <a:prstGeom prst="rect">
+            <a:avLst/>
+          </a:prstGeom>
+          <a:noFill/>
+          <a:ln w="0">
+            <a:noFill/>
+          </a:ln>
+        </p:spPr>
+        <p:txBody>
+          <a:bodyPr lIns="0" rIns="0" tIns="0" bIns="0" anchor="ctr">
+            <a:noAutofit/>
+          </a:bodyPr>
+          <a:p>
+            <a:pPr algn="ctr">
+              <a:buNone/>
+            </a:pPr>
+            <a:endParaRPr b="0" lang="en-AU" sz="3200" spc="-1" strike="noStrike">
               <a:latin typeface="Arial"/>
             </a:endParaRPr>
           </a:p>
@@ -4932,7 +4821,7 @@
             <a:spLocks noGrp="1"/>
           </p:cNvSpPr>
           <p:nvPr>
-            <p:ph type="ftr" idx="7"/>
+            <p:ph type="ftr" idx="6"/>
           </p:nvPr>
         </p:nvSpPr>
         <p:spPr/>
@@ -4952,14 +4841,14 @@
             <a:spLocks noGrp="1"/>
           </p:cNvSpPr>
           <p:nvPr>
-            <p:ph type="sldNum" idx="8"/>
+            <p:ph type="sldNum" idx="7"/>
           </p:nvPr>
         </p:nvSpPr>
         <p:spPr/>
         <p:txBody>
           <a:bodyPr/>
           <a:p>
-            <a:fld id="{3086E126-9FA5-4CEB-BE0C-360A8084F8AE}" type="slidenum">
+            <a:fld id="{58C08E26-62BD-4775-9972-8985E059ACC0}" type="slidenum">
               <a:t>&lt;#&gt;</a:t>
             </a:fld>
           </a:p>
@@ -4972,7 +4861,7 @@
             <a:spLocks noGrp="1"/>
           </p:cNvSpPr>
           <p:nvPr>
-            <p:ph type="dt" idx="6"/>
+            <p:ph type="dt" idx="8"/>
           </p:nvPr>
         </p:nvSpPr>
         <p:spPr/>
@@ -4980,7 +4869,7 @@
           <a:bodyPr/>
           <a:p>
             <a:r>
-              <a:rPr lang="en-US"/>
+              <a:rPr lang="en-AU"/>
               <a:t/>
             </a:r>
           </a:p>
@@ -5036,11 +4925,11 @@
             <a:noAutofit/>
           </a:bodyPr>
           <a:p>
-            <a:endParaRPr b="0" lang="en-US" sz="1800" spc="-1" strike="noStrike">
-              <a:solidFill>
-                <a:srgbClr val="000000"/>
-              </a:solidFill>
-              <a:latin typeface="Calibri"/>
+            <a:pPr algn="ctr">
+              <a:buNone/>
+            </a:pPr>
+            <a:endParaRPr b="0" lang="en-AU" sz="4400" spc="-1" strike="noStrike">
+              <a:latin typeface="Arial"/>
             </a:endParaRPr>
           </a:p>
         </p:txBody>
@@ -5073,11 +4962,8 @@
             <a:normAutofit/>
           </a:bodyPr>
           <a:p>
-            <a:endParaRPr b="0" lang="en-AU" sz="1500" spc="-1" strike="noStrike">
-              <a:solidFill>
-                <a:srgbClr val="ffffff"/>
-              </a:solidFill>
-              <a:latin typeface="Source Sans Pro"/>
+            <a:endParaRPr b="0" lang="en-AU" sz="3200" spc="-1" strike="noStrike">
+              <a:latin typeface="Arial"/>
             </a:endParaRPr>
           </a:p>
         </p:txBody>
@@ -5089,7 +4975,7 @@
             <a:spLocks noGrp="1"/>
           </p:cNvSpPr>
           <p:nvPr>
-            <p:ph type="ftr" idx="7"/>
+            <p:ph type="ftr" idx="6"/>
           </p:nvPr>
         </p:nvSpPr>
         <p:spPr/>
@@ -5109,14 +4995,14 @@
             <a:spLocks noGrp="1"/>
           </p:cNvSpPr>
           <p:nvPr>
-            <p:ph type="sldNum" idx="8"/>
+            <p:ph type="sldNum" idx="7"/>
           </p:nvPr>
         </p:nvSpPr>
         <p:spPr/>
         <p:txBody>
           <a:bodyPr/>
           <a:p>
-            <a:fld id="{3DFD3B31-99A0-4B00-ABB6-3D60696431CA}" type="slidenum">
+            <a:fld id="{2BF914A4-B034-4641-A58B-DD6D0E60EA42}" type="slidenum">
               <a:t>&lt;#&gt;</a:t>
             </a:fld>
           </a:p>
@@ -5129,7 +5015,7 @@
             <a:spLocks noGrp="1"/>
           </p:cNvSpPr>
           <p:nvPr>
-            <p:ph type="dt" idx="6"/>
+            <p:ph type="dt" idx="8"/>
           </p:nvPr>
         </p:nvSpPr>
         <p:spPr/>
@@ -5137,7 +5023,7 @@
           <a:bodyPr/>
           <a:p>
             <a:r>
-              <a:rPr lang="en-US"/>
+              <a:rPr lang="en-AU"/>
               <a:t/>
             </a:r>
           </a:p>
@@ -5193,11 +5079,11 @@
             <a:noAutofit/>
           </a:bodyPr>
           <a:p>
-            <a:endParaRPr b="0" lang="en-US" sz="1800" spc="-1" strike="noStrike">
-              <a:solidFill>
-                <a:srgbClr val="000000"/>
-              </a:solidFill>
-              <a:latin typeface="Calibri"/>
+            <a:pPr algn="ctr">
+              <a:buNone/>
+            </a:pPr>
+            <a:endParaRPr b="0" lang="en-AU" sz="4400" spc="-1" strike="noStrike">
+              <a:latin typeface="Arial"/>
             </a:endParaRPr>
           </a:p>
         </p:txBody>
@@ -5230,11 +5116,8 @@
             <a:normAutofit/>
           </a:bodyPr>
           <a:p>
-            <a:endParaRPr b="0" lang="en-AU" sz="1500" spc="-1" strike="noStrike">
-              <a:solidFill>
-                <a:srgbClr val="ffffff"/>
-              </a:solidFill>
-              <a:latin typeface="Source Sans Pro"/>
+            <a:endParaRPr b="0" lang="en-AU" sz="3200" spc="-1" strike="noStrike">
+              <a:latin typeface="Arial"/>
             </a:endParaRPr>
           </a:p>
         </p:txBody>
@@ -5267,11 +5150,8 @@
             <a:normAutofit/>
           </a:bodyPr>
           <a:p>
-            <a:endParaRPr b="0" lang="en-AU" sz="1500" spc="-1" strike="noStrike">
-              <a:solidFill>
-                <a:srgbClr val="ffffff"/>
-              </a:solidFill>
-              <a:latin typeface="Source Sans Pro"/>
+            <a:endParaRPr b="0" lang="en-AU" sz="3200" spc="-1" strike="noStrike">
+              <a:latin typeface="Arial"/>
             </a:endParaRPr>
           </a:p>
         </p:txBody>
@@ -5283,7 +5163,7 @@
             <a:spLocks noGrp="1"/>
           </p:cNvSpPr>
           <p:nvPr>
-            <p:ph type="ftr" idx="7"/>
+            <p:ph type="ftr" idx="6"/>
           </p:nvPr>
         </p:nvSpPr>
         <p:spPr/>
@@ -5303,14 +5183,14 @@
             <a:spLocks noGrp="1"/>
           </p:cNvSpPr>
           <p:nvPr>
-            <p:ph type="sldNum" idx="8"/>
+            <p:ph type="sldNum" idx="7"/>
           </p:nvPr>
         </p:nvSpPr>
         <p:spPr/>
         <p:txBody>
           <a:bodyPr/>
           <a:p>
-            <a:fld id="{5FC27D17-C92E-45B0-BA93-C07D2467430E}" type="slidenum">
+            <a:fld id="{F51704EE-29E2-4C68-AC79-AADF3C61A2E4}" type="slidenum">
               <a:t>&lt;#&gt;</a:t>
             </a:fld>
           </a:p>
@@ -5323,7 +5203,7 @@
             <a:spLocks noGrp="1"/>
           </p:cNvSpPr>
           <p:nvPr>
-            <p:ph type="dt" idx="6"/>
+            <p:ph type="dt" idx="8"/>
           </p:nvPr>
         </p:nvSpPr>
         <p:spPr/>
@@ -5331,7 +5211,7 @@
           <a:bodyPr/>
           <a:p>
             <a:r>
-              <a:rPr lang="en-US"/>
+              <a:rPr lang="en-AU"/>
               <a:t/>
             </a:r>
           </a:p>
@@ -5387,11 +5267,11 @@
             <a:noAutofit/>
           </a:bodyPr>
           <a:p>
-            <a:endParaRPr b="0" lang="en-US" sz="1800" spc="-1" strike="noStrike">
-              <a:solidFill>
-                <a:srgbClr val="000000"/>
-              </a:solidFill>
-              <a:latin typeface="Calibri"/>
+            <a:pPr algn="ctr">
+              <a:buNone/>
+            </a:pPr>
+            <a:endParaRPr b="0" lang="en-AU" sz="4400" spc="-1" strike="noStrike">
+              <a:latin typeface="Arial"/>
             </a:endParaRPr>
           </a:p>
         </p:txBody>
@@ -5403,7 +5283,7 @@
             <a:spLocks noGrp="1"/>
           </p:cNvSpPr>
           <p:nvPr>
-            <p:ph type="ftr" idx="7"/>
+            <p:ph type="ftr" idx="6"/>
           </p:nvPr>
         </p:nvSpPr>
         <p:spPr/>
@@ -5423,14 +5303,14 @@
             <a:spLocks noGrp="1"/>
           </p:cNvSpPr>
           <p:nvPr>
-            <p:ph type="sldNum" idx="8"/>
+            <p:ph type="sldNum" idx="7"/>
           </p:nvPr>
         </p:nvSpPr>
         <p:spPr/>
         <p:txBody>
           <a:bodyPr/>
           <a:p>
-            <a:fld id="{23F1163A-3EC6-4422-90A4-94AF05E9AFEC}" type="slidenum">
+            <a:fld id="{D320AAD2-A29E-4166-8326-236E6F37ED00}" type="slidenum">
               <a:t>&lt;#&gt;</a:t>
             </a:fld>
           </a:p>
@@ -5443,7 +5323,7 @@
             <a:spLocks noGrp="1"/>
           </p:cNvSpPr>
           <p:nvPr>
-            <p:ph type="dt" idx="6"/>
+            <p:ph type="dt" idx="8"/>
           </p:nvPr>
         </p:nvSpPr>
         <p:spPr/>
@@ -5451,7 +5331,7 @@
           <a:bodyPr/>
           <a:p>
             <a:r>
-              <a:rPr lang="en-US"/>
+              <a:rPr lang="en-AU"/>
               <a:t/>
             </a:r>
           </a:p>
@@ -5507,11 +5387,11 @@
             <a:noAutofit/>
           </a:bodyPr>
           <a:p>
-            <a:endParaRPr b="0" lang="en-US" sz="1800" spc="-1" strike="noStrike">
-              <a:solidFill>
-                <a:srgbClr val="000000"/>
-              </a:solidFill>
-              <a:latin typeface="Calibri"/>
+            <a:pPr algn="ctr">
+              <a:buNone/>
+            </a:pPr>
+            <a:endParaRPr b="0" lang="en-AU" sz="4400" spc="-1" strike="noStrike">
+              <a:latin typeface="Arial"/>
             </a:endParaRPr>
           </a:p>
         </p:txBody>
@@ -5544,11 +5424,8 @@
             <a:normAutofit/>
           </a:bodyPr>
           <a:p>
-            <a:endParaRPr b="0" lang="en-AU" sz="1500" spc="-1" strike="noStrike">
-              <a:solidFill>
-                <a:srgbClr val="ffffff"/>
-              </a:solidFill>
-              <a:latin typeface="Source Sans Pro"/>
+            <a:endParaRPr b="0" lang="en-AU" sz="3200" spc="-1" strike="noStrike">
+              <a:latin typeface="Arial"/>
             </a:endParaRPr>
           </a:p>
         </p:txBody>
@@ -5560,7 +5437,7 @@
             <a:spLocks noGrp="1"/>
           </p:cNvSpPr>
           <p:nvPr>
-            <p:ph type="ftr" idx="2"/>
+            <p:ph type="ftr" idx="1"/>
           </p:nvPr>
         </p:nvSpPr>
         <p:spPr/>
@@ -5580,14 +5457,14 @@
             <a:spLocks noGrp="1"/>
           </p:cNvSpPr>
           <p:nvPr>
-            <p:ph type="sldNum" idx="3"/>
+            <p:ph type="sldNum" idx="2"/>
           </p:nvPr>
         </p:nvSpPr>
         <p:spPr/>
         <p:txBody>
           <a:bodyPr/>
           <a:p>
-            <a:fld id="{C529C288-44D7-479A-95D9-2164BEA387AD}" type="slidenum">
+            <a:fld id="{0A5B1489-6186-40DC-9D95-A77C7E602D4A}" type="slidenum">
               <a:t>&lt;#&gt;</a:t>
             </a:fld>
           </a:p>
@@ -5600,7 +5477,7 @@
             <a:spLocks noGrp="1"/>
           </p:cNvSpPr>
           <p:nvPr>
-            <p:ph type="dt" idx="1"/>
+            <p:ph type="dt" idx="3"/>
           </p:nvPr>
         </p:nvSpPr>
         <p:spPr/>
@@ -5608,7 +5485,7 @@
           <a:bodyPr/>
           <a:p>
             <a:r>
-              <a:rPr lang="en-US"/>
+              <a:rPr lang="en-AU"/>
               <a:t/>
             </a:r>
           </a:p>
@@ -5667,7 +5544,7 @@
             <a:pPr algn="ctr">
               <a:buNone/>
             </a:pPr>
-            <a:endParaRPr b="0" lang="en-US" sz="3200" spc="-1" strike="noStrike">
+            <a:endParaRPr b="0" lang="en-AU" sz="3200" spc="-1" strike="noStrike">
               <a:latin typeface="Arial"/>
             </a:endParaRPr>
           </a:p>
@@ -5680,7 +5557,7 @@
             <a:spLocks noGrp="1"/>
           </p:cNvSpPr>
           <p:nvPr>
-            <p:ph type="ftr" idx="7"/>
+            <p:ph type="ftr" idx="6"/>
           </p:nvPr>
         </p:nvSpPr>
         <p:spPr/>
@@ -5700,14 +5577,14 @@
             <a:spLocks noGrp="1"/>
           </p:cNvSpPr>
           <p:nvPr>
-            <p:ph type="sldNum" idx="8"/>
+            <p:ph type="sldNum" idx="7"/>
           </p:nvPr>
         </p:nvSpPr>
         <p:spPr/>
         <p:txBody>
           <a:bodyPr/>
           <a:p>
-            <a:fld id="{CD0A2270-6494-4809-AE0F-7547EF2AC8CA}" type="slidenum">
+            <a:fld id="{5FB36499-86D0-4789-8BCB-C6D78365EC1B}" type="slidenum">
               <a:t>&lt;#&gt;</a:t>
             </a:fld>
           </a:p>
@@ -5720,7 +5597,7 @@
             <a:spLocks noGrp="1"/>
           </p:cNvSpPr>
           <p:nvPr>
-            <p:ph type="dt" idx="6"/>
+            <p:ph type="dt" idx="8"/>
           </p:nvPr>
         </p:nvSpPr>
         <p:spPr/>
@@ -5728,7 +5605,7 @@
           <a:bodyPr/>
           <a:p>
             <a:r>
-              <a:rPr lang="en-US"/>
+              <a:rPr lang="en-AU"/>
               <a:t/>
             </a:r>
           </a:p>
@@ -5784,11 +5661,11 @@
             <a:noAutofit/>
           </a:bodyPr>
           <a:p>
-            <a:endParaRPr b="0" lang="en-US" sz="1800" spc="-1" strike="noStrike">
-              <a:solidFill>
-                <a:srgbClr val="000000"/>
-              </a:solidFill>
-              <a:latin typeface="Calibri"/>
+            <a:pPr algn="ctr">
+              <a:buNone/>
+            </a:pPr>
+            <a:endParaRPr b="0" lang="en-AU" sz="4400" spc="-1" strike="noStrike">
+              <a:latin typeface="Arial"/>
             </a:endParaRPr>
           </a:p>
         </p:txBody>
@@ -5821,11 +5698,8 @@
             <a:normAutofit/>
           </a:bodyPr>
           <a:p>
-            <a:endParaRPr b="0" lang="en-AU" sz="1500" spc="-1" strike="noStrike">
-              <a:solidFill>
-                <a:srgbClr val="ffffff"/>
-              </a:solidFill>
-              <a:latin typeface="Source Sans Pro"/>
+            <a:endParaRPr b="0" lang="en-AU" sz="3200" spc="-1" strike="noStrike">
+              <a:latin typeface="Arial"/>
             </a:endParaRPr>
           </a:p>
         </p:txBody>
@@ -5858,11 +5732,8 @@
             <a:normAutofit/>
           </a:bodyPr>
           <a:p>
-            <a:endParaRPr b="0" lang="en-AU" sz="1500" spc="-1" strike="noStrike">
-              <a:solidFill>
-                <a:srgbClr val="ffffff"/>
-              </a:solidFill>
-              <a:latin typeface="Source Sans Pro"/>
+            <a:endParaRPr b="0" lang="en-AU" sz="3200" spc="-1" strike="noStrike">
+              <a:latin typeface="Arial"/>
             </a:endParaRPr>
           </a:p>
         </p:txBody>
@@ -5895,11 +5766,8 @@
             <a:normAutofit/>
           </a:bodyPr>
           <a:p>
-            <a:endParaRPr b="0" lang="en-AU" sz="1500" spc="-1" strike="noStrike">
-              <a:solidFill>
-                <a:srgbClr val="ffffff"/>
-              </a:solidFill>
-              <a:latin typeface="Source Sans Pro"/>
+            <a:endParaRPr b="0" lang="en-AU" sz="3200" spc="-1" strike="noStrike">
+              <a:latin typeface="Arial"/>
             </a:endParaRPr>
           </a:p>
         </p:txBody>
@@ -5911,7 +5779,7 @@
             <a:spLocks noGrp="1"/>
           </p:cNvSpPr>
           <p:nvPr>
-            <p:ph type="ftr" idx="7"/>
+            <p:ph type="ftr" idx="6"/>
           </p:nvPr>
         </p:nvSpPr>
         <p:spPr/>
@@ -5931,14 +5799,14 @@
             <a:spLocks noGrp="1"/>
           </p:cNvSpPr>
           <p:nvPr>
-            <p:ph type="sldNum" idx="8"/>
+            <p:ph type="sldNum" idx="7"/>
           </p:nvPr>
         </p:nvSpPr>
         <p:spPr/>
         <p:txBody>
           <a:bodyPr/>
           <a:p>
-            <a:fld id="{130BCC72-B2DB-42DE-AE61-26CA5456C930}" type="slidenum">
+            <a:fld id="{FE2C0113-359F-49D4-B2DB-9CD9FD52074C}" type="slidenum">
               <a:t>&lt;#&gt;</a:t>
             </a:fld>
           </a:p>
@@ -5951,7 +5819,7 @@
             <a:spLocks noGrp="1"/>
           </p:cNvSpPr>
           <p:nvPr>
-            <p:ph type="dt" idx="6"/>
+            <p:ph type="dt" idx="8"/>
           </p:nvPr>
         </p:nvSpPr>
         <p:spPr/>
@@ -5959,7 +5827,7 @@
           <a:bodyPr/>
           <a:p>
             <a:r>
-              <a:rPr lang="en-US"/>
+              <a:rPr lang="en-AU"/>
               <a:t/>
             </a:r>
           </a:p>
@@ -6015,11 +5883,11 @@
             <a:noAutofit/>
           </a:bodyPr>
           <a:p>
-            <a:endParaRPr b="0" lang="en-US" sz="1800" spc="-1" strike="noStrike">
-              <a:solidFill>
-                <a:srgbClr val="000000"/>
-              </a:solidFill>
-              <a:latin typeface="Calibri"/>
+            <a:pPr algn="ctr">
+              <a:buNone/>
+            </a:pPr>
+            <a:endParaRPr b="0" lang="en-AU" sz="4400" spc="-1" strike="noStrike">
+              <a:latin typeface="Arial"/>
             </a:endParaRPr>
           </a:p>
         </p:txBody>
@@ -6052,11 +5920,8 @@
             <a:normAutofit/>
           </a:bodyPr>
           <a:p>
-            <a:endParaRPr b="0" lang="en-AU" sz="1500" spc="-1" strike="noStrike">
-              <a:solidFill>
-                <a:srgbClr val="ffffff"/>
-              </a:solidFill>
-              <a:latin typeface="Source Sans Pro"/>
+            <a:endParaRPr b="0" lang="en-AU" sz="3200" spc="-1" strike="noStrike">
+              <a:latin typeface="Arial"/>
             </a:endParaRPr>
           </a:p>
         </p:txBody>
@@ -6089,11 +5954,8 @@
             <a:normAutofit/>
           </a:bodyPr>
           <a:p>
-            <a:endParaRPr b="0" lang="en-AU" sz="1500" spc="-1" strike="noStrike">
-              <a:solidFill>
-                <a:srgbClr val="ffffff"/>
-              </a:solidFill>
-              <a:latin typeface="Source Sans Pro"/>
+            <a:endParaRPr b="0" lang="en-AU" sz="3200" spc="-1" strike="noStrike">
+              <a:latin typeface="Arial"/>
             </a:endParaRPr>
           </a:p>
         </p:txBody>
@@ -6126,11 +5988,8 @@
             <a:normAutofit/>
           </a:bodyPr>
           <a:p>
-            <a:endParaRPr b="0" lang="en-AU" sz="1500" spc="-1" strike="noStrike">
-              <a:solidFill>
-                <a:srgbClr val="ffffff"/>
-              </a:solidFill>
-              <a:latin typeface="Source Sans Pro"/>
+            <a:endParaRPr b="0" lang="en-AU" sz="3200" spc="-1" strike="noStrike">
+              <a:latin typeface="Arial"/>
             </a:endParaRPr>
           </a:p>
         </p:txBody>
@@ -6142,7 +6001,7 @@
             <a:spLocks noGrp="1"/>
           </p:cNvSpPr>
           <p:nvPr>
-            <p:ph type="ftr" idx="7"/>
+            <p:ph type="ftr" idx="6"/>
           </p:nvPr>
         </p:nvSpPr>
         <p:spPr/>
@@ -6162,14 +6021,14 @@
             <a:spLocks noGrp="1"/>
           </p:cNvSpPr>
           <p:nvPr>
-            <p:ph type="sldNum" idx="8"/>
+            <p:ph type="sldNum" idx="7"/>
           </p:nvPr>
         </p:nvSpPr>
         <p:spPr/>
         <p:txBody>
           <a:bodyPr/>
           <a:p>
-            <a:fld id="{5B34B2B5-DA97-4F7F-B9DF-D8AB145750F2}" type="slidenum">
+            <a:fld id="{FA95470C-4FFE-4C24-B348-C53EEA19C0EF}" type="slidenum">
               <a:t>&lt;#&gt;</a:t>
             </a:fld>
           </a:p>
@@ -6182,7 +6041,7 @@
             <a:spLocks noGrp="1"/>
           </p:cNvSpPr>
           <p:nvPr>
-            <p:ph type="dt" idx="6"/>
+            <p:ph type="dt" idx="8"/>
           </p:nvPr>
         </p:nvSpPr>
         <p:spPr/>
@@ -6190,7 +6049,7 @@
           <a:bodyPr/>
           <a:p>
             <a:r>
-              <a:rPr lang="en-US"/>
+              <a:rPr lang="en-AU"/>
               <a:t/>
             </a:r>
           </a:p>
@@ -6246,11 +6105,11 @@
             <a:noAutofit/>
           </a:bodyPr>
           <a:p>
-            <a:endParaRPr b="0" lang="en-US" sz="1800" spc="-1" strike="noStrike">
-              <a:solidFill>
-                <a:srgbClr val="000000"/>
-              </a:solidFill>
-              <a:latin typeface="Calibri"/>
+            <a:pPr algn="ctr">
+              <a:buNone/>
+            </a:pPr>
+            <a:endParaRPr b="0" lang="en-AU" sz="4400" spc="-1" strike="noStrike">
+              <a:latin typeface="Arial"/>
             </a:endParaRPr>
           </a:p>
         </p:txBody>
@@ -6283,11 +6142,8 @@
             <a:normAutofit/>
           </a:bodyPr>
           <a:p>
-            <a:endParaRPr b="0" lang="en-AU" sz="1500" spc="-1" strike="noStrike">
-              <a:solidFill>
-                <a:srgbClr val="ffffff"/>
-              </a:solidFill>
-              <a:latin typeface="Source Sans Pro"/>
+            <a:endParaRPr b="0" lang="en-AU" sz="3200" spc="-1" strike="noStrike">
+              <a:latin typeface="Arial"/>
             </a:endParaRPr>
           </a:p>
         </p:txBody>
@@ -6320,11 +6176,8 @@
             <a:normAutofit/>
           </a:bodyPr>
           <a:p>
-            <a:endParaRPr b="0" lang="en-AU" sz="1500" spc="-1" strike="noStrike">
-              <a:solidFill>
-                <a:srgbClr val="ffffff"/>
-              </a:solidFill>
-              <a:latin typeface="Source Sans Pro"/>
+            <a:endParaRPr b="0" lang="en-AU" sz="3200" spc="-1" strike="noStrike">
+              <a:latin typeface="Arial"/>
             </a:endParaRPr>
           </a:p>
         </p:txBody>
@@ -6357,11 +6210,8 @@
             <a:normAutofit/>
           </a:bodyPr>
           <a:p>
-            <a:endParaRPr b="0" lang="en-AU" sz="1500" spc="-1" strike="noStrike">
-              <a:solidFill>
-                <a:srgbClr val="ffffff"/>
-              </a:solidFill>
-              <a:latin typeface="Source Sans Pro"/>
+            <a:endParaRPr b="0" lang="en-AU" sz="3200" spc="-1" strike="noStrike">
+              <a:latin typeface="Arial"/>
             </a:endParaRPr>
           </a:p>
         </p:txBody>
@@ -6373,7 +6223,7 @@
             <a:spLocks noGrp="1"/>
           </p:cNvSpPr>
           <p:nvPr>
-            <p:ph type="ftr" idx="7"/>
+            <p:ph type="ftr" idx="6"/>
           </p:nvPr>
         </p:nvSpPr>
         <p:spPr/>
@@ -6393,14 +6243,14 @@
             <a:spLocks noGrp="1"/>
           </p:cNvSpPr>
           <p:nvPr>
-            <p:ph type="sldNum" idx="8"/>
+            <p:ph type="sldNum" idx="7"/>
           </p:nvPr>
         </p:nvSpPr>
         <p:spPr/>
         <p:txBody>
           <a:bodyPr/>
           <a:p>
-            <a:fld id="{D1309475-D315-4BA5-A3D1-1D90AD6055BE}" type="slidenum">
+            <a:fld id="{29087AAD-C0F6-4630-928F-5CF5E8AD4240}" type="slidenum">
               <a:t>&lt;#&gt;</a:t>
             </a:fld>
           </a:p>
@@ -6413,7 +6263,7 @@
             <a:spLocks noGrp="1"/>
           </p:cNvSpPr>
           <p:nvPr>
-            <p:ph type="dt" idx="6"/>
+            <p:ph type="dt" idx="8"/>
           </p:nvPr>
         </p:nvSpPr>
         <p:spPr/>
@@ -6421,7 +6271,7 @@
           <a:bodyPr/>
           <a:p>
             <a:r>
-              <a:rPr lang="en-US"/>
+              <a:rPr lang="en-AU"/>
               <a:t/>
             </a:r>
           </a:p>
@@ -6477,11 +6327,11 @@
             <a:noAutofit/>
           </a:bodyPr>
           <a:p>
-            <a:endParaRPr b="0" lang="en-US" sz="1800" spc="-1" strike="noStrike">
-              <a:solidFill>
-                <a:srgbClr val="000000"/>
-              </a:solidFill>
-              <a:latin typeface="Calibri"/>
+            <a:pPr algn="ctr">
+              <a:buNone/>
+            </a:pPr>
+            <a:endParaRPr b="0" lang="en-AU" sz="4400" spc="-1" strike="noStrike">
+              <a:latin typeface="Arial"/>
             </a:endParaRPr>
           </a:p>
         </p:txBody>
@@ -6514,11 +6364,8 @@
             <a:normAutofit/>
           </a:bodyPr>
           <a:p>
-            <a:endParaRPr b="0" lang="en-AU" sz="1500" spc="-1" strike="noStrike">
-              <a:solidFill>
-                <a:srgbClr val="ffffff"/>
-              </a:solidFill>
-              <a:latin typeface="Source Sans Pro"/>
+            <a:endParaRPr b="0" lang="en-AU" sz="3200" spc="-1" strike="noStrike">
+              <a:latin typeface="Arial"/>
             </a:endParaRPr>
           </a:p>
         </p:txBody>
@@ -6551,11 +6398,8 @@
             <a:normAutofit/>
           </a:bodyPr>
           <a:p>
-            <a:endParaRPr b="0" lang="en-AU" sz="1500" spc="-1" strike="noStrike">
-              <a:solidFill>
-                <a:srgbClr val="ffffff"/>
-              </a:solidFill>
-              <a:latin typeface="Source Sans Pro"/>
+            <a:endParaRPr b="0" lang="en-AU" sz="3200" spc="-1" strike="noStrike">
+              <a:latin typeface="Arial"/>
             </a:endParaRPr>
           </a:p>
         </p:txBody>
@@ -6567,7 +6411,7 @@
             <a:spLocks noGrp="1"/>
           </p:cNvSpPr>
           <p:nvPr>
-            <p:ph type="ftr" idx="7"/>
+            <p:ph type="ftr" idx="6"/>
           </p:nvPr>
         </p:nvSpPr>
         <p:spPr/>
@@ -6587,14 +6431,14 @@
             <a:spLocks noGrp="1"/>
           </p:cNvSpPr>
           <p:nvPr>
-            <p:ph type="sldNum" idx="8"/>
+            <p:ph type="sldNum" idx="7"/>
           </p:nvPr>
         </p:nvSpPr>
         <p:spPr/>
         <p:txBody>
           <a:bodyPr/>
           <a:p>
-            <a:fld id="{AA301B54-D739-49BD-BB20-CBE65B1BFFD5}" type="slidenum">
+            <a:fld id="{4423C33C-DD20-4160-8E29-D7DD333C99BE}" type="slidenum">
               <a:t>&lt;#&gt;</a:t>
             </a:fld>
           </a:p>
@@ -6607,7 +6451,7 @@
             <a:spLocks noGrp="1"/>
           </p:cNvSpPr>
           <p:nvPr>
-            <p:ph type="dt" idx="6"/>
+            <p:ph type="dt" idx="8"/>
           </p:nvPr>
         </p:nvSpPr>
         <p:spPr/>
@@ -6615,7 +6459,7 @@
           <a:bodyPr/>
           <a:p>
             <a:r>
-              <a:rPr lang="en-US"/>
+              <a:rPr lang="en-AU"/>
               <a:t/>
             </a:r>
           </a:p>
@@ -6671,11 +6515,11 @@
             <a:noAutofit/>
           </a:bodyPr>
           <a:p>
-            <a:endParaRPr b="0" lang="en-US" sz="1800" spc="-1" strike="noStrike">
-              <a:solidFill>
-                <a:srgbClr val="000000"/>
-              </a:solidFill>
-              <a:latin typeface="Calibri"/>
+            <a:pPr algn="ctr">
+              <a:buNone/>
+            </a:pPr>
+            <a:endParaRPr b="0" lang="en-AU" sz="4400" spc="-1" strike="noStrike">
+              <a:latin typeface="Arial"/>
             </a:endParaRPr>
           </a:p>
         </p:txBody>
@@ -6708,11 +6552,8 @@
             <a:normAutofit/>
           </a:bodyPr>
           <a:p>
-            <a:endParaRPr b="0" lang="en-AU" sz="1500" spc="-1" strike="noStrike">
-              <a:solidFill>
-                <a:srgbClr val="ffffff"/>
-              </a:solidFill>
-              <a:latin typeface="Source Sans Pro"/>
+            <a:endParaRPr b="0" lang="en-AU" sz="3200" spc="-1" strike="noStrike">
+              <a:latin typeface="Arial"/>
             </a:endParaRPr>
           </a:p>
         </p:txBody>
@@ -6745,11 +6586,8 @@
             <a:normAutofit/>
           </a:bodyPr>
           <a:p>
-            <a:endParaRPr b="0" lang="en-AU" sz="1500" spc="-1" strike="noStrike">
-              <a:solidFill>
-                <a:srgbClr val="ffffff"/>
-              </a:solidFill>
-              <a:latin typeface="Source Sans Pro"/>
+            <a:endParaRPr b="0" lang="en-AU" sz="3200" spc="-1" strike="noStrike">
+              <a:latin typeface="Arial"/>
             </a:endParaRPr>
           </a:p>
         </p:txBody>
@@ -6782,11 +6620,8 @@
             <a:normAutofit/>
           </a:bodyPr>
           <a:p>
-            <a:endParaRPr b="0" lang="en-AU" sz="1500" spc="-1" strike="noStrike">
-              <a:solidFill>
-                <a:srgbClr val="ffffff"/>
-              </a:solidFill>
-              <a:latin typeface="Source Sans Pro"/>
+            <a:endParaRPr b="0" lang="en-AU" sz="3200" spc="-1" strike="noStrike">
+              <a:latin typeface="Arial"/>
             </a:endParaRPr>
           </a:p>
         </p:txBody>
@@ -6819,11 +6654,8 @@
             <a:normAutofit/>
           </a:bodyPr>
           <a:p>
-            <a:endParaRPr b="0" lang="en-AU" sz="1500" spc="-1" strike="noStrike">
-              <a:solidFill>
-                <a:srgbClr val="ffffff"/>
-              </a:solidFill>
-              <a:latin typeface="Source Sans Pro"/>
+            <a:endParaRPr b="0" lang="en-AU" sz="3200" spc="-1" strike="noStrike">
+              <a:latin typeface="Arial"/>
             </a:endParaRPr>
           </a:p>
         </p:txBody>
@@ -6835,7 +6667,7 @@
             <a:spLocks noGrp="1"/>
           </p:cNvSpPr>
           <p:nvPr>
-            <p:ph type="ftr" idx="7"/>
+            <p:ph type="ftr" idx="6"/>
           </p:nvPr>
         </p:nvSpPr>
         <p:spPr/>
@@ -6855,14 +6687,14 @@
             <a:spLocks noGrp="1"/>
           </p:cNvSpPr>
           <p:nvPr>
-            <p:ph type="sldNum" idx="8"/>
+            <p:ph type="sldNum" idx="7"/>
           </p:nvPr>
         </p:nvSpPr>
         <p:spPr/>
         <p:txBody>
           <a:bodyPr/>
           <a:p>
-            <a:fld id="{C4DC45E4-48F3-4BA1-952A-DC26CDA9968F}" type="slidenum">
+            <a:fld id="{3A5EC2B3-B5CF-4991-8CBC-7476DACBACD6}" type="slidenum">
               <a:t>&lt;#&gt;</a:t>
             </a:fld>
           </a:p>
@@ -6875,7 +6707,7 @@
             <a:spLocks noGrp="1"/>
           </p:cNvSpPr>
           <p:nvPr>
-            <p:ph type="dt" idx="6"/>
+            <p:ph type="dt" idx="8"/>
           </p:nvPr>
         </p:nvSpPr>
         <p:spPr/>
@@ -6883,7 +6715,7 @@
           <a:bodyPr/>
           <a:p>
             <a:r>
-              <a:rPr lang="en-US"/>
+              <a:rPr lang="en-AU"/>
               <a:t/>
             </a:r>
           </a:p>
@@ -6939,11 +6771,11 @@
             <a:noAutofit/>
           </a:bodyPr>
           <a:p>
-            <a:endParaRPr b="0" lang="en-US" sz="1800" spc="-1" strike="noStrike">
-              <a:solidFill>
-                <a:srgbClr val="000000"/>
-              </a:solidFill>
-              <a:latin typeface="Calibri"/>
+            <a:pPr algn="ctr">
+              <a:buNone/>
+            </a:pPr>
+            <a:endParaRPr b="0" lang="en-AU" sz="4400" spc="-1" strike="noStrike">
+              <a:latin typeface="Arial"/>
             </a:endParaRPr>
           </a:p>
         </p:txBody>
@@ -6976,11 +6808,8 @@
             <a:normAutofit/>
           </a:bodyPr>
           <a:p>
-            <a:endParaRPr b="0" lang="en-AU" sz="1500" spc="-1" strike="noStrike">
-              <a:solidFill>
-                <a:srgbClr val="ffffff"/>
-              </a:solidFill>
-              <a:latin typeface="Source Sans Pro"/>
+            <a:endParaRPr b="0" lang="en-AU" sz="3200" spc="-1" strike="noStrike">
+              <a:latin typeface="Arial"/>
             </a:endParaRPr>
           </a:p>
         </p:txBody>
@@ -7013,11 +6842,8 @@
             <a:normAutofit/>
           </a:bodyPr>
           <a:p>
-            <a:endParaRPr b="0" lang="en-AU" sz="1500" spc="-1" strike="noStrike">
-              <a:solidFill>
-                <a:srgbClr val="ffffff"/>
-              </a:solidFill>
-              <a:latin typeface="Source Sans Pro"/>
+            <a:endParaRPr b="0" lang="en-AU" sz="3200" spc="-1" strike="noStrike">
+              <a:latin typeface="Arial"/>
             </a:endParaRPr>
           </a:p>
         </p:txBody>
@@ -7050,11 +6876,8 @@
             <a:normAutofit/>
           </a:bodyPr>
           <a:p>
-            <a:endParaRPr b="0" lang="en-AU" sz="1500" spc="-1" strike="noStrike">
-              <a:solidFill>
-                <a:srgbClr val="ffffff"/>
-              </a:solidFill>
-              <a:latin typeface="Source Sans Pro"/>
+            <a:endParaRPr b="0" lang="en-AU" sz="3200" spc="-1" strike="noStrike">
+              <a:latin typeface="Arial"/>
             </a:endParaRPr>
           </a:p>
         </p:txBody>
@@ -7087,11 +6910,8 @@
             <a:normAutofit/>
           </a:bodyPr>
           <a:p>
-            <a:endParaRPr b="0" lang="en-AU" sz="1500" spc="-1" strike="noStrike">
-              <a:solidFill>
-                <a:srgbClr val="ffffff"/>
-              </a:solidFill>
-              <a:latin typeface="Source Sans Pro"/>
+            <a:endParaRPr b="0" lang="en-AU" sz="3200" spc="-1" strike="noStrike">
+              <a:latin typeface="Arial"/>
             </a:endParaRPr>
           </a:p>
         </p:txBody>
@@ -7124,11 +6944,8 @@
             <a:normAutofit/>
           </a:bodyPr>
           <a:p>
-            <a:endParaRPr b="0" lang="en-AU" sz="1500" spc="-1" strike="noStrike">
-              <a:solidFill>
-                <a:srgbClr val="ffffff"/>
-              </a:solidFill>
-              <a:latin typeface="Source Sans Pro"/>
+            <a:endParaRPr b="0" lang="en-AU" sz="3200" spc="-1" strike="noStrike">
+              <a:latin typeface="Arial"/>
             </a:endParaRPr>
           </a:p>
         </p:txBody>
@@ -7161,11 +6978,8 @@
             <a:normAutofit/>
           </a:bodyPr>
           <a:p>
-            <a:endParaRPr b="0" lang="en-AU" sz="1500" spc="-1" strike="noStrike">
-              <a:solidFill>
-                <a:srgbClr val="ffffff"/>
-              </a:solidFill>
-              <a:latin typeface="Source Sans Pro"/>
+            <a:endParaRPr b="0" lang="en-AU" sz="3200" spc="-1" strike="noStrike">
+              <a:latin typeface="Arial"/>
             </a:endParaRPr>
           </a:p>
         </p:txBody>
@@ -7177,7 +6991,7 @@
             <a:spLocks noGrp="1"/>
           </p:cNvSpPr>
           <p:nvPr>
-            <p:ph type="ftr" idx="7"/>
+            <p:ph type="ftr" idx="6"/>
           </p:nvPr>
         </p:nvSpPr>
         <p:spPr/>
@@ -7197,14 +7011,14 @@
             <a:spLocks noGrp="1"/>
           </p:cNvSpPr>
           <p:nvPr>
-            <p:ph type="sldNum" idx="8"/>
+            <p:ph type="sldNum" idx="7"/>
           </p:nvPr>
         </p:nvSpPr>
         <p:spPr/>
         <p:txBody>
           <a:bodyPr/>
           <a:p>
-            <a:fld id="{E34B975F-6359-42FB-9735-6B7C9ADECB02}" type="slidenum">
+            <a:fld id="{EF330DD0-2952-427D-810D-8A13B2915E27}" type="slidenum">
               <a:t>&lt;#&gt;</a:t>
             </a:fld>
           </a:p>
@@ -7217,7 +7031,7 @@
             <a:spLocks noGrp="1"/>
           </p:cNvSpPr>
           <p:nvPr>
-            <p:ph type="dt" idx="6"/>
+            <p:ph type="dt" idx="8"/>
           </p:nvPr>
         </p:nvSpPr>
         <p:spPr/>
@@ -7225,7 +7039,7 @@
           <a:bodyPr/>
           <a:p>
             <a:r>
-              <a:rPr lang="en-US"/>
+              <a:rPr lang="en-AU"/>
               <a:t/>
             </a:r>
           </a:p>
@@ -7281,11 +7095,11 @@
             <a:noAutofit/>
           </a:bodyPr>
           <a:p>
-            <a:endParaRPr b="0" lang="en-US" sz="1800" spc="-1" strike="noStrike">
-              <a:solidFill>
-                <a:srgbClr val="000000"/>
-              </a:solidFill>
-              <a:latin typeface="Calibri"/>
+            <a:pPr algn="ctr">
+              <a:buNone/>
+            </a:pPr>
+            <a:endParaRPr b="0" lang="en-AU" sz="4400" spc="-1" strike="noStrike">
+              <a:latin typeface="Arial"/>
             </a:endParaRPr>
           </a:p>
         </p:txBody>
@@ -7318,11 +7132,8 @@
             <a:normAutofit/>
           </a:bodyPr>
           <a:p>
-            <a:endParaRPr b="0" lang="en-AU" sz="1500" spc="-1" strike="noStrike">
-              <a:solidFill>
-                <a:srgbClr val="ffffff"/>
-              </a:solidFill>
-              <a:latin typeface="Source Sans Pro"/>
+            <a:endParaRPr b="0" lang="en-AU" sz="3200" spc="-1" strike="noStrike">
+              <a:latin typeface="Arial"/>
             </a:endParaRPr>
           </a:p>
         </p:txBody>
@@ -7355,11 +7166,8 @@
             <a:normAutofit/>
           </a:bodyPr>
           <a:p>
-            <a:endParaRPr b="0" lang="en-AU" sz="1500" spc="-1" strike="noStrike">
-              <a:solidFill>
-                <a:srgbClr val="ffffff"/>
-              </a:solidFill>
-              <a:latin typeface="Source Sans Pro"/>
+            <a:endParaRPr b="0" lang="en-AU" sz="3200" spc="-1" strike="noStrike">
+              <a:latin typeface="Arial"/>
             </a:endParaRPr>
           </a:p>
         </p:txBody>
@@ -7371,7 +7179,7 @@
             <a:spLocks noGrp="1"/>
           </p:cNvSpPr>
           <p:nvPr>
-            <p:ph type="ftr" idx="2"/>
+            <p:ph type="ftr" idx="1"/>
           </p:nvPr>
         </p:nvSpPr>
         <p:spPr/>
@@ -7391,14 +7199,14 @@
             <a:spLocks noGrp="1"/>
           </p:cNvSpPr>
           <p:nvPr>
-            <p:ph type="sldNum" idx="3"/>
+            <p:ph type="sldNum" idx="2"/>
           </p:nvPr>
         </p:nvSpPr>
         <p:spPr/>
         <p:txBody>
           <a:bodyPr/>
           <a:p>
-            <a:fld id="{83202924-323E-43C9-BEC2-8C4D4F2B663C}" type="slidenum">
+            <a:fld id="{3AD0EED8-0953-4AB2-AFC3-6EBD72F3C313}" type="slidenum">
               <a:t>&lt;#&gt;</a:t>
             </a:fld>
           </a:p>
@@ -7411,7 +7219,7 @@
             <a:spLocks noGrp="1"/>
           </p:cNvSpPr>
           <p:nvPr>
-            <p:ph type="dt" idx="1"/>
+            <p:ph type="dt" idx="3"/>
           </p:nvPr>
         </p:nvSpPr>
         <p:spPr/>
@@ -7419,7 +7227,7 @@
           <a:bodyPr/>
           <a:p>
             <a:r>
-              <a:rPr lang="en-US"/>
+              <a:rPr lang="en-AU"/>
               <a:t/>
             </a:r>
           </a:p>
@@ -7475,11 +7283,11 @@
             <a:noAutofit/>
           </a:bodyPr>
           <a:p>
-            <a:endParaRPr b="0" lang="en-US" sz="1800" spc="-1" strike="noStrike">
-              <a:solidFill>
-                <a:srgbClr val="000000"/>
-              </a:solidFill>
-              <a:latin typeface="Calibri"/>
+            <a:pPr algn="ctr">
+              <a:buNone/>
+            </a:pPr>
+            <a:endParaRPr b="0" lang="en-AU" sz="4400" spc="-1" strike="noStrike">
+              <a:latin typeface="Arial"/>
             </a:endParaRPr>
           </a:p>
         </p:txBody>
@@ -7491,7 +7299,7 @@
             <a:spLocks noGrp="1"/>
           </p:cNvSpPr>
           <p:nvPr>
-            <p:ph type="ftr" idx="2"/>
+            <p:ph type="ftr" idx="1"/>
           </p:nvPr>
         </p:nvSpPr>
         <p:spPr/>
@@ -7511,14 +7319,14 @@
             <a:spLocks noGrp="1"/>
           </p:cNvSpPr>
           <p:nvPr>
-            <p:ph type="sldNum" idx="3"/>
+            <p:ph type="sldNum" idx="2"/>
           </p:nvPr>
         </p:nvSpPr>
         <p:spPr/>
         <p:txBody>
           <a:bodyPr/>
           <a:p>
-            <a:fld id="{497DEB90-AE49-445B-B2D8-65152B9D737A}" type="slidenum">
+            <a:fld id="{EF381990-26B7-4E8C-9579-A06E65119920}" type="slidenum">
               <a:t>&lt;#&gt;</a:t>
             </a:fld>
           </a:p>
@@ -7531,7 +7339,7 @@
             <a:spLocks noGrp="1"/>
           </p:cNvSpPr>
           <p:nvPr>
-            <p:ph type="dt" idx="1"/>
+            <p:ph type="dt" idx="3"/>
           </p:nvPr>
         </p:nvSpPr>
         <p:spPr/>
@@ -7539,7 +7347,7 @@
           <a:bodyPr/>
           <a:p>
             <a:r>
-              <a:rPr lang="en-US"/>
+              <a:rPr lang="en-AU"/>
               <a:t/>
             </a:r>
           </a:p>
@@ -7598,7 +7406,7 @@
             <a:pPr algn="ctr">
               <a:buNone/>
             </a:pPr>
-            <a:endParaRPr b="0" lang="en-US" sz="3200" spc="-1" strike="noStrike">
+            <a:endParaRPr b="0" lang="en-AU" sz="3200" spc="-1" strike="noStrike">
               <a:latin typeface="Arial"/>
             </a:endParaRPr>
           </a:p>
@@ -7611,7 +7419,7 @@
             <a:spLocks noGrp="1"/>
           </p:cNvSpPr>
           <p:nvPr>
-            <p:ph type="ftr" idx="2"/>
+            <p:ph type="ftr" idx="1"/>
           </p:nvPr>
         </p:nvSpPr>
         <p:spPr/>
@@ -7631,14 +7439,14 @@
             <a:spLocks noGrp="1"/>
           </p:cNvSpPr>
           <p:nvPr>
-            <p:ph type="sldNum" idx="3"/>
+            <p:ph type="sldNum" idx="2"/>
           </p:nvPr>
         </p:nvSpPr>
         <p:spPr/>
         <p:txBody>
           <a:bodyPr/>
           <a:p>
-            <a:fld id="{8468F443-63A7-44C7-A200-2079AFD05F50}" type="slidenum">
+            <a:fld id="{D0F268DD-0677-4DB9-8242-365AC0B133D8}" type="slidenum">
               <a:t>&lt;#&gt;</a:t>
             </a:fld>
           </a:p>
@@ -7651,7 +7459,7 @@
             <a:spLocks noGrp="1"/>
           </p:cNvSpPr>
           <p:nvPr>
-            <p:ph type="dt" idx="1"/>
+            <p:ph type="dt" idx="3"/>
           </p:nvPr>
         </p:nvSpPr>
         <p:spPr/>
@@ -7659,7 +7467,7 @@
           <a:bodyPr/>
           <a:p>
             <a:r>
-              <a:rPr lang="en-US"/>
+              <a:rPr lang="en-AU"/>
               <a:t/>
             </a:r>
           </a:p>
@@ -7715,11 +7523,11 @@
             <a:noAutofit/>
           </a:bodyPr>
           <a:p>
-            <a:endParaRPr b="0" lang="en-US" sz="1800" spc="-1" strike="noStrike">
-              <a:solidFill>
-                <a:srgbClr val="000000"/>
-              </a:solidFill>
-              <a:latin typeface="Calibri"/>
+            <a:pPr algn="ctr">
+              <a:buNone/>
+            </a:pPr>
+            <a:endParaRPr b="0" lang="en-AU" sz="4400" spc="-1" strike="noStrike">
+              <a:latin typeface="Arial"/>
             </a:endParaRPr>
           </a:p>
         </p:txBody>
@@ -7752,11 +7560,8 @@
             <a:normAutofit/>
           </a:bodyPr>
           <a:p>
-            <a:endParaRPr b="0" lang="en-AU" sz="1500" spc="-1" strike="noStrike">
-              <a:solidFill>
-                <a:srgbClr val="ffffff"/>
-              </a:solidFill>
-              <a:latin typeface="Source Sans Pro"/>
+            <a:endParaRPr b="0" lang="en-AU" sz="3200" spc="-1" strike="noStrike">
+              <a:latin typeface="Arial"/>
             </a:endParaRPr>
           </a:p>
         </p:txBody>
@@ -7789,11 +7594,8 @@
             <a:normAutofit/>
           </a:bodyPr>
           <a:p>
-            <a:endParaRPr b="0" lang="en-AU" sz="1500" spc="-1" strike="noStrike">
-              <a:solidFill>
-                <a:srgbClr val="ffffff"/>
-              </a:solidFill>
-              <a:latin typeface="Source Sans Pro"/>
+            <a:endParaRPr b="0" lang="en-AU" sz="3200" spc="-1" strike="noStrike">
+              <a:latin typeface="Arial"/>
             </a:endParaRPr>
           </a:p>
         </p:txBody>
@@ -7826,11 +7628,8 @@
             <a:normAutofit/>
           </a:bodyPr>
           <a:p>
-            <a:endParaRPr b="0" lang="en-AU" sz="1500" spc="-1" strike="noStrike">
-              <a:solidFill>
-                <a:srgbClr val="ffffff"/>
-              </a:solidFill>
-              <a:latin typeface="Source Sans Pro"/>
+            <a:endParaRPr b="0" lang="en-AU" sz="3200" spc="-1" strike="noStrike">
+              <a:latin typeface="Arial"/>
             </a:endParaRPr>
           </a:p>
         </p:txBody>
@@ -7842,7 +7641,7 @@
             <a:spLocks noGrp="1"/>
           </p:cNvSpPr>
           <p:nvPr>
-            <p:ph type="ftr" idx="2"/>
+            <p:ph type="ftr" idx="1"/>
           </p:nvPr>
         </p:nvSpPr>
         <p:spPr/>
@@ -7862,14 +7661,14 @@
             <a:spLocks noGrp="1"/>
           </p:cNvSpPr>
           <p:nvPr>
-            <p:ph type="sldNum" idx="3"/>
+            <p:ph type="sldNum" idx="2"/>
           </p:nvPr>
         </p:nvSpPr>
         <p:spPr/>
         <p:txBody>
           <a:bodyPr/>
           <a:p>
-            <a:fld id="{5BF698CB-9FD7-4691-A535-60A81CE23A0C}" type="slidenum">
+            <a:fld id="{A9A24B2C-AE9E-4242-85B8-8851F0741C5B}" type="slidenum">
               <a:t>&lt;#&gt;</a:t>
             </a:fld>
           </a:p>
@@ -7882,7 +7681,7 @@
             <a:spLocks noGrp="1"/>
           </p:cNvSpPr>
           <p:nvPr>
-            <p:ph type="dt" idx="1"/>
+            <p:ph type="dt" idx="3"/>
           </p:nvPr>
         </p:nvSpPr>
         <p:spPr/>
@@ -7890,7 +7689,7 @@
           <a:bodyPr/>
           <a:p>
             <a:r>
-              <a:rPr lang="en-US"/>
+              <a:rPr lang="en-AU"/>
               <a:t/>
             </a:r>
           </a:p>
@@ -7946,11 +7745,11 @@
             <a:noAutofit/>
           </a:bodyPr>
           <a:p>
-            <a:endParaRPr b="0" lang="en-US" sz="1800" spc="-1" strike="noStrike">
-              <a:solidFill>
-                <a:srgbClr val="000000"/>
-              </a:solidFill>
-              <a:latin typeface="Calibri"/>
+            <a:pPr algn="ctr">
+              <a:buNone/>
+            </a:pPr>
+            <a:endParaRPr b="0" lang="en-AU" sz="4400" spc="-1" strike="noStrike">
+              <a:latin typeface="Arial"/>
             </a:endParaRPr>
           </a:p>
         </p:txBody>
@@ -7983,11 +7782,8 @@
             <a:normAutofit/>
           </a:bodyPr>
           <a:p>
-            <a:endParaRPr b="0" lang="en-AU" sz="1500" spc="-1" strike="noStrike">
-              <a:solidFill>
-                <a:srgbClr val="ffffff"/>
-              </a:solidFill>
-              <a:latin typeface="Source Sans Pro"/>
+            <a:endParaRPr b="0" lang="en-AU" sz="3200" spc="-1" strike="noStrike">
+              <a:latin typeface="Arial"/>
             </a:endParaRPr>
           </a:p>
         </p:txBody>
@@ -8020,11 +7816,8 @@
             <a:normAutofit/>
           </a:bodyPr>
           <a:p>
-            <a:endParaRPr b="0" lang="en-AU" sz="1500" spc="-1" strike="noStrike">
-              <a:solidFill>
-                <a:srgbClr val="ffffff"/>
-              </a:solidFill>
-              <a:latin typeface="Source Sans Pro"/>
+            <a:endParaRPr b="0" lang="en-AU" sz="3200" spc="-1" strike="noStrike">
+              <a:latin typeface="Arial"/>
             </a:endParaRPr>
           </a:p>
         </p:txBody>
@@ -8057,11 +7850,8 @@
             <a:normAutofit/>
           </a:bodyPr>
           <a:p>
-            <a:endParaRPr b="0" lang="en-AU" sz="1500" spc="-1" strike="noStrike">
-              <a:solidFill>
-                <a:srgbClr val="ffffff"/>
-              </a:solidFill>
-              <a:latin typeface="Source Sans Pro"/>
+            <a:endParaRPr b="0" lang="en-AU" sz="3200" spc="-1" strike="noStrike">
+              <a:latin typeface="Arial"/>
             </a:endParaRPr>
           </a:p>
         </p:txBody>
@@ -8073,7 +7863,7 @@
             <a:spLocks noGrp="1"/>
           </p:cNvSpPr>
           <p:nvPr>
-            <p:ph type="ftr" idx="2"/>
+            <p:ph type="ftr" idx="1"/>
           </p:nvPr>
         </p:nvSpPr>
         <p:spPr/>
@@ -8093,14 +7883,14 @@
             <a:spLocks noGrp="1"/>
           </p:cNvSpPr>
           <p:nvPr>
-            <p:ph type="sldNum" idx="3"/>
+            <p:ph type="sldNum" idx="2"/>
           </p:nvPr>
         </p:nvSpPr>
         <p:spPr/>
         <p:txBody>
           <a:bodyPr/>
           <a:p>
-            <a:fld id="{F2C35FE7-DCF6-4E25-8390-532146EB96BA}" type="slidenum">
+            <a:fld id="{7B89E7A7-86F3-4387-A535-EE333776A43F}" type="slidenum">
               <a:t>&lt;#&gt;</a:t>
             </a:fld>
           </a:p>
@@ -8113,7 +7903,7 @@
             <a:spLocks noGrp="1"/>
           </p:cNvSpPr>
           <p:nvPr>
-            <p:ph type="dt" idx="1"/>
+            <p:ph type="dt" idx="3"/>
           </p:nvPr>
         </p:nvSpPr>
         <p:spPr/>
@@ -8121,7 +7911,7 @@
           <a:bodyPr/>
           <a:p>
             <a:r>
-              <a:rPr lang="en-US"/>
+              <a:rPr lang="en-AU"/>
               <a:t/>
             </a:r>
           </a:p>
@@ -8177,11 +7967,11 @@
             <a:noAutofit/>
           </a:bodyPr>
           <a:p>
-            <a:endParaRPr b="0" lang="en-US" sz="1800" spc="-1" strike="noStrike">
-              <a:solidFill>
-                <a:srgbClr val="000000"/>
-              </a:solidFill>
-              <a:latin typeface="Calibri"/>
+            <a:pPr algn="ctr">
+              <a:buNone/>
+            </a:pPr>
+            <a:endParaRPr b="0" lang="en-AU" sz="4400" spc="-1" strike="noStrike">
+              <a:latin typeface="Arial"/>
             </a:endParaRPr>
           </a:p>
         </p:txBody>
@@ -8214,11 +8004,8 @@
             <a:normAutofit/>
           </a:bodyPr>
           <a:p>
-            <a:endParaRPr b="0" lang="en-AU" sz="1500" spc="-1" strike="noStrike">
-              <a:solidFill>
-                <a:srgbClr val="ffffff"/>
-              </a:solidFill>
-              <a:latin typeface="Source Sans Pro"/>
+            <a:endParaRPr b="0" lang="en-AU" sz="3200" spc="-1" strike="noStrike">
+              <a:latin typeface="Arial"/>
             </a:endParaRPr>
           </a:p>
         </p:txBody>
@@ -8251,11 +8038,8 @@
             <a:normAutofit/>
           </a:bodyPr>
           <a:p>
-            <a:endParaRPr b="0" lang="en-AU" sz="1500" spc="-1" strike="noStrike">
-              <a:solidFill>
-                <a:srgbClr val="ffffff"/>
-              </a:solidFill>
-              <a:latin typeface="Source Sans Pro"/>
+            <a:endParaRPr b="0" lang="en-AU" sz="3200" spc="-1" strike="noStrike">
+              <a:latin typeface="Arial"/>
             </a:endParaRPr>
           </a:p>
         </p:txBody>
@@ -8288,11 +8072,8 @@
             <a:normAutofit/>
           </a:bodyPr>
           <a:p>
-            <a:endParaRPr b="0" lang="en-AU" sz="1500" spc="-1" strike="noStrike">
-              <a:solidFill>
-                <a:srgbClr val="ffffff"/>
-              </a:solidFill>
-              <a:latin typeface="Source Sans Pro"/>
+            <a:endParaRPr b="0" lang="en-AU" sz="3200" spc="-1" strike="noStrike">
+              <a:latin typeface="Arial"/>
             </a:endParaRPr>
           </a:p>
         </p:txBody>
@@ -8304,7 +8085,7 @@
             <a:spLocks noGrp="1"/>
           </p:cNvSpPr>
           <p:nvPr>
-            <p:ph type="ftr" idx="2"/>
+            <p:ph type="ftr" idx="1"/>
           </p:nvPr>
         </p:nvSpPr>
         <p:spPr/>
@@ -8324,14 +8105,14 @@
             <a:spLocks noGrp="1"/>
           </p:cNvSpPr>
           <p:nvPr>
-            <p:ph type="sldNum" idx="3"/>
+            <p:ph type="sldNum" idx="2"/>
           </p:nvPr>
         </p:nvSpPr>
         <p:spPr/>
         <p:txBody>
           <a:bodyPr/>
           <a:p>
-            <a:fld id="{282E69C7-9C06-4073-B318-0F8419D4BE78}" type="slidenum">
+            <a:fld id="{FE8C3EB7-E441-4BE2-B5E9-E193FED7E479}" type="slidenum">
               <a:t>&lt;#&gt;</a:t>
             </a:fld>
           </a:p>
@@ -8344,7 +8125,7 @@
             <a:spLocks noGrp="1"/>
           </p:cNvSpPr>
           <p:nvPr>
-            <p:ph type="dt" idx="1"/>
+            <p:ph type="dt" idx="3"/>
           </p:nvPr>
         </p:nvSpPr>
         <p:spPr/>
@@ -8352,7 +8133,7 @@
           <a:bodyPr/>
           <a:p>
             <a:r>
-              <a:rPr lang="en-US"/>
+              <a:rPr lang="en-AU"/>
               <a:t/>
             </a:r>
           </a:p>
@@ -8396,7 +8177,7 @@
         <p:spPr>
           <a:xfrm>
             <a:off x="0" y="0"/>
-            <a:ext cx="10079640" cy="5669640"/>
+            <a:ext cx="10079280" cy="5669280"/>
           </a:xfrm>
           <a:custGeom>
             <a:avLst/>
@@ -8447,7 +8228,7 @@
         <p:spPr>
           <a:xfrm>
             <a:off x="0" y="0"/>
-            <a:ext cx="10079640" cy="3779640"/>
+            <a:ext cx="10079280" cy="3779280"/>
           </a:xfrm>
           <a:custGeom>
             <a:avLst/>
@@ -8499,13 +8280,13 @@
             <a:spLocks noGrp="1"/>
           </p:cNvSpPr>
           <p:nvPr>
-            <p:ph type="dt" idx="1"/>
-          </p:nvPr>
-        </p:nvSpPr>
-        <p:spPr>
-          <a:xfrm>
-            <a:off x="360000" y="5400000"/>
-            <a:ext cx="2879640" cy="269640"/>
+            <p:ph type="ftr" idx="1"/>
+          </p:nvPr>
+        </p:nvSpPr>
+        <p:spPr>
+          <a:xfrm>
+            <a:off x="3420000" y="5400000"/>
+            <a:ext cx="3239280" cy="269280"/>
           </a:xfrm>
           <a:prstGeom prst="rect">
             <a:avLst/>
@@ -8520,54 +8301,10 @@
             <a:noAutofit/>
           </a:bodyPr>
           <a:lstStyle>
-            <a:lvl1pPr>
-              <a:defRPr b="0" lang="en-US" sz="1400" spc="-1" strike="noStrike">
-                <a:latin typeface="Times New Roman"/>
-              </a:defRPr>
-            </a:lvl1pPr>
-          </a:lstStyle>
-          <a:p>
-            <a:r>
-              <a:rPr b="0" lang="en-US" sz="1400" spc="-1" strike="noStrike">
-                <a:latin typeface="Times New Roman"/>
-              </a:rPr>
-              <a:t>&lt;date/time&gt;</a:t>
-            </a:r>
-            <a:endParaRPr b="0" lang="en-US" sz="1400" spc="-1" strike="noStrike">
-              <a:latin typeface="Times New Roman"/>
-            </a:endParaRPr>
-          </a:p>
-        </p:txBody>
-      </p:sp>
-      <p:sp>
-        <p:nvSpPr>
-          <p:cNvPr id="3" name="PlaceHolder 2"/>
-          <p:cNvSpPr>
-            <a:spLocks noGrp="1"/>
-          </p:cNvSpPr>
-          <p:nvPr>
-            <p:ph type="ftr" idx="2"/>
-          </p:nvPr>
-        </p:nvSpPr>
-        <p:spPr>
-          <a:xfrm>
-            <a:off x="3420000" y="5400000"/>
-            <a:ext cx="3239640" cy="269640"/>
-          </a:xfrm>
-          <a:prstGeom prst="rect">
-            <a:avLst/>
-          </a:prstGeom>
-          <a:noFill/>
-          <a:ln w="0">
-            <a:noFill/>
-          </a:ln>
-        </p:spPr>
-        <p:txBody>
-          <a:bodyPr lIns="0" rIns="0" tIns="0" bIns="0" anchor="t">
-            <a:noAutofit/>
-          </a:bodyPr>
-          <a:lstStyle>
             <a:lvl1pPr algn="ctr">
+              <a:lnSpc>
+                <a:spcPct val="100000"/>
+              </a:lnSpc>
               <a:buNone/>
               <a:defRPr b="0" lang="en-US" sz="1400" spc="-1" strike="noStrike">
                 <a:latin typeface="Times New Roman"/>
@@ -8576,6 +8313,9 @@
           </a:lstStyle>
           <a:p>
             <a:pPr algn="ctr">
+              <a:lnSpc>
+                <a:spcPct val="100000"/>
+              </a:lnSpc>
               <a:buNone/>
             </a:pPr>
             <a:r>
@@ -8584,7 +8324,7 @@
               </a:rPr>
               <a:t>&lt;footer&gt;</a:t>
             </a:r>
-            <a:endParaRPr b="0" lang="en-US" sz="1400" spc="-1" strike="noStrike">
+            <a:endParaRPr b="0" lang="en-AU" sz="1400" spc="-1" strike="noStrike">
               <a:latin typeface="Times New Roman"/>
             </a:endParaRPr>
           </a:p>
@@ -8592,18 +8332,18 @@
       </p:sp>
       <p:sp>
         <p:nvSpPr>
-          <p:cNvPr id="4" name="PlaceHolder 3"/>
-          <p:cNvSpPr>
-            <a:spLocks noGrp="1"/>
-          </p:cNvSpPr>
-          <p:nvPr>
-            <p:ph type="sldNum" idx="3"/>
+          <p:cNvPr id="3" name="PlaceHolder 2"/>
+          <p:cNvSpPr>
+            <a:spLocks noGrp="1"/>
+          </p:cNvSpPr>
+          <p:nvPr>
+            <p:ph type="sldNum" idx="2"/>
           </p:nvPr>
         </p:nvSpPr>
         <p:spPr>
           <a:xfrm>
             <a:off x="9180000" y="5130000"/>
-            <a:ext cx="719640" cy="539640"/>
+            <a:ext cx="719280" cy="539280"/>
           </a:xfrm>
           <a:prstGeom prst="rect">
             <a:avLst/>
@@ -8639,7 +8379,7 @@
               </a:lnSpc>
               <a:buNone/>
             </a:pPr>
-            <a:fld id="{3B65361F-1CA4-4B65-9C1F-2AF17A3D96B9}" type="slidenum">
+            <a:fld id="{A5B7AC22-6B55-4988-A085-7367279A8E6B}" type="slidenum">
               <a:rPr b="1" lang="en-AU" sz="1800" spc="-1" strike="noStrike">
                 <a:solidFill>
                   <a:srgbClr val="ffffff"/>
@@ -8649,7 +8389,54 @@
               </a:rPr>
               <a:t>&lt;number&gt;</a:t>
             </a:fld>
-            <a:endParaRPr b="0" lang="en-US" sz="1800" spc="-1" strike="noStrike">
+            <a:endParaRPr b="0" lang="en-AU" sz="1800" spc="-1" strike="noStrike">
+              <a:latin typeface="Times New Roman"/>
+            </a:endParaRPr>
+          </a:p>
+        </p:txBody>
+      </p:sp>
+      <p:sp>
+        <p:nvSpPr>
+          <p:cNvPr id="4" name="PlaceHolder 3"/>
+          <p:cNvSpPr>
+            <a:spLocks noGrp="1"/>
+          </p:cNvSpPr>
+          <p:nvPr>
+            <p:ph type="dt" idx="3"/>
+          </p:nvPr>
+        </p:nvSpPr>
+        <p:spPr>
+          <a:xfrm>
+            <a:off x="360000" y="5400000"/>
+            <a:ext cx="2879280" cy="269280"/>
+          </a:xfrm>
+          <a:prstGeom prst="rect">
+            <a:avLst/>
+          </a:prstGeom>
+          <a:noFill/>
+          <a:ln w="0">
+            <a:noFill/>
+          </a:ln>
+        </p:spPr>
+        <p:txBody>
+          <a:bodyPr lIns="0" rIns="0" tIns="0" bIns="0" anchor="t">
+            <a:noAutofit/>
+          </a:bodyPr>
+          <a:lstStyle>
+            <a:lvl1pPr>
+              <a:defRPr b="0" lang="en-AU" sz="1400" spc="-1" strike="noStrike">
+                <a:latin typeface="Times New Roman"/>
+              </a:defRPr>
+            </a:lvl1pPr>
+          </a:lstStyle>
+          <a:p>
+            <a:r>
+              <a:rPr b="0" lang="en-AU" sz="1400" spc="-1" strike="noStrike">
+                <a:latin typeface="Times New Roman"/>
+              </a:rPr>
+              <a:t>&lt;date/time&gt;</a:t>
+            </a:r>
+            <a:endParaRPr b="0" lang="en-AU" sz="1400" spc="-1" strike="noStrike">
               <a:latin typeface="Times New Roman"/>
             </a:endParaRPr>
           </a:p>
@@ -8683,20 +8470,17 @@
             <a:noAutofit/>
           </a:bodyPr>
           <a:p>
-            <a:r>
-              <a:rPr b="0" lang="en-US" sz="1800" spc="-1" strike="noStrike">
-                <a:solidFill>
-                  <a:srgbClr val="000000"/>
-                </a:solidFill>
-                <a:latin typeface="Calibri"/>
+            <a:pPr algn="ctr">
+              <a:buNone/>
+            </a:pPr>
+            <a:r>
+              <a:rPr b="0" lang="en-AU" sz="4400" spc="-1" strike="noStrike">
+                <a:latin typeface="Arial"/>
               </a:rPr>
               <a:t>Click to edit the title text format</a:t>
             </a:r>
-            <a:endParaRPr b="0" lang="en-US" sz="1800" spc="-1" strike="noStrike">
-              <a:solidFill>
-                <a:srgbClr val="000000"/>
-              </a:solidFill>
-              <a:latin typeface="Calibri"/>
+            <a:endParaRPr b="0" lang="en-AU" sz="4400" spc="-1" strike="noStrike">
+              <a:latin typeface="Arial"/>
             </a:endParaRPr>
           </a:p>
         </p:txBody>
@@ -8741,26 +8525,17 @@
               <a:buChar char=""/>
             </a:pPr>
             <a:r>
-              <a:rPr b="0" lang="en-AU" sz="1500" spc="-1" strike="noStrike">
-                <a:solidFill>
-                  <a:srgbClr val="ffffff"/>
-                </a:solidFill>
-                <a:latin typeface="Source Sans Pro"/>
+              <a:rPr b="0" lang="en-AU" sz="3200" spc="-1" strike="noStrike">
+                <a:latin typeface="Arial"/>
               </a:rPr>
               <a:t>Click to edit the outline text format</a:t>
             </a:r>
-            <a:endParaRPr b="0" lang="en-AU" sz="1500" spc="-1" strike="noStrike">
-              <a:solidFill>
-                <a:srgbClr val="ffffff"/>
-              </a:solidFill>
-              <a:latin typeface="Source Sans Pro"/>
+            <a:endParaRPr b="0" lang="en-AU" sz="3200" spc="-1" strike="noStrike">
+              <a:latin typeface="Arial"/>
             </a:endParaRPr>
           </a:p>
           <a:p>
             <a:pPr lvl="1" marL="864000" indent="-324000">
-              <a:lnSpc>
-                <a:spcPct val="90000"/>
-              </a:lnSpc>
               <a:spcBef>
                 <a:spcPts val="1134"/>
               </a:spcBef>
@@ -8772,26 +8547,17 @@
               <a:buChar char=""/>
             </a:pPr>
             <a:r>
-              <a:rPr b="0" lang="en-AU" sz="2000" spc="-1" strike="noStrike">
-                <a:solidFill>
-                  <a:srgbClr val="000000"/>
-                </a:solidFill>
-                <a:latin typeface="Calibri"/>
+              <a:rPr b="0" lang="en-AU" sz="2800" spc="-1" strike="noStrike">
+                <a:latin typeface="Arial"/>
               </a:rPr>
               <a:t>Second Outline Level</a:t>
             </a:r>
-            <a:endParaRPr b="0" lang="en-AU" sz="2000" spc="-1" strike="noStrike">
-              <a:solidFill>
-                <a:srgbClr val="000000"/>
-              </a:solidFill>
-              <a:latin typeface="Calibri"/>
+            <a:endParaRPr b="0" lang="en-AU" sz="2800" spc="-1" strike="noStrike">
+              <a:latin typeface="Arial"/>
             </a:endParaRPr>
           </a:p>
           <a:p>
             <a:pPr lvl="2" marL="1296000" indent="-288000">
-              <a:lnSpc>
-                <a:spcPct val="90000"/>
-              </a:lnSpc>
               <a:spcBef>
                 <a:spcPts val="850"/>
               </a:spcBef>
@@ -8803,26 +8569,17 @@
               <a:buChar char=""/>
             </a:pPr>
             <a:r>
-              <a:rPr b="0" lang="en-AU" sz="1800" spc="-1" strike="noStrike">
-                <a:solidFill>
-                  <a:srgbClr val="000000"/>
-                </a:solidFill>
-                <a:latin typeface="Calibri"/>
+              <a:rPr b="0" lang="en-AU" sz="2400" spc="-1" strike="noStrike">
+                <a:latin typeface="Arial"/>
               </a:rPr>
               <a:t>Third Outline Level</a:t>
             </a:r>
-            <a:endParaRPr b="0" lang="en-AU" sz="1800" spc="-1" strike="noStrike">
-              <a:solidFill>
-                <a:srgbClr val="000000"/>
-              </a:solidFill>
-              <a:latin typeface="Calibri"/>
+            <a:endParaRPr b="0" lang="en-AU" sz="2400" spc="-1" strike="noStrike">
+              <a:latin typeface="Arial"/>
             </a:endParaRPr>
           </a:p>
           <a:p>
             <a:pPr lvl="3" marL="1728000" indent="-216000">
-              <a:lnSpc>
-                <a:spcPct val="90000"/>
-              </a:lnSpc>
               <a:spcBef>
                 <a:spcPts val="567"/>
               </a:spcBef>
@@ -8834,26 +8591,17 @@
               <a:buChar char=""/>
             </a:pPr>
             <a:r>
-              <a:rPr b="0" lang="en-AU" sz="1800" spc="-1" strike="noStrike">
-                <a:solidFill>
-                  <a:srgbClr val="000000"/>
-                </a:solidFill>
-                <a:latin typeface="Calibri"/>
+              <a:rPr b="0" lang="en-AU" sz="2000" spc="-1" strike="noStrike">
+                <a:latin typeface="Arial"/>
               </a:rPr>
               <a:t>Fourth Outline Level</a:t>
             </a:r>
-            <a:endParaRPr b="0" lang="en-AU" sz="1800" spc="-1" strike="noStrike">
-              <a:solidFill>
-                <a:srgbClr val="000000"/>
-              </a:solidFill>
-              <a:latin typeface="Calibri"/>
+            <a:endParaRPr b="0" lang="en-AU" sz="2000" spc="-1" strike="noStrike">
+              <a:latin typeface="Arial"/>
             </a:endParaRPr>
           </a:p>
           <a:p>
             <a:pPr lvl="4" marL="2160000" indent="-216000">
-              <a:lnSpc>
-                <a:spcPct val="90000"/>
-              </a:lnSpc>
               <a:spcBef>
                 <a:spcPts val="283"/>
               </a:spcBef>
@@ -8866,25 +8614,16 @@
             </a:pPr>
             <a:r>
               <a:rPr b="0" lang="en-AU" sz="2000" spc="-1" strike="noStrike">
-                <a:solidFill>
-                  <a:srgbClr val="000000"/>
-                </a:solidFill>
-                <a:latin typeface="Calibri"/>
+                <a:latin typeface="Arial"/>
               </a:rPr>
               <a:t>Fifth Outline Level</a:t>
             </a:r>
             <a:endParaRPr b="0" lang="en-AU" sz="2000" spc="-1" strike="noStrike">
-              <a:solidFill>
-                <a:srgbClr val="000000"/>
-              </a:solidFill>
-              <a:latin typeface="Calibri"/>
+              <a:latin typeface="Arial"/>
             </a:endParaRPr>
           </a:p>
           <a:p>
             <a:pPr lvl="5" marL="2592000" indent="-216000">
-              <a:lnSpc>
-                <a:spcPct val="90000"/>
-              </a:lnSpc>
               <a:spcBef>
                 <a:spcPts val="283"/>
               </a:spcBef>
@@ -8897,25 +8636,16 @@
             </a:pPr>
             <a:r>
               <a:rPr b="0" lang="en-AU" sz="2000" spc="-1" strike="noStrike">
-                <a:solidFill>
-                  <a:srgbClr val="000000"/>
-                </a:solidFill>
-                <a:latin typeface="Calibri"/>
+                <a:latin typeface="Arial"/>
               </a:rPr>
               <a:t>Sixth Outline Level</a:t>
             </a:r>
             <a:endParaRPr b="0" lang="en-AU" sz="2000" spc="-1" strike="noStrike">
-              <a:solidFill>
-                <a:srgbClr val="000000"/>
-              </a:solidFill>
-              <a:latin typeface="Calibri"/>
+              <a:latin typeface="Arial"/>
             </a:endParaRPr>
           </a:p>
           <a:p>
             <a:pPr lvl="6" marL="3024000" indent="-216000">
-              <a:lnSpc>
-                <a:spcPct val="90000"/>
-              </a:lnSpc>
               <a:spcBef>
                 <a:spcPts val="283"/>
               </a:spcBef>
@@ -8928,18 +8658,12 @@
             </a:pPr>
             <a:r>
               <a:rPr b="0" lang="en-AU" sz="2000" spc="-1" strike="noStrike">
-                <a:solidFill>
-                  <a:srgbClr val="000000"/>
-                </a:solidFill>
-                <a:latin typeface="Calibri"/>
+                <a:latin typeface="Arial"/>
               </a:rPr>
               <a:t>Seventh Outline Level</a:t>
             </a:r>
             <a:endParaRPr b="0" lang="en-AU" sz="2000" spc="-1" strike="noStrike">
-              <a:solidFill>
-                <a:srgbClr val="000000"/>
-              </a:solidFill>
-              <a:latin typeface="Calibri"/>
+              <a:latin typeface="Arial"/>
             </a:endParaRPr>
           </a:p>
         </p:txBody>
@@ -8990,7 +8714,7 @@
         <p:spPr>
           <a:xfrm>
             <a:off x="0" y="5400000"/>
-            <a:ext cx="10079640" cy="269640"/>
+            <a:ext cx="10079280" cy="269280"/>
           </a:xfrm>
           <a:custGeom>
             <a:avLst/>
@@ -9041,7 +8765,7 @@
         <p:spPr>
           <a:xfrm>
             <a:off x="0" y="0"/>
-            <a:ext cx="10079640" cy="1214640"/>
+            <a:ext cx="10079280" cy="1214280"/>
           </a:xfrm>
           <a:custGeom>
             <a:avLst/>
@@ -9092,7 +8816,7 @@
         <p:spPr>
           <a:xfrm>
             <a:off x="9315000" y="5175000"/>
-            <a:ext cx="449640" cy="449640"/>
+            <a:ext cx="449280" cy="449280"/>
           </a:xfrm>
           <a:custGeom>
             <a:avLst/>
@@ -9135,7 +8859,7 @@
         <p:spPr>
           <a:xfrm>
             <a:off x="9180000" y="5130000"/>
-            <a:ext cx="719640" cy="539640"/>
+            <a:ext cx="719280" cy="539280"/>
           </a:xfrm>
           <a:prstGeom prst="rect">
             <a:avLst/>
@@ -9162,16 +8886,17 @@
               </a:lnSpc>
               <a:buNone/>
             </a:pPr>
-            <a:fld id="{5ED32F97-C627-4A79-91D7-DA961C218264}" type="slidenum">
+            <a:fld id="{5ABA53C8-BA1C-48B0-8F5C-3CE4FCCC0FBD}" type="slidenum">
               <a:rPr b="0" lang="en-US" sz="1800" spc="-1" strike="noStrike">
                 <a:solidFill>
                   <a:srgbClr val="000000"/>
                 </a:solidFill>
                 <a:latin typeface="Calibri"/>
+                <a:ea typeface="DejaVu Sans"/>
               </a:rPr>
               <a:t>&lt;number&gt;</a:t>
             </a:fld>
-            <a:endParaRPr b="0" lang="en-US" sz="1800" spc="-1" strike="noStrike">
+            <a:endParaRPr b="0" lang="en-AU" sz="1800" spc="-1" strike="noStrike">
               <a:latin typeface="Arial"/>
             </a:endParaRPr>
           </a:p>
@@ -9184,13 +8909,13 @@
             <a:spLocks noGrp="1"/>
           </p:cNvSpPr>
           <p:nvPr>
-            <p:ph type="dt" idx="4"/>
-          </p:nvPr>
-        </p:nvSpPr>
-        <p:spPr>
-          <a:xfrm>
-            <a:off x="360000" y="5400000"/>
-            <a:ext cx="2879640" cy="269640"/>
+            <p:ph type="ftr" idx="4"/>
+          </p:nvPr>
+        </p:nvSpPr>
+        <p:spPr>
+          <a:xfrm>
+            <a:off x="3420000" y="5400000"/>
+            <a:ext cx="3239280" cy="269280"/>
           </a:xfrm>
           <a:prstGeom prst="rect">
             <a:avLst/>
@@ -9205,54 +8930,10 @@
             <a:noAutofit/>
           </a:bodyPr>
           <a:lstStyle>
-            <a:lvl1pPr>
-              <a:defRPr b="0" lang="en-US" sz="1400" spc="-1" strike="noStrike">
-                <a:latin typeface="Times New Roman"/>
-              </a:defRPr>
-            </a:lvl1pPr>
-          </a:lstStyle>
-          <a:p>
-            <a:r>
-              <a:rPr b="0" lang="en-US" sz="1400" spc="-1" strike="noStrike">
-                <a:latin typeface="Times New Roman"/>
-              </a:rPr>
-              <a:t>&lt;date/time&gt;</a:t>
-            </a:r>
-            <a:endParaRPr b="0" lang="en-US" sz="1400" spc="-1" strike="noStrike">
-              <a:latin typeface="Times New Roman"/>
-            </a:endParaRPr>
-          </a:p>
-        </p:txBody>
-      </p:sp>
-      <p:sp>
-        <p:nvSpPr>
-          <p:cNvPr id="48" name="PlaceHolder 2"/>
-          <p:cNvSpPr>
-            <a:spLocks noGrp="1"/>
-          </p:cNvSpPr>
-          <p:nvPr>
-            <p:ph type="ftr" idx="5"/>
-          </p:nvPr>
-        </p:nvSpPr>
-        <p:spPr>
-          <a:xfrm>
-            <a:off x="3420000" y="5400000"/>
-            <a:ext cx="3239640" cy="269640"/>
-          </a:xfrm>
-          <a:prstGeom prst="rect">
-            <a:avLst/>
-          </a:prstGeom>
-          <a:noFill/>
-          <a:ln w="0">
-            <a:noFill/>
-          </a:ln>
-        </p:spPr>
-        <p:txBody>
-          <a:bodyPr lIns="0" rIns="0" tIns="0" bIns="0" anchor="t">
-            <a:noAutofit/>
-          </a:bodyPr>
-          <a:lstStyle>
             <a:lvl1pPr algn="ctr">
+              <a:lnSpc>
+                <a:spcPct val="100000"/>
+              </a:lnSpc>
               <a:buNone/>
               <a:defRPr b="0" lang="en-US" sz="1400" spc="-1" strike="noStrike">
                 <a:latin typeface="Times New Roman"/>
@@ -9261,6 +8942,9 @@
           </a:lstStyle>
           <a:p>
             <a:pPr algn="ctr">
+              <a:lnSpc>
+                <a:spcPct val="100000"/>
+              </a:lnSpc>
               <a:buNone/>
             </a:pPr>
             <a:r>
@@ -9269,7 +8953,54 @@
               </a:rPr>
               <a:t>&lt;footer&gt;</a:t>
             </a:r>
-            <a:endParaRPr b="0" lang="en-US" sz="1400" spc="-1" strike="noStrike">
+            <a:endParaRPr b="0" lang="en-AU" sz="1400" spc="-1" strike="noStrike">
+              <a:latin typeface="Times New Roman"/>
+            </a:endParaRPr>
+          </a:p>
+        </p:txBody>
+      </p:sp>
+      <p:sp>
+        <p:nvSpPr>
+          <p:cNvPr id="48" name="PlaceHolder 2"/>
+          <p:cNvSpPr>
+            <a:spLocks noGrp="1"/>
+          </p:cNvSpPr>
+          <p:nvPr>
+            <p:ph type="dt" idx="5"/>
+          </p:nvPr>
+        </p:nvSpPr>
+        <p:spPr>
+          <a:xfrm>
+            <a:off x="360000" y="5400000"/>
+            <a:ext cx="2879280" cy="269280"/>
+          </a:xfrm>
+          <a:prstGeom prst="rect">
+            <a:avLst/>
+          </a:prstGeom>
+          <a:noFill/>
+          <a:ln w="0">
+            <a:noFill/>
+          </a:ln>
+        </p:spPr>
+        <p:txBody>
+          <a:bodyPr lIns="0" rIns="0" tIns="0" bIns="0" anchor="t">
+            <a:noAutofit/>
+          </a:bodyPr>
+          <a:lstStyle>
+            <a:lvl1pPr>
+              <a:defRPr b="0" lang="en-AU" sz="1400" spc="-1" strike="noStrike">
+                <a:latin typeface="Times New Roman"/>
+              </a:defRPr>
+            </a:lvl1pPr>
+          </a:lstStyle>
+          <a:p>
+            <a:r>
+              <a:rPr b="0" lang="en-AU" sz="1400" spc="-1" strike="noStrike">
+                <a:latin typeface="Times New Roman"/>
+              </a:rPr>
+              <a:t>&lt;date/time&gt;</a:t>
+            </a:r>
+            <a:endParaRPr b="0" lang="en-AU" sz="1400" spc="-1" strike="noStrike">
               <a:latin typeface="Times New Roman"/>
             </a:endParaRPr>
           </a:p>
@@ -9303,20 +9034,17 @@
             <a:noAutofit/>
           </a:bodyPr>
           <a:p>
-            <a:r>
-              <a:rPr b="0" lang="en-US" sz="1800" spc="-1" strike="noStrike">
-                <a:solidFill>
-                  <a:srgbClr val="000000"/>
-                </a:solidFill>
-                <a:latin typeface="Calibri"/>
+            <a:pPr algn="ctr">
+              <a:buNone/>
+            </a:pPr>
+            <a:r>
+              <a:rPr b="0" lang="en-AU" sz="4400" spc="-1" strike="noStrike">
+                <a:latin typeface="Arial"/>
               </a:rPr>
               <a:t>Click to edit the title text format</a:t>
             </a:r>
-            <a:endParaRPr b="0" lang="en-US" sz="1800" spc="-1" strike="noStrike">
-              <a:solidFill>
-                <a:srgbClr val="000000"/>
-              </a:solidFill>
-              <a:latin typeface="Calibri"/>
+            <a:endParaRPr b="0" lang="en-AU" sz="4400" spc="-1" strike="noStrike">
+              <a:latin typeface="Arial"/>
             </a:endParaRPr>
           </a:p>
         </p:txBody>
@@ -9361,26 +9089,17 @@
               <a:buChar char=""/>
             </a:pPr>
             <a:r>
-              <a:rPr b="1" lang="en-AU" sz="2400" spc="-1" strike="noStrike">
-                <a:solidFill>
-                  <a:srgbClr val="2c3e50"/>
-                </a:solidFill>
-                <a:latin typeface="Source Sans Pro Semibold"/>
+              <a:rPr b="0" lang="en-AU" sz="3200" spc="-1" strike="noStrike">
+                <a:latin typeface="Arial"/>
               </a:rPr>
               <a:t>Click to edit the outline text format</a:t>
             </a:r>
-            <a:endParaRPr b="1" lang="en-AU" sz="2400" spc="-1" strike="noStrike">
-              <a:solidFill>
-                <a:srgbClr val="2c3e50"/>
-              </a:solidFill>
-              <a:latin typeface="Source Sans Pro Semibold"/>
+            <a:endParaRPr b="0" lang="en-AU" sz="3200" spc="-1" strike="noStrike">
+              <a:latin typeface="Arial"/>
             </a:endParaRPr>
           </a:p>
           <a:p>
             <a:pPr lvl="1" marL="864000" indent="-324000">
-              <a:lnSpc>
-                <a:spcPct val="90000"/>
-              </a:lnSpc>
               <a:spcBef>
                 <a:spcPts val="1134"/>
               </a:spcBef>
@@ -9392,26 +9111,17 @@
               <a:buChar char=""/>
             </a:pPr>
             <a:r>
-              <a:rPr b="0" lang="en-AU" sz="2000" spc="-1" strike="noStrike">
-                <a:solidFill>
-                  <a:srgbClr val="000000"/>
-                </a:solidFill>
-                <a:latin typeface="Calibri"/>
+              <a:rPr b="0" lang="en-AU" sz="2800" spc="-1" strike="noStrike">
+                <a:latin typeface="Arial"/>
               </a:rPr>
               <a:t>Second Outline Level</a:t>
             </a:r>
-            <a:endParaRPr b="0" lang="en-AU" sz="2000" spc="-1" strike="noStrike">
-              <a:solidFill>
-                <a:srgbClr val="000000"/>
-              </a:solidFill>
-              <a:latin typeface="Calibri"/>
+            <a:endParaRPr b="0" lang="en-AU" sz="2800" spc="-1" strike="noStrike">
+              <a:latin typeface="Arial"/>
             </a:endParaRPr>
           </a:p>
           <a:p>
             <a:pPr lvl="2" marL="1296000" indent="-288000">
-              <a:lnSpc>
-                <a:spcPct val="90000"/>
-              </a:lnSpc>
               <a:spcBef>
                 <a:spcPts val="850"/>
               </a:spcBef>
@@ -9423,26 +9133,17 @@
               <a:buChar char=""/>
             </a:pPr>
             <a:r>
-              <a:rPr b="0" lang="en-AU" sz="1800" spc="-1" strike="noStrike">
-                <a:solidFill>
-                  <a:srgbClr val="000000"/>
-                </a:solidFill>
-                <a:latin typeface="Calibri"/>
+              <a:rPr b="0" lang="en-AU" sz="2400" spc="-1" strike="noStrike">
+                <a:latin typeface="Arial"/>
               </a:rPr>
               <a:t>Third Outline Level</a:t>
             </a:r>
-            <a:endParaRPr b="0" lang="en-AU" sz="1800" spc="-1" strike="noStrike">
-              <a:solidFill>
-                <a:srgbClr val="000000"/>
-              </a:solidFill>
-              <a:latin typeface="Calibri"/>
+            <a:endParaRPr b="0" lang="en-AU" sz="2400" spc="-1" strike="noStrike">
+              <a:latin typeface="Arial"/>
             </a:endParaRPr>
           </a:p>
           <a:p>
             <a:pPr lvl="3" marL="1728000" indent="-216000">
-              <a:lnSpc>
-                <a:spcPct val="90000"/>
-              </a:lnSpc>
               <a:spcBef>
                 <a:spcPts val="567"/>
               </a:spcBef>
@@ -9454,26 +9155,17 @@
               <a:buChar char=""/>
             </a:pPr>
             <a:r>
-              <a:rPr b="0" lang="en-AU" sz="1800" spc="-1" strike="noStrike">
-                <a:solidFill>
-                  <a:srgbClr val="000000"/>
-                </a:solidFill>
-                <a:latin typeface="Calibri"/>
+              <a:rPr b="0" lang="en-AU" sz="2000" spc="-1" strike="noStrike">
+                <a:latin typeface="Arial"/>
               </a:rPr>
               <a:t>Fourth Outline Level</a:t>
             </a:r>
-            <a:endParaRPr b="0" lang="en-AU" sz="1800" spc="-1" strike="noStrike">
-              <a:solidFill>
-                <a:srgbClr val="000000"/>
-              </a:solidFill>
-              <a:latin typeface="Calibri"/>
+            <a:endParaRPr b="0" lang="en-AU" sz="2000" spc="-1" strike="noStrike">
+              <a:latin typeface="Arial"/>
             </a:endParaRPr>
           </a:p>
           <a:p>
             <a:pPr lvl="4" marL="2160000" indent="-216000">
-              <a:lnSpc>
-                <a:spcPct val="90000"/>
-              </a:lnSpc>
               <a:spcBef>
                 <a:spcPts val="283"/>
               </a:spcBef>
@@ -9486,25 +9178,16 @@
             </a:pPr>
             <a:r>
               <a:rPr b="0" lang="en-AU" sz="2000" spc="-1" strike="noStrike">
-                <a:solidFill>
-                  <a:srgbClr val="000000"/>
-                </a:solidFill>
-                <a:latin typeface="Calibri"/>
+                <a:latin typeface="Arial"/>
               </a:rPr>
               <a:t>Fifth Outline Level</a:t>
             </a:r>
             <a:endParaRPr b="0" lang="en-AU" sz="2000" spc="-1" strike="noStrike">
-              <a:solidFill>
-                <a:srgbClr val="000000"/>
-              </a:solidFill>
-              <a:latin typeface="Calibri"/>
+              <a:latin typeface="Arial"/>
             </a:endParaRPr>
           </a:p>
           <a:p>
             <a:pPr lvl="5" marL="2592000" indent="-216000">
-              <a:lnSpc>
-                <a:spcPct val="90000"/>
-              </a:lnSpc>
               <a:spcBef>
                 <a:spcPts val="283"/>
               </a:spcBef>
@@ -9517,25 +9200,16 @@
             </a:pPr>
             <a:r>
               <a:rPr b="0" lang="en-AU" sz="2000" spc="-1" strike="noStrike">
-                <a:solidFill>
-                  <a:srgbClr val="000000"/>
-                </a:solidFill>
-                <a:latin typeface="Calibri"/>
+                <a:latin typeface="Arial"/>
               </a:rPr>
               <a:t>Sixth Outline Level</a:t>
             </a:r>
             <a:endParaRPr b="0" lang="en-AU" sz="2000" spc="-1" strike="noStrike">
-              <a:solidFill>
-                <a:srgbClr val="000000"/>
-              </a:solidFill>
-              <a:latin typeface="Calibri"/>
+              <a:latin typeface="Arial"/>
             </a:endParaRPr>
           </a:p>
           <a:p>
             <a:pPr lvl="6" marL="3024000" indent="-216000">
-              <a:lnSpc>
-                <a:spcPct val="90000"/>
-              </a:lnSpc>
               <a:spcBef>
                 <a:spcPts val="283"/>
               </a:spcBef>
@@ -9548,18 +9222,12 @@
             </a:pPr>
             <a:r>
               <a:rPr b="0" lang="en-AU" sz="2000" spc="-1" strike="noStrike">
-                <a:solidFill>
-                  <a:srgbClr val="000000"/>
-                </a:solidFill>
-                <a:latin typeface="Calibri"/>
+                <a:latin typeface="Arial"/>
               </a:rPr>
               <a:t>Seventh Outline Level</a:t>
             </a:r>
             <a:endParaRPr b="0" lang="en-AU" sz="2000" spc="-1" strike="noStrike">
-              <a:solidFill>
-                <a:srgbClr val="000000"/>
-              </a:solidFill>
-              <a:latin typeface="Calibri"/>
+              <a:latin typeface="Arial"/>
             </a:endParaRPr>
           </a:p>
         </p:txBody>
@@ -9617,7 +9285,7 @@
         <p:spPr>
           <a:xfrm>
             <a:off x="0" y="0"/>
-            <a:ext cx="10079640" cy="5669640"/>
+            <a:ext cx="10079280" cy="5669280"/>
           </a:xfrm>
           <a:custGeom>
             <a:avLst/>
@@ -9668,7 +9336,7 @@
         <p:spPr>
           <a:xfrm>
             <a:off x="2520000" y="1350000"/>
-            <a:ext cx="5039640" cy="1889640"/>
+            <a:ext cx="5039280" cy="1889280"/>
           </a:xfrm>
           <a:custGeom>
             <a:avLst/>
@@ -9792,13 +9460,13 @@
             <a:spLocks noGrp="1"/>
           </p:cNvSpPr>
           <p:nvPr>
-            <p:ph type="dt" idx="6"/>
-          </p:nvPr>
-        </p:nvSpPr>
-        <p:spPr>
-          <a:xfrm>
-            <a:off x="360000" y="5400000"/>
-            <a:ext cx="2879640" cy="269640"/>
+            <p:ph type="ftr" idx="6"/>
+          </p:nvPr>
+        </p:nvSpPr>
+        <p:spPr>
+          <a:xfrm>
+            <a:off x="3420000" y="5400000"/>
+            <a:ext cx="3239280" cy="269280"/>
           </a:xfrm>
           <a:prstGeom prst="rect">
             <a:avLst/>
@@ -9813,54 +9481,10 @@
             <a:noAutofit/>
           </a:bodyPr>
           <a:lstStyle>
-            <a:lvl1pPr>
-              <a:defRPr b="0" lang="en-US" sz="1400" spc="-1" strike="noStrike">
-                <a:latin typeface="Times New Roman"/>
-              </a:defRPr>
-            </a:lvl1pPr>
-          </a:lstStyle>
-          <a:p>
-            <a:r>
-              <a:rPr b="0" lang="en-US" sz="1400" spc="-1" strike="noStrike">
-                <a:latin typeface="Times New Roman"/>
-              </a:rPr>
-              <a:t>&lt;date/time&gt;</a:t>
-            </a:r>
-            <a:endParaRPr b="0" lang="en-US" sz="1400" spc="-1" strike="noStrike">
-              <a:latin typeface="Times New Roman"/>
-            </a:endParaRPr>
-          </a:p>
-        </p:txBody>
-      </p:sp>
-      <p:sp>
-        <p:nvSpPr>
-          <p:cNvPr id="90" name="PlaceHolder 2"/>
-          <p:cNvSpPr>
-            <a:spLocks noGrp="1"/>
-          </p:cNvSpPr>
-          <p:nvPr>
-            <p:ph type="ftr" idx="7"/>
-          </p:nvPr>
-        </p:nvSpPr>
-        <p:spPr>
-          <a:xfrm>
-            <a:off x="3420000" y="5400000"/>
-            <a:ext cx="3239640" cy="269640"/>
-          </a:xfrm>
-          <a:prstGeom prst="rect">
-            <a:avLst/>
-          </a:prstGeom>
-          <a:noFill/>
-          <a:ln w="0">
-            <a:noFill/>
-          </a:ln>
-        </p:spPr>
-        <p:txBody>
-          <a:bodyPr lIns="0" rIns="0" tIns="0" bIns="0" anchor="t">
-            <a:noAutofit/>
-          </a:bodyPr>
-          <a:lstStyle>
             <a:lvl1pPr algn="ctr">
+              <a:lnSpc>
+                <a:spcPct val="100000"/>
+              </a:lnSpc>
               <a:buNone/>
               <a:defRPr b="0" lang="en-US" sz="1400" spc="-1" strike="noStrike">
                 <a:latin typeface="Times New Roman"/>
@@ -9869,6 +9493,9 @@
           </a:lstStyle>
           <a:p>
             <a:pPr algn="ctr">
+              <a:lnSpc>
+                <a:spcPct val="100000"/>
+              </a:lnSpc>
               <a:buNone/>
             </a:pPr>
             <a:r>
@@ -9877,7 +9504,7 @@
               </a:rPr>
               <a:t>&lt;footer&gt;</a:t>
             </a:r>
-            <a:endParaRPr b="0" lang="en-US" sz="1400" spc="-1" strike="noStrike">
+            <a:endParaRPr b="0" lang="en-AU" sz="1400" spc="-1" strike="noStrike">
               <a:latin typeface="Times New Roman"/>
             </a:endParaRPr>
           </a:p>
@@ -9885,18 +9512,18 @@
       </p:sp>
       <p:sp>
         <p:nvSpPr>
-          <p:cNvPr id="91" name="PlaceHolder 3"/>
-          <p:cNvSpPr>
-            <a:spLocks noGrp="1"/>
-          </p:cNvSpPr>
-          <p:nvPr>
-            <p:ph type="sldNum" idx="8"/>
+          <p:cNvPr id="90" name="PlaceHolder 2"/>
+          <p:cNvSpPr>
+            <a:spLocks noGrp="1"/>
+          </p:cNvSpPr>
+          <p:nvPr>
+            <p:ph type="sldNum" idx="7"/>
           </p:nvPr>
         </p:nvSpPr>
         <p:spPr>
           <a:xfrm>
             <a:off x="9180000" y="5130000"/>
-            <a:ext cx="719640" cy="539640"/>
+            <a:ext cx="719280" cy="539280"/>
           </a:xfrm>
           <a:prstGeom prst="rect">
             <a:avLst/>
@@ -9932,7 +9559,7 @@
               </a:lnSpc>
               <a:buNone/>
             </a:pPr>
-            <a:fld id="{AA45C895-1C77-4951-963E-5EFD3D7400F8}" type="slidenum">
+            <a:fld id="{DF616E34-42A1-4B12-BFFF-16A1C6B004F1}" type="slidenum">
               <a:rPr b="1" lang="en-AU" sz="1800" spc="-1" strike="noStrike">
                 <a:solidFill>
                   <a:srgbClr val="ffffff"/>
@@ -9942,7 +9569,54 @@
               </a:rPr>
               <a:t>&lt;number&gt;</a:t>
             </a:fld>
-            <a:endParaRPr b="0" lang="en-US" sz="1800" spc="-1" strike="noStrike">
+            <a:endParaRPr b="0" lang="en-AU" sz="1800" spc="-1" strike="noStrike">
+              <a:latin typeface="Times New Roman"/>
+            </a:endParaRPr>
+          </a:p>
+        </p:txBody>
+      </p:sp>
+      <p:sp>
+        <p:nvSpPr>
+          <p:cNvPr id="91" name="PlaceHolder 3"/>
+          <p:cNvSpPr>
+            <a:spLocks noGrp="1"/>
+          </p:cNvSpPr>
+          <p:nvPr>
+            <p:ph type="dt" idx="8"/>
+          </p:nvPr>
+        </p:nvSpPr>
+        <p:spPr>
+          <a:xfrm>
+            <a:off x="360000" y="5400000"/>
+            <a:ext cx="2879280" cy="269280"/>
+          </a:xfrm>
+          <a:prstGeom prst="rect">
+            <a:avLst/>
+          </a:prstGeom>
+          <a:noFill/>
+          <a:ln w="0">
+            <a:noFill/>
+          </a:ln>
+        </p:spPr>
+        <p:txBody>
+          <a:bodyPr lIns="0" rIns="0" tIns="0" bIns="0" anchor="t">
+            <a:noAutofit/>
+          </a:bodyPr>
+          <a:lstStyle>
+            <a:lvl1pPr>
+              <a:defRPr b="0" lang="en-AU" sz="1400" spc="-1" strike="noStrike">
+                <a:latin typeface="Times New Roman"/>
+              </a:defRPr>
+            </a:lvl1pPr>
+          </a:lstStyle>
+          <a:p>
+            <a:r>
+              <a:rPr b="0" lang="en-AU" sz="1400" spc="-1" strike="noStrike">
+                <a:latin typeface="Times New Roman"/>
+              </a:rPr>
+              <a:t>&lt;date/time&gt;</a:t>
+            </a:r>
+            <a:endParaRPr b="0" lang="en-AU" sz="1400" spc="-1" strike="noStrike">
               <a:latin typeface="Times New Roman"/>
             </a:endParaRPr>
           </a:p>
@@ -9976,20 +9650,17 @@
             <a:noAutofit/>
           </a:bodyPr>
           <a:p>
-            <a:r>
-              <a:rPr b="0" lang="en-US" sz="1800" spc="-1" strike="noStrike">
-                <a:solidFill>
-                  <a:srgbClr val="000000"/>
-                </a:solidFill>
-                <a:latin typeface="Calibri"/>
+            <a:pPr algn="ctr">
+              <a:buNone/>
+            </a:pPr>
+            <a:r>
+              <a:rPr b="0" lang="en-AU" sz="4400" spc="-1" strike="noStrike">
+                <a:latin typeface="Arial"/>
               </a:rPr>
               <a:t>Click to edit the title text format</a:t>
             </a:r>
-            <a:endParaRPr b="0" lang="en-US" sz="1800" spc="-1" strike="noStrike">
-              <a:solidFill>
-                <a:srgbClr val="000000"/>
-              </a:solidFill>
-              <a:latin typeface="Calibri"/>
+            <a:endParaRPr b="0" lang="en-AU" sz="4400" spc="-1" strike="noStrike">
+              <a:latin typeface="Arial"/>
             </a:endParaRPr>
           </a:p>
         </p:txBody>
@@ -10034,26 +9705,17 @@
               <a:buChar char=""/>
             </a:pPr>
             <a:r>
-              <a:rPr b="0" lang="en-AU" sz="1500" spc="-1" strike="noStrike">
-                <a:solidFill>
-                  <a:srgbClr val="ffffff"/>
-                </a:solidFill>
-                <a:latin typeface="Source Sans Pro"/>
+              <a:rPr b="0" lang="en-AU" sz="3200" spc="-1" strike="noStrike">
+                <a:latin typeface="Arial"/>
               </a:rPr>
               <a:t>Click to edit the outline text format</a:t>
             </a:r>
-            <a:endParaRPr b="0" lang="en-AU" sz="1500" spc="-1" strike="noStrike">
-              <a:solidFill>
-                <a:srgbClr val="ffffff"/>
-              </a:solidFill>
-              <a:latin typeface="Source Sans Pro"/>
+            <a:endParaRPr b="0" lang="en-AU" sz="3200" spc="-1" strike="noStrike">
+              <a:latin typeface="Arial"/>
             </a:endParaRPr>
           </a:p>
           <a:p>
             <a:pPr lvl="1" marL="864000" indent="-324000">
-              <a:lnSpc>
-                <a:spcPct val="90000"/>
-              </a:lnSpc>
               <a:spcBef>
                 <a:spcPts val="1134"/>
               </a:spcBef>
@@ -10065,26 +9727,17 @@
               <a:buChar char=""/>
             </a:pPr>
             <a:r>
-              <a:rPr b="0" lang="en-AU" sz="2000" spc="-1" strike="noStrike">
-                <a:solidFill>
-                  <a:srgbClr val="000000"/>
-                </a:solidFill>
-                <a:latin typeface="Calibri"/>
+              <a:rPr b="0" lang="en-AU" sz="2800" spc="-1" strike="noStrike">
+                <a:latin typeface="Arial"/>
               </a:rPr>
               <a:t>Second Outline Level</a:t>
             </a:r>
-            <a:endParaRPr b="0" lang="en-AU" sz="2000" spc="-1" strike="noStrike">
-              <a:solidFill>
-                <a:srgbClr val="000000"/>
-              </a:solidFill>
-              <a:latin typeface="Calibri"/>
+            <a:endParaRPr b="0" lang="en-AU" sz="2800" spc="-1" strike="noStrike">
+              <a:latin typeface="Arial"/>
             </a:endParaRPr>
           </a:p>
           <a:p>
             <a:pPr lvl="2" marL="1296000" indent="-288000">
-              <a:lnSpc>
-                <a:spcPct val="90000"/>
-              </a:lnSpc>
               <a:spcBef>
                 <a:spcPts val="850"/>
               </a:spcBef>
@@ -10096,26 +9749,17 @@
               <a:buChar char=""/>
             </a:pPr>
             <a:r>
-              <a:rPr b="0" lang="en-AU" sz="1800" spc="-1" strike="noStrike">
-                <a:solidFill>
-                  <a:srgbClr val="000000"/>
-                </a:solidFill>
-                <a:latin typeface="Calibri"/>
+              <a:rPr b="0" lang="en-AU" sz="2400" spc="-1" strike="noStrike">
+                <a:latin typeface="Arial"/>
               </a:rPr>
               <a:t>Third Outline Level</a:t>
             </a:r>
-            <a:endParaRPr b="0" lang="en-AU" sz="1800" spc="-1" strike="noStrike">
-              <a:solidFill>
-                <a:srgbClr val="000000"/>
-              </a:solidFill>
-              <a:latin typeface="Calibri"/>
+            <a:endParaRPr b="0" lang="en-AU" sz="2400" spc="-1" strike="noStrike">
+              <a:latin typeface="Arial"/>
             </a:endParaRPr>
           </a:p>
           <a:p>
             <a:pPr lvl="3" marL="1728000" indent="-216000">
-              <a:lnSpc>
-                <a:spcPct val="90000"/>
-              </a:lnSpc>
               <a:spcBef>
                 <a:spcPts val="567"/>
               </a:spcBef>
@@ -10127,26 +9771,17 @@
               <a:buChar char=""/>
             </a:pPr>
             <a:r>
-              <a:rPr b="0" lang="en-AU" sz="1800" spc="-1" strike="noStrike">
-                <a:solidFill>
-                  <a:srgbClr val="000000"/>
-                </a:solidFill>
-                <a:latin typeface="Calibri"/>
+              <a:rPr b="0" lang="en-AU" sz="2000" spc="-1" strike="noStrike">
+                <a:latin typeface="Arial"/>
               </a:rPr>
               <a:t>Fourth Outline Level</a:t>
             </a:r>
-            <a:endParaRPr b="0" lang="en-AU" sz="1800" spc="-1" strike="noStrike">
-              <a:solidFill>
-                <a:srgbClr val="000000"/>
-              </a:solidFill>
-              <a:latin typeface="Calibri"/>
+            <a:endParaRPr b="0" lang="en-AU" sz="2000" spc="-1" strike="noStrike">
+              <a:latin typeface="Arial"/>
             </a:endParaRPr>
           </a:p>
           <a:p>
             <a:pPr lvl="4" marL="2160000" indent="-216000">
-              <a:lnSpc>
-                <a:spcPct val="90000"/>
-              </a:lnSpc>
               <a:spcBef>
                 <a:spcPts val="283"/>
               </a:spcBef>
@@ -10159,25 +9794,16 @@
             </a:pPr>
             <a:r>
               <a:rPr b="0" lang="en-AU" sz="2000" spc="-1" strike="noStrike">
-                <a:solidFill>
-                  <a:srgbClr val="000000"/>
-                </a:solidFill>
-                <a:latin typeface="Calibri"/>
+                <a:latin typeface="Arial"/>
               </a:rPr>
               <a:t>Fifth Outline Level</a:t>
             </a:r>
             <a:endParaRPr b="0" lang="en-AU" sz="2000" spc="-1" strike="noStrike">
-              <a:solidFill>
-                <a:srgbClr val="000000"/>
-              </a:solidFill>
-              <a:latin typeface="Calibri"/>
+              <a:latin typeface="Arial"/>
             </a:endParaRPr>
           </a:p>
           <a:p>
             <a:pPr lvl="5" marL="2592000" indent="-216000">
-              <a:lnSpc>
-                <a:spcPct val="90000"/>
-              </a:lnSpc>
               <a:spcBef>
                 <a:spcPts val="283"/>
               </a:spcBef>
@@ -10190,25 +9816,16 @@
             </a:pPr>
             <a:r>
               <a:rPr b="0" lang="en-AU" sz="2000" spc="-1" strike="noStrike">
-                <a:solidFill>
-                  <a:srgbClr val="000000"/>
-                </a:solidFill>
-                <a:latin typeface="Calibri"/>
+                <a:latin typeface="Arial"/>
               </a:rPr>
               <a:t>Sixth Outline Level</a:t>
             </a:r>
             <a:endParaRPr b="0" lang="en-AU" sz="2000" spc="-1" strike="noStrike">
-              <a:solidFill>
-                <a:srgbClr val="000000"/>
-              </a:solidFill>
-              <a:latin typeface="Calibri"/>
+              <a:latin typeface="Arial"/>
             </a:endParaRPr>
           </a:p>
           <a:p>
             <a:pPr lvl="6" marL="3024000" indent="-216000">
-              <a:lnSpc>
-                <a:spcPct val="90000"/>
-              </a:lnSpc>
               <a:spcBef>
                 <a:spcPts val="283"/>
               </a:spcBef>
@@ -10221,18 +9838,12 @@
             </a:pPr>
             <a:r>
               <a:rPr b="0" lang="en-AU" sz="2000" spc="-1" strike="noStrike">
-                <a:solidFill>
-                  <a:srgbClr val="000000"/>
-                </a:solidFill>
-                <a:latin typeface="Calibri"/>
+                <a:latin typeface="Arial"/>
               </a:rPr>
               <a:t>Seventh Outline Level</a:t>
             </a:r>
             <a:endParaRPr b="0" lang="en-AU" sz="2000" spc="-1" strike="noStrike">
-              <a:solidFill>
-                <a:srgbClr val="000000"/>
-              </a:solidFill>
-              <a:latin typeface="Calibri"/>
+              <a:latin typeface="Arial"/>
             </a:endParaRPr>
           </a:p>
         </p:txBody>
@@ -10287,7 +9898,7 @@
         <p:spPr>
           <a:xfrm>
             <a:off x="360000" y="2577240"/>
-            <a:ext cx="9359640" cy="1234440"/>
+            <a:ext cx="9359280" cy="1234080"/>
           </a:xfrm>
           <a:prstGeom prst="rect">
             <a:avLst/>
@@ -10317,11 +9928,8 @@
               </a:rPr>
               <a:t>Analysing the Issue of Methamphetamine Abuse Through the See Judge Act Framework</a:t>
             </a:r>
-            <a:endParaRPr b="0" lang="en-US" sz="2700" spc="-1" strike="noStrike">
-              <a:solidFill>
-                <a:srgbClr val="000000"/>
-              </a:solidFill>
-              <a:latin typeface="Calibri"/>
+            <a:endParaRPr b="0" lang="en-AU" sz="2700" spc="-1" strike="noStrike">
+              <a:latin typeface="Arial"/>
             </a:endParaRPr>
           </a:p>
         </p:txBody>
@@ -10339,7 +9947,7 @@
         <p:spPr>
           <a:xfrm>
             <a:off x="360000" y="3012840"/>
-            <a:ext cx="9359640" cy="3288960"/>
+            <a:ext cx="9359280" cy="3288600"/>
           </a:xfrm>
           <a:prstGeom prst="rect">
             <a:avLst/>
@@ -10373,9 +9981,45 @@
                 </a:solidFill>
                 <a:latin typeface="Source Sans Pro"/>
               </a:rPr>
-              <a:t>James Macgillivray</a:t>
-            </a:r>
-            <a:endParaRPr b="0" lang="en-US" sz="2200" spc="-1" strike="noStrike">
+              <a:t>Jame</a:t>
+            </a:r>
+            <a:r>
+              <a:rPr b="0" lang="en-AU" sz="2200" spc="-1" strike="noStrike">
+                <a:solidFill>
+                  <a:srgbClr val="ffffff"/>
+                </a:solidFill>
+                <a:latin typeface="Source Sans Pro"/>
+              </a:rPr>
+              <a:t>s </a:t>
+            </a:r>
+            <a:r>
+              <a:rPr b="0" lang="en-AU" sz="2200" spc="-1" strike="noStrike">
+                <a:solidFill>
+                  <a:srgbClr val="ffffff"/>
+                </a:solidFill>
+                <a:latin typeface="Source Sans Pro"/>
+              </a:rPr>
+              <a:t>Macg</a:t>
+            </a:r>
+            <a:r>
+              <a:rPr b="0" lang="en-AU" sz="2200" spc="-1" strike="noStrike">
+                <a:solidFill>
+                  <a:srgbClr val="ffffff"/>
+                </a:solidFill>
+                <a:latin typeface="Source Sans Pro"/>
+              </a:rPr>
+              <a:t>illivra</a:t>
+            </a:r>
+            <a:r>
+              <a:rPr b="0" lang="en-AU" sz="2200" spc="-1" strike="noStrike">
+                <a:solidFill>
+                  <a:srgbClr val="ffffff"/>
+                </a:solidFill>
+                <a:latin typeface="Source Sans Pro"/>
+              </a:rPr>
+              <a:t>y</a:t>
+            </a:r>
+            <a:endParaRPr b="0" lang="en-AU" sz="2200" spc="-1" strike="noStrike">
               <a:latin typeface="Arial"/>
             </a:endParaRPr>
           </a:p>
@@ -10424,7 +10068,7 @@
         <p:spPr>
           <a:xfrm>
             <a:off x="360000" y="225720"/>
-            <a:ext cx="9359640" cy="718560"/>
+            <a:ext cx="9359280" cy="718200"/>
           </a:xfrm>
           <a:prstGeom prst="rect">
             <a:avLst/>
@@ -10454,11 +10098,8 @@
               </a:rPr>
               <a:t>See – Identifying What the Issue is</a:t>
             </a:r>
-            <a:endParaRPr b="0" lang="en-US" sz="2700" spc="-1" strike="noStrike">
-              <a:solidFill>
-                <a:srgbClr val="000000"/>
-              </a:solidFill>
-              <a:latin typeface="Calibri"/>
+            <a:endParaRPr b="0" lang="en-AU" sz="2700" spc="-1" strike="noStrike">
+              <a:latin typeface="Arial"/>
             </a:endParaRPr>
           </a:p>
         </p:txBody>
@@ -10476,7 +10117,7 @@
         <p:spPr>
           <a:xfrm>
             <a:off x="360000" y="1485000"/>
-            <a:ext cx="9359640" cy="3779640"/>
+            <a:ext cx="9359280" cy="3779280"/>
           </a:xfrm>
           <a:prstGeom prst="rect">
             <a:avLst/>
@@ -10514,15 +10155,12 @@
               </a:rPr>
               <a:t>Methamphetamine is:</a:t>
             </a:r>
-            <a:endParaRPr b="1" lang="en-AU" sz="2400" spc="-1" strike="noStrike">
-              <a:solidFill>
-                <a:srgbClr val="2c3e50"/>
-              </a:solidFill>
-              <a:latin typeface="Source Sans Pro Semibold"/>
-            </a:endParaRPr>
-          </a:p>
-          <a:p>
-            <a:pPr lvl="1">
+            <a:endParaRPr b="0" lang="en-AU" sz="2400" spc="-1" strike="noStrike">
+              <a:latin typeface="Arial"/>
+            </a:endParaRPr>
+          </a:p>
+          <a:p>
+            <a:pPr lvl="1" marL="864000" indent="-324000">
               <a:lnSpc>
                 <a:spcPct val="90000"/>
               </a:lnSpc>
@@ -10533,7 +10171,7 @@
                 <a:srgbClr val="2c3e50"/>
               </a:buClr>
               <a:buSzPct val="75000"/>
-              <a:buFont typeface="Symbol" charset="2"/>
+              <a:buFont typeface="Symbol"/>
               <a:buChar char=""/>
             </a:pPr>
             <a:r>
@@ -10546,14 +10184,11 @@
               <a:t>A potent central nervous system stimulant</a:t>
             </a:r>
             <a:endParaRPr b="0" lang="en-AU" sz="2400" spc="-1" strike="noStrike">
-              <a:solidFill>
-                <a:srgbClr val="000000"/>
-              </a:solidFill>
-              <a:latin typeface="Calibri"/>
-            </a:endParaRPr>
-          </a:p>
-          <a:p>
-            <a:pPr lvl="1">
+              <a:latin typeface="Arial"/>
+            </a:endParaRPr>
+          </a:p>
+          <a:p>
+            <a:pPr lvl="1" marL="864000" indent="-324000">
               <a:lnSpc>
                 <a:spcPct val="90000"/>
               </a:lnSpc>
@@ -10564,7 +10199,7 @@
                 <a:srgbClr val="2c3e50"/>
               </a:buClr>
               <a:buSzPct val="75000"/>
-              <a:buFont typeface="Symbol" charset="2"/>
+              <a:buFont typeface="Symbol"/>
               <a:buChar char=""/>
             </a:pPr>
             <a:r>
@@ -10577,14 +10212,11 @@
               <a:t>Mainly used as a recreational drug</a:t>
             </a:r>
             <a:endParaRPr b="0" lang="en-AU" sz="2400" spc="-1" strike="noStrike">
-              <a:solidFill>
-                <a:srgbClr val="000000"/>
-              </a:solidFill>
-              <a:latin typeface="Calibri"/>
-            </a:endParaRPr>
-          </a:p>
-          <a:p>
-            <a:pPr lvl="1">
+              <a:latin typeface="Arial"/>
+            </a:endParaRPr>
+          </a:p>
+          <a:p>
+            <a:pPr lvl="1" marL="864000" indent="-324000">
               <a:lnSpc>
                 <a:spcPct val="90000"/>
               </a:lnSpc>
@@ -10595,7 +10227,7 @@
                 <a:srgbClr val="2c3e50"/>
               </a:buClr>
               <a:buSzPct val="75000"/>
-              <a:buFont typeface="Symbol" charset="2"/>
+              <a:buFont typeface="Symbol"/>
               <a:buChar char=""/>
             </a:pPr>
             <a:r>
@@ -10608,14 +10240,11 @@
               <a:t>Highly addictive</a:t>
             </a:r>
             <a:endParaRPr b="0" lang="en-AU" sz="2400" spc="-1" strike="noStrike">
-              <a:solidFill>
-                <a:srgbClr val="000000"/>
-              </a:solidFill>
-              <a:latin typeface="Calibri"/>
-            </a:endParaRPr>
-          </a:p>
-          <a:p>
-            <a:pPr lvl="1">
+              <a:latin typeface="Arial"/>
+            </a:endParaRPr>
+          </a:p>
+          <a:p>
+            <a:pPr lvl="1" marL="864000" indent="-324000">
               <a:lnSpc>
                 <a:spcPct val="90000"/>
               </a:lnSpc>
@@ -10626,7 +10255,7 @@
                 <a:srgbClr val="2c3e50"/>
               </a:buClr>
               <a:buSzPct val="75000"/>
-              <a:buFont typeface="Symbol" charset="2"/>
+              <a:buFont typeface="Symbol"/>
               <a:buChar char=""/>
             </a:pPr>
             <a:r>
@@ -10639,14 +10268,11 @@
               <a:t>Illegal</a:t>
             </a:r>
             <a:endParaRPr b="0" lang="en-AU" sz="2400" spc="-1" strike="noStrike">
-              <a:solidFill>
-                <a:srgbClr val="000000"/>
-              </a:solidFill>
-              <a:latin typeface="Calibri"/>
-            </a:endParaRPr>
-          </a:p>
-          <a:p>
-            <a:pPr lvl="1">
+              <a:latin typeface="Arial"/>
+            </a:endParaRPr>
+          </a:p>
+          <a:p>
+            <a:pPr lvl="1" marL="864000" indent="-324000">
               <a:lnSpc>
                 <a:spcPct val="90000"/>
               </a:lnSpc>
@@ -10657,7 +10283,7 @@
                 <a:srgbClr val="2c3e50"/>
               </a:buClr>
               <a:buSzPct val="75000"/>
-              <a:buFont typeface="Symbol" charset="2"/>
+              <a:buFont typeface="Symbol"/>
               <a:buChar char=""/>
             </a:pPr>
             <a:r>
@@ -10670,10 +10296,7 @@
               <a:t>A Cause of Violent Behaviour</a:t>
             </a:r>
             <a:endParaRPr b="0" lang="en-AU" sz="2400" spc="-1" strike="noStrike">
-              <a:solidFill>
-                <a:srgbClr val="000000"/>
-              </a:solidFill>
-              <a:latin typeface="Calibri"/>
+              <a:latin typeface="Arial"/>
             </a:endParaRPr>
           </a:p>
         </p:txBody>
@@ -10690,8 +10313,8 @@
         </p:blipFill>
         <p:spPr>
           <a:xfrm>
-            <a:off x="6537240" y="1911240"/>
-            <a:ext cx="2466720" cy="1847520"/>
+            <a:off x="6533640" y="2652840"/>
+            <a:ext cx="2466360" cy="1847160"/>
           </a:xfrm>
           <a:prstGeom prst="rect">
             <a:avLst/>
@@ -10744,7 +10367,7 @@
         <p:spPr>
           <a:xfrm>
             <a:off x="360000" y="225720"/>
-            <a:ext cx="9359640" cy="719640"/>
+            <a:ext cx="9359280" cy="719280"/>
           </a:xfrm>
           <a:prstGeom prst="rect">
             <a:avLst/>
@@ -10774,11 +10397,8 @@
               </a:rPr>
               <a:t>See – Identifying the Prevalence of the Issue</a:t>
             </a:r>
-            <a:endParaRPr b="0" lang="en-US" sz="2700" spc="-1" strike="noStrike">
-              <a:solidFill>
-                <a:srgbClr val="000000"/>
-              </a:solidFill>
-              <a:latin typeface="Calibri"/>
+            <a:endParaRPr b="0" lang="en-AU" sz="2700" spc="-1" strike="noStrike">
+              <a:latin typeface="Arial"/>
             </a:endParaRPr>
           </a:p>
         </p:txBody>
@@ -10796,7 +10416,7 @@
         <p:spPr>
           <a:xfrm>
             <a:off x="360000" y="1485000"/>
-            <a:ext cx="9359640" cy="3779640"/>
+            <a:ext cx="9359280" cy="3779280"/>
           </a:xfrm>
           <a:prstGeom prst="rect">
             <a:avLst/>
@@ -10834,11 +10454,8 @@
               </a:rPr>
               <a:t>Drub abuse in Innisfail is very high relatively to other cities and towns</a:t>
             </a:r>
-            <a:endParaRPr b="1" lang="en-AU" sz="2400" spc="-1" strike="noStrike">
-              <a:solidFill>
-                <a:srgbClr val="2c3e50"/>
-              </a:solidFill>
-              <a:latin typeface="Source Sans Pro Semibold"/>
+            <a:endParaRPr b="0" lang="en-AU" sz="2400" spc="-1" strike="noStrike">
+              <a:latin typeface="Arial"/>
             </a:endParaRPr>
           </a:p>
           <a:p>
@@ -10865,11 +10482,8 @@
               </a:rPr>
               <a:t>1.3% in Cassowary Coast in past year</a:t>
             </a:r>
-            <a:endParaRPr b="1" lang="en-AU" sz="2400" spc="-1" strike="noStrike">
-              <a:solidFill>
-                <a:srgbClr val="2c3e50"/>
-              </a:solidFill>
-              <a:latin typeface="Source Sans Pro Semibold"/>
+            <a:endParaRPr b="0" lang="en-AU" sz="2400" spc="-1" strike="noStrike">
+              <a:latin typeface="Arial"/>
             </a:endParaRPr>
           </a:p>
           <a:p>
@@ -10896,11 +10510,8 @@
               </a:rPr>
               <a:t>0.8% in Brisbane in past year</a:t>
             </a:r>
-            <a:endParaRPr b="1" lang="en-AU" sz="2400" spc="-1" strike="noStrike">
-              <a:solidFill>
-                <a:srgbClr val="2c3e50"/>
-              </a:solidFill>
-              <a:latin typeface="Source Sans Pro Semibold"/>
+            <a:endParaRPr b="0" lang="en-AU" sz="2400" spc="-1" strike="noStrike">
+              <a:latin typeface="Arial"/>
             </a:endParaRPr>
           </a:p>
           <a:p>
@@ -10927,11 +10538,8 @@
               </a:rPr>
               <a:t>This is a 50% difference</a:t>
             </a:r>
-            <a:endParaRPr b="1" lang="en-AU" sz="2400" spc="-1" strike="noStrike">
-              <a:solidFill>
-                <a:srgbClr val="2c3e50"/>
-              </a:solidFill>
-              <a:latin typeface="Source Sans Pro Semibold"/>
+            <a:endParaRPr b="0" lang="en-AU" sz="2400" spc="-1" strike="noStrike">
+              <a:latin typeface="Arial"/>
             </a:endParaRPr>
           </a:p>
         </p:txBody>
@@ -10979,7 +10587,7 @@
         <p:spPr>
           <a:xfrm>
             <a:off x="360000" y="225720"/>
-            <a:ext cx="9359640" cy="718560"/>
+            <a:ext cx="9359280" cy="718200"/>
           </a:xfrm>
           <a:prstGeom prst="rect">
             <a:avLst/>
@@ -11009,11 +10617,8 @@
               </a:rPr>
               <a:t>See – Why is this an Issue</a:t>
             </a:r>
-            <a:endParaRPr b="0" lang="en-US" sz="2700" spc="-1" strike="noStrike">
-              <a:solidFill>
-                <a:srgbClr val="000000"/>
-              </a:solidFill>
-              <a:latin typeface="Calibri"/>
+            <a:endParaRPr b="0" lang="en-AU" sz="2700" spc="-1" strike="noStrike">
+              <a:latin typeface="Arial"/>
             </a:endParaRPr>
           </a:p>
         </p:txBody>
@@ -11031,7 +10636,7 @@
         <p:spPr>
           <a:xfrm>
             <a:off x="360000" y="1485000"/>
-            <a:ext cx="9359640" cy="3779640"/>
+            <a:ext cx="9359280" cy="3779280"/>
           </a:xfrm>
           <a:prstGeom prst="rect">
             <a:avLst/>
@@ -11067,13 +10672,19 @@
                 </a:solidFill>
                 <a:latin typeface="Source Sans Pro Semibold"/>
               </a:rPr>
-              <a:t>In some circumstances using illicit substances can be only harmful to the one using the drug</a:t>
-            </a:r>
-            <a:endParaRPr b="1" lang="en-AU" sz="2400" spc="-1" strike="noStrike">
-              <a:solidFill>
-                <a:srgbClr val="2c3e50"/>
-              </a:solidFill>
-              <a:latin typeface="Source Sans Pro Semibold"/>
+              <a:t>In some circumstances using illicit substances can be only </a:t>
+            </a:r>
+            <a:r>
+              <a:rPr b="1" lang="en-AU" sz="2400" spc="-1" strike="noStrike">
+                <a:solidFill>
+                  <a:srgbClr val="2c3e50"/>
+                </a:solidFill>
+                <a:latin typeface="Source Sans Pro Semibold"/>
+              </a:rPr>
+              <a:t>harmful to the one using the drug</a:t>
+            </a:r>
+            <a:endParaRPr b="0" lang="en-AU" sz="2400" spc="-1" strike="noStrike">
+              <a:latin typeface="Arial"/>
             </a:endParaRPr>
           </a:p>
           <a:p>
@@ -11098,13 +10709,28 @@
                 </a:solidFill>
                 <a:latin typeface="Source Sans Pro Semibold"/>
               </a:rPr>
-              <a:t>However this is obviously not always the case and many drugs make people extremely aggressive and and cause large amounts of violence in communities.</a:t>
-            </a:r>
-            <a:endParaRPr b="1" lang="en-AU" sz="2400" spc="-1" strike="noStrike">
-              <a:solidFill>
-                <a:srgbClr val="2c3e50"/>
-              </a:solidFill>
-              <a:latin typeface="Source Sans Pro Semibold"/>
+              <a:t>However this is obviously not always the case and many </a:t>
+            </a:r>
+            <a:r>
+              <a:rPr b="1" lang="en-AU" sz="2400" spc="-1" strike="noStrike">
+                <a:solidFill>
+                  <a:srgbClr val="2c3e50"/>
+                </a:solidFill>
+                <a:latin typeface="Source Sans Pro Semibold"/>
+              </a:rPr>
+              <a:t>drugs make people extremely aggressive and and cause </a:t>
+            </a:r>
+            <a:r>
+              <a:rPr b="1" lang="en-AU" sz="2400" spc="-1" strike="noStrike">
+                <a:solidFill>
+                  <a:srgbClr val="2c3e50"/>
+                </a:solidFill>
+                <a:latin typeface="Source Sans Pro Semibold"/>
+              </a:rPr>
+              <a:t>large amounts of violence in communities.</a:t>
+            </a:r>
+            <a:endParaRPr b="0" lang="en-AU" sz="2400" spc="-1" strike="noStrike">
+              <a:latin typeface="Arial"/>
             </a:endParaRPr>
           </a:p>
           <a:p>
@@ -11129,13 +10755,19 @@
                 </a:solidFill>
                 <a:latin typeface="Source Sans Pro Semibold"/>
               </a:rPr>
-              <a:t>Since Violence is obviously bad, taking drugs causing violence should not be tolerated.</a:t>
-            </a:r>
-            <a:endParaRPr b="1" lang="en-AU" sz="2400" spc="-1" strike="noStrike">
-              <a:solidFill>
-                <a:srgbClr val="2c3e50"/>
-              </a:solidFill>
-              <a:latin typeface="Source Sans Pro Semibold"/>
+              <a:t>Since Violence is obviously bad, taking drugs causing </a:t>
+            </a:r>
+            <a:r>
+              <a:rPr b="1" lang="en-AU" sz="2400" spc="-1" strike="noStrike">
+                <a:solidFill>
+                  <a:srgbClr val="2c3e50"/>
+                </a:solidFill>
+                <a:latin typeface="Source Sans Pro Semibold"/>
+              </a:rPr>
+              <a:t>violence should not be tolerated.</a:t>
+            </a:r>
+            <a:endParaRPr b="0" lang="en-AU" sz="2400" spc="-1" strike="noStrike">
+              <a:latin typeface="Arial"/>
             </a:endParaRPr>
           </a:p>
         </p:txBody>
@@ -11183,7 +10815,7 @@
         <p:spPr>
           <a:xfrm>
             <a:off x="360000" y="225720"/>
-            <a:ext cx="9359640" cy="718560"/>
+            <a:ext cx="9359280" cy="718200"/>
           </a:xfrm>
           <a:prstGeom prst="rect">
             <a:avLst/>
@@ -11213,11 +10845,8 @@
               </a:rPr>
               <a:t>See – What is Causing the Issue</a:t>
             </a:r>
-            <a:endParaRPr b="0" lang="en-US" sz="2700" spc="-1" strike="noStrike">
-              <a:solidFill>
-                <a:srgbClr val="000000"/>
-              </a:solidFill>
-              <a:latin typeface="Calibri"/>
+            <a:endParaRPr b="0" lang="en-AU" sz="2700" spc="-1" strike="noStrike">
+              <a:latin typeface="Arial"/>
             </a:endParaRPr>
           </a:p>
         </p:txBody>
@@ -11235,7 +10864,7 @@
         <p:spPr>
           <a:xfrm>
             <a:off x="540000" y="1485000"/>
-            <a:ext cx="9359640" cy="3779640"/>
+            <a:ext cx="9359280" cy="3779280"/>
           </a:xfrm>
           <a:prstGeom prst="rect">
             <a:avLst/>
@@ -11273,15 +10902,12 @@
               </a:rPr>
               <a:t>People try Methamphetamine for a few reasons including:</a:t>
             </a:r>
-            <a:endParaRPr b="1" lang="en-AU" sz="2400" spc="-1" strike="noStrike">
-              <a:solidFill>
-                <a:srgbClr val="2c3e50"/>
-              </a:solidFill>
-              <a:latin typeface="Source Sans Pro Semibold"/>
-            </a:endParaRPr>
-          </a:p>
-          <a:p>
-            <a:pPr lvl="1">
+            <a:endParaRPr b="0" lang="en-AU" sz="2400" spc="-1" strike="noStrike">
+              <a:latin typeface="Arial"/>
+            </a:endParaRPr>
+          </a:p>
+          <a:p>
+            <a:pPr lvl="1" marL="864000" indent="-324000">
               <a:lnSpc>
                 <a:spcPct val="90000"/>
               </a:lnSpc>
@@ -11292,7 +10918,7 @@
                 <a:srgbClr val="2c3e50"/>
               </a:buClr>
               <a:buSzPct val="75000"/>
-              <a:buFont typeface="Symbol" charset="2"/>
+              <a:buFont typeface="Symbol"/>
               <a:buChar char=""/>
             </a:pPr>
             <a:r>
@@ -11305,14 +10931,11 @@
               <a:t>Curiosity</a:t>
             </a:r>
             <a:endParaRPr b="0" lang="en-AU" sz="2400" spc="-1" strike="noStrike">
-              <a:solidFill>
-                <a:srgbClr val="000000"/>
-              </a:solidFill>
-              <a:latin typeface="Calibri"/>
-            </a:endParaRPr>
-          </a:p>
-          <a:p>
-            <a:pPr lvl="1">
+              <a:latin typeface="Arial"/>
+            </a:endParaRPr>
+          </a:p>
+          <a:p>
+            <a:pPr lvl="1" marL="864000" indent="-324000">
               <a:lnSpc>
                 <a:spcPct val="90000"/>
               </a:lnSpc>
@@ -11323,7 +10946,7 @@
                 <a:srgbClr val="2c3e50"/>
               </a:buClr>
               <a:buSzPct val="75000"/>
-              <a:buFont typeface="Symbol" charset="2"/>
+              <a:buFont typeface="Symbol"/>
               <a:buChar char=""/>
             </a:pPr>
             <a:r>
@@ -11336,14 +10959,11 @@
               <a:t>Boredom</a:t>
             </a:r>
             <a:endParaRPr b="0" lang="en-AU" sz="2400" spc="-1" strike="noStrike">
-              <a:solidFill>
-                <a:srgbClr val="000000"/>
-              </a:solidFill>
-              <a:latin typeface="Calibri"/>
-            </a:endParaRPr>
-          </a:p>
-          <a:p>
-            <a:pPr lvl="1">
+              <a:latin typeface="Arial"/>
+            </a:endParaRPr>
+          </a:p>
+          <a:p>
+            <a:pPr lvl="1" marL="864000" indent="-324000">
               <a:lnSpc>
                 <a:spcPct val="90000"/>
               </a:lnSpc>
@@ -11354,7 +10974,7 @@
                 <a:srgbClr val="2c3e50"/>
               </a:buClr>
               <a:buSzPct val="75000"/>
-              <a:buFont typeface="Symbol" charset="2"/>
+              <a:buFont typeface="Symbol"/>
               <a:buChar char=""/>
             </a:pPr>
             <a:r>
@@ -11367,14 +10987,11 @@
               <a:t>Cope with Mental Health Issues (Depression/Anxiety)</a:t>
             </a:r>
             <a:endParaRPr b="0" lang="en-AU" sz="2400" spc="-1" strike="noStrike">
-              <a:solidFill>
-                <a:srgbClr val="000000"/>
-              </a:solidFill>
-              <a:latin typeface="Calibri"/>
-            </a:endParaRPr>
-          </a:p>
-          <a:p>
-            <a:pPr lvl="1">
+              <a:latin typeface="Arial"/>
+            </a:endParaRPr>
+          </a:p>
+          <a:p>
+            <a:pPr lvl="1" marL="864000" indent="-324000">
               <a:lnSpc>
                 <a:spcPct val="90000"/>
               </a:lnSpc>
@@ -11385,7 +11002,7 @@
                 <a:srgbClr val="2c3e50"/>
               </a:buClr>
               <a:buSzPct val="75000"/>
-              <a:buFont typeface="Symbol" charset="2"/>
+              <a:buFont typeface="Symbol"/>
               <a:buChar char=""/>
             </a:pPr>
             <a:r>
@@ -11399,10 +11016,7 @@
               <a:t>Feeling apart of a social group</a:t>
             </a:r>
             <a:endParaRPr b="0" lang="en-AU" sz="2100" spc="-1" strike="noStrike">
-              <a:solidFill>
-                <a:srgbClr val="000000"/>
-              </a:solidFill>
-              <a:latin typeface="Calibri"/>
+              <a:latin typeface="Arial"/>
             </a:endParaRPr>
           </a:p>
         </p:txBody>
@@ -11450,7 +11064,7 @@
         <p:spPr>
           <a:xfrm>
             <a:off x="360000" y="225720"/>
-            <a:ext cx="9359640" cy="718560"/>
+            <a:ext cx="9359280" cy="718200"/>
           </a:xfrm>
           <a:prstGeom prst="rect">
             <a:avLst/>
@@ -11480,11 +11094,8 @@
               </a:rPr>
               <a:t>See – What is Causing the Issue</a:t>
             </a:r>
-            <a:endParaRPr b="0" lang="en-US" sz="2700" spc="-1" strike="noStrike">
-              <a:solidFill>
-                <a:srgbClr val="000000"/>
-              </a:solidFill>
-              <a:latin typeface="Calibri"/>
+            <a:endParaRPr b="0" lang="en-AU" sz="2700" spc="-1" strike="noStrike">
+              <a:latin typeface="Arial"/>
             </a:endParaRPr>
           </a:p>
         </p:txBody>
@@ -11502,7 +11113,7 @@
         <p:spPr>
           <a:xfrm>
             <a:off x="360000" y="1485000"/>
-            <a:ext cx="9359640" cy="3779640"/>
+            <a:ext cx="9359280" cy="3779280"/>
           </a:xfrm>
           <a:prstGeom prst="rect">
             <a:avLst/>
@@ -11540,11 +11151,8 @@
               </a:rPr>
               <a:t>Once these people are “in the door” further use it usually caused by addiction</a:t>
             </a:r>
-            <a:endParaRPr b="1" lang="en-AU" sz="2400" spc="-1" strike="noStrike">
-              <a:solidFill>
-                <a:srgbClr val="2c3e50"/>
-              </a:solidFill>
-              <a:latin typeface="Source Sans Pro Semibold"/>
+            <a:endParaRPr b="0" lang="en-AU" sz="2400" spc="-1" strike="noStrike">
+              <a:latin typeface="Arial"/>
             </a:endParaRPr>
           </a:p>
           <a:p>
@@ -11571,11 +11179,8 @@
               </a:rPr>
               <a:t>Methamphetamine is highly addictive</a:t>
             </a:r>
-            <a:endParaRPr b="1" lang="en-AU" sz="2400" spc="-1" strike="noStrike">
-              <a:solidFill>
-                <a:srgbClr val="2c3e50"/>
-              </a:solidFill>
-              <a:latin typeface="Source Sans Pro Semibold"/>
+            <a:endParaRPr b="0" lang="en-AU" sz="2400" spc="-1" strike="noStrike">
+              <a:latin typeface="Arial"/>
             </a:endParaRPr>
           </a:p>
         </p:txBody>
@@ -11623,7 +11228,7 @@
         <p:spPr>
           <a:xfrm>
             <a:off x="360000" y="225720"/>
-            <a:ext cx="9359640" cy="718560"/>
+            <a:ext cx="9359280" cy="718200"/>
           </a:xfrm>
           <a:prstGeom prst="rect">
             <a:avLst/>
@@ -11653,11 +11258,8 @@
               </a:rPr>
               <a:t>Judge – What are the Broader Impacts on Society</a:t>
             </a:r>
-            <a:endParaRPr b="0" lang="en-US" sz="2700" spc="-1" strike="noStrike">
-              <a:solidFill>
-                <a:srgbClr val="000000"/>
-              </a:solidFill>
-              <a:latin typeface="Calibri"/>
+            <a:endParaRPr b="0" lang="en-AU" sz="2700" spc="-1" strike="noStrike">
+              <a:latin typeface="Arial"/>
             </a:endParaRPr>
           </a:p>
         </p:txBody>
@@ -11675,7 +11277,7 @@
         <p:spPr>
           <a:xfrm>
             <a:off x="540000" y="1485000"/>
-            <a:ext cx="9359640" cy="3779640"/>
+            <a:ext cx="9359280" cy="3779280"/>
           </a:xfrm>
           <a:prstGeom prst="rect">
             <a:avLst/>
@@ -11713,11 +11315,8 @@
               </a:rPr>
               <a:t>Increased impact on welfare system</a:t>
             </a:r>
-            <a:endParaRPr b="1" lang="en-AU" sz="2400" spc="-1" strike="noStrike">
-              <a:solidFill>
-                <a:srgbClr val="2c3e50"/>
-              </a:solidFill>
-              <a:latin typeface="Source Sans Pro Semibold"/>
+            <a:endParaRPr b="0" lang="en-AU" sz="2400" spc="-1" strike="noStrike">
+              <a:latin typeface="Arial"/>
             </a:endParaRPr>
           </a:p>
           <a:p>
@@ -11796,11 +11395,8 @@
               </a:rPr>
               <a:t>and require more medial care</a:t>
             </a:r>
-            <a:endParaRPr b="1" lang="en-AU" sz="2400" spc="-1" strike="noStrike">
-              <a:solidFill>
-                <a:srgbClr val="2c3e50"/>
-              </a:solidFill>
-              <a:latin typeface="Source Sans Pro Semibold"/>
+            <a:endParaRPr b="0" lang="en-AU" sz="2400" spc="-1" strike="noStrike">
+              <a:latin typeface="Arial"/>
             </a:endParaRPr>
           </a:p>
           <a:p>
@@ -11830,21 +11426,19 @@
               </a:rPr>
               <a:t>Increased homeless population</a:t>
             </a:r>
-            <a:endParaRPr b="1" lang="en-AU" sz="2400" spc="-1" strike="noStrike">
-              <a:solidFill>
-                <a:srgbClr val="2c3e50"/>
-              </a:solidFill>
-              <a:latin typeface="Source Sans Pro Semibold"/>
-            </a:endParaRPr>
-          </a:p>
-          <a:p>
-            <a:pPr lvl="1" marL="864000" indent="-324000">
+            <a:endParaRPr b="0" lang="en-AU" sz="2400" spc="-1" strike="noStrike">
+              <a:latin typeface="Arial"/>
+            </a:endParaRPr>
+          </a:p>
+          <a:p>
+            <a:pPr marL="864000" indent="-324000">
               <a:lnSpc>
                 <a:spcPct val="90000"/>
               </a:lnSpc>
               <a:spcBef>
                 <a:spcPts val="1134"/>
               </a:spcBef>
+              <a:buNone/>
               <a:tabLst>
                 <a:tab algn="l" pos="0"/>
               </a:tabLst>
@@ -11859,14 +11453,11 @@
               <a:t>Drug users spend money on drugs and often won’t/can’t pay for housing</a:t>
             </a:r>
             <a:endParaRPr b="0" lang="en-AU" sz="2400" spc="-1" strike="noStrike">
-              <a:solidFill>
-                <a:srgbClr val="000000"/>
-              </a:solidFill>
-              <a:latin typeface="Calibri"/>
-            </a:endParaRPr>
-          </a:p>
-          <a:p>
-            <a:pPr>
+              <a:latin typeface="Arial"/>
+            </a:endParaRPr>
+          </a:p>
+          <a:p>
+            <a:pPr marL="864000" indent="-324000">
               <a:lnSpc>
                 <a:spcPct val="90000"/>
               </a:lnSpc>
@@ -11878,11 +11469,8 @@
                 <a:tab algn="l" pos="0"/>
               </a:tabLst>
             </a:pPr>
-            <a:endParaRPr b="1" lang="en-AU" sz="2400" spc="-1" strike="noStrike">
-              <a:solidFill>
-                <a:srgbClr val="2c3e50"/>
-              </a:solidFill>
-              <a:latin typeface="Source Sans Pro Semibold"/>
+            <a:endParaRPr b="0" lang="en-AU" sz="2400" spc="-1" strike="noStrike">
+              <a:latin typeface="Arial"/>
             </a:endParaRPr>
           </a:p>
         </p:txBody>
@@ -11930,7 +11518,7 @@
         <p:spPr>
           <a:xfrm>
             <a:off x="360000" y="225720"/>
-            <a:ext cx="9359640" cy="718560"/>
+            <a:ext cx="9359280" cy="718200"/>
           </a:xfrm>
           <a:prstGeom prst="rect">
             <a:avLst/>
@@ -11960,11 +11548,8 @@
               </a:rPr>
               <a:t>Act – What does the Church say we Should do About This</a:t>
             </a:r>
-            <a:endParaRPr b="0" lang="en-US" sz="2700" spc="-1" strike="noStrike">
-              <a:solidFill>
-                <a:srgbClr val="000000"/>
-              </a:solidFill>
-              <a:latin typeface="Calibri"/>
+            <a:endParaRPr b="0" lang="en-AU" sz="2700" spc="-1" strike="noStrike">
+              <a:latin typeface="Arial"/>
             </a:endParaRPr>
           </a:p>
         </p:txBody>
@@ -11982,7 +11567,7 @@
         <p:spPr>
           <a:xfrm>
             <a:off x="540000" y="1485000"/>
-            <a:ext cx="9359640" cy="3779640"/>
+            <a:ext cx="9359280" cy="3779280"/>
           </a:xfrm>
           <a:prstGeom prst="rect">
             <a:avLst/>
@@ -12018,13 +11603,10 @@
                 </a:solidFill>
                 <a:latin typeface="Source Sans Pro Semibold"/>
               </a:rPr>
-              <a:t>The Church was a strong stance against the use of mind altering drugs and tempation</a:t>
-            </a:r>
-            <a:endParaRPr b="1" lang="en-AU" sz="2400" spc="-1" strike="noStrike">
-              <a:solidFill>
-                <a:srgbClr val="2c3e50"/>
-              </a:solidFill>
-              <a:latin typeface="Source Sans Pro Semibold"/>
+              <a:t>The Church was a strong stance against the use of mind altering drugs and temptation</a:t>
+            </a:r>
+            <a:endParaRPr b="0" lang="en-AU" sz="2400" spc="-1" strike="noStrike">
+              <a:latin typeface="Arial"/>
             </a:endParaRPr>
           </a:p>
           <a:p>
@@ -12050,22 +11632,24 @@
                 <a:latin typeface="Source Sans Pro Semibold"/>
                 <a:ea typeface="Arial"/>
               </a:rPr>
-              <a:t>No temptation has overtaken you except what is common to mankind. And God is faithful; he will not let you be tempted beyond what you can bear. But when you are tempted, he will also provide a way out so that you can endure it - </a:t>
-            </a:r>
-            <a:r>
-              <a:rPr b="1" lang="en-AU" sz="1600" spc="-1" strike="noStrike">
-                <a:solidFill>
-                  <a:srgbClr val="2c3e50"/>
-                </a:solidFill>
-                <a:latin typeface="Source Sans Pro Semibold"/>
-              </a:rPr>
-              <a:t>Corinthians 10:13</a:t>
-            </a:r>
-            <a:endParaRPr b="1" lang="en-AU" sz="1600" spc="-1" strike="noStrike">
-              <a:solidFill>
-                <a:srgbClr val="2c3e50"/>
-              </a:solidFill>
-              <a:latin typeface="Source Sans Pro Semibold"/>
+              <a:t>No temptation has overtaken you except what is common to mankind. And God is faithful; he will not let you be tempted beyond what you can bear. But when you are tempted, he will also provide a way out so that you can endure it - Corinthians 10:13</a:t>
+            </a:r>
+            <a:endParaRPr b="0" lang="en-AU" sz="1600" spc="-1" strike="noStrike">
+              <a:latin typeface="Arial"/>
+            </a:endParaRPr>
+          </a:p>
+          <a:p>
+            <a:pPr>
+              <a:lnSpc>
+                <a:spcPct val="100000"/>
+              </a:lnSpc>
+              <a:spcAft>
+                <a:spcPts val="1057"/>
+              </a:spcAft>
+              <a:buNone/>
+            </a:pPr>
+            <a:endParaRPr b="0" lang="en-AU" sz="1600" spc="-1" strike="noStrike">
+              <a:latin typeface="Arial"/>
             </a:endParaRPr>
           </a:p>
           <a:p>
@@ -12083,42 +11667,18 @@
               <a:buFont typeface="Arial"/>
               <a:buChar char="•"/>
             </a:pPr>
-            <a:endParaRPr b="1" lang="en-AU" sz="1600" spc="-1" strike="noStrike">
-              <a:solidFill>
-                <a:srgbClr val="2c3e50"/>
-              </a:solidFill>
-              <a:latin typeface="Source Sans Pro Semibold"/>
-            </a:endParaRPr>
-          </a:p>
-          <a:p>
-            <a:pPr marL="343080" indent="-343080">
-              <a:lnSpc>
-                <a:spcPct val="100000"/>
-              </a:lnSpc>
-              <a:spcAft>
-                <a:spcPts val="1057"/>
-              </a:spcAft>
-              <a:buClr>
-                <a:srgbClr val="2c3e50"/>
-              </a:buClr>
-              <a:buSzPct val="45000"/>
-              <a:buFont typeface="Arial"/>
-              <a:buChar char="•"/>
-            </a:pPr>
             <a:r>
               <a:rPr b="1" lang="en-AU" sz="2400" spc="-1" strike="noStrike">
                 <a:solidFill>
                   <a:srgbClr val="2c3e50"/>
                 </a:solidFill>
                 <a:latin typeface="Source Sans Pro Semibold"/>
+                <a:ea typeface="Arial"/>
               </a:rPr>
               <a:t>Prevention, Care and Suppression</a:t>
             </a:r>
-            <a:endParaRPr b="1" lang="en-AU" sz="2400" spc="-1" strike="noStrike">
-              <a:solidFill>
-                <a:srgbClr val="2c3e50"/>
-              </a:solidFill>
-              <a:latin typeface="Source Sans Pro Semibold"/>
+            <a:endParaRPr b="0" lang="en-AU" sz="2400" spc="-1" strike="noStrike">
+              <a:latin typeface="Arial"/>
             </a:endParaRPr>
           </a:p>
           <a:p>
@@ -12134,11 +11694,8 @@
                 <a:tab algn="l" pos="0"/>
               </a:tabLst>
             </a:pPr>
-            <a:endParaRPr b="1" lang="en-AU" sz="2400" spc="-1" strike="noStrike">
-              <a:solidFill>
-                <a:srgbClr val="2c3e50"/>
-              </a:solidFill>
-              <a:latin typeface="Source Sans Pro Semibold"/>
+            <a:endParaRPr b="0" lang="en-AU" sz="2400" spc="-1" strike="noStrike">
+              <a:latin typeface="Arial"/>
             </a:endParaRPr>
           </a:p>
         </p:txBody>
@@ -12186,7 +11743,7 @@
         <p:spPr>
           <a:xfrm>
             <a:off x="9180000" y="5130000"/>
-            <a:ext cx="719640" cy="539640"/>
+            <a:ext cx="719280" cy="539280"/>
           </a:xfrm>
           <a:prstGeom prst="rect">
             <a:avLst/>
@@ -12222,7 +11779,7 @@
               </a:lnSpc>
               <a:buNone/>
             </a:pPr>
-            <a:fld id="{51F6D026-2566-435F-A843-370D50DA47BE}" type="slidenum">
+            <a:fld id="{EFBD697B-0C6C-44F6-8690-8E075EBEE501}" type="slidenum">
               <a:rPr b="1" lang="en-AU" sz="1800" spc="-1" strike="noStrike">
                 <a:solidFill>
                   <a:srgbClr val="ffffff"/>
@@ -12232,7 +11789,7 @@
               </a:rPr>
               <a:t>&lt;number&gt;</a:t>
             </a:fld>
-            <a:endParaRPr b="0" lang="en-US" sz="1800" spc="-1" strike="noStrike">
+            <a:endParaRPr b="0" lang="en-AU" sz="1800" spc="-1" strike="noStrike">
               <a:latin typeface="Times New Roman"/>
             </a:endParaRPr>
           </a:p>
@@ -12251,7 +11808,7 @@
         <p:spPr>
           <a:xfrm>
             <a:off x="2700000" y="1440000"/>
-            <a:ext cx="4679640" cy="1619640"/>
+            <a:ext cx="4679280" cy="1619280"/>
           </a:xfrm>
           <a:prstGeom prst="rect">
             <a:avLst/>
@@ -12281,11 +11838,8 @@
               </a:rPr>
               <a:t>END.</a:t>
             </a:r>
-            <a:endParaRPr b="1" lang="en-AU" sz="2700" spc="-1" strike="noStrike">
-              <a:solidFill>
-                <a:srgbClr val="2c3e50"/>
-              </a:solidFill>
-              <a:latin typeface="Source Sans Pro Black"/>
+            <a:endParaRPr b="0" lang="en-AU" sz="2700" spc="-1" strike="noStrike">
+              <a:latin typeface="Arial"/>
             </a:endParaRPr>
           </a:p>
         </p:txBody>
